--- a/House Price Prediction PPT.pptx
+++ b/House Price Prediction PPT.pptx
@@ -11,13 +11,15 @@
     <p:sldId id="259" r:id="rId6"/>
     <p:sldId id="260" r:id="rId7"/>
     <p:sldId id="261" r:id="rId8"/>
-    <p:sldId id="262" r:id="rId9"/>
-    <p:sldId id="263" r:id="rId10"/>
-    <p:sldId id="264" r:id="rId11"/>
-    <p:sldId id="265" r:id="rId12"/>
-    <p:sldId id="266" r:id="rId13"/>
-    <p:sldId id="267" r:id="rId14"/>
-    <p:sldId id="268" r:id="rId15"/>
+    <p:sldId id="269" r:id="rId9"/>
+    <p:sldId id="262" r:id="rId10"/>
+    <p:sldId id="270" r:id="rId11"/>
+    <p:sldId id="263" r:id="rId12"/>
+    <p:sldId id="264" r:id="rId13"/>
+    <p:sldId id="265" r:id="rId14"/>
+    <p:sldId id="266" r:id="rId15"/>
+    <p:sldId id="267" r:id="rId16"/>
+    <p:sldId id="268" r:id="rId17"/>
   </p:sldIdLst>
   <p:sldSz cx="9144000" cy="6858000" type="screen4x3"/>
   <p:notesSz cx="6858000" cy="9144000"/>
@@ -120,8 +122,16 @@
 </file>
 
 <file path=ppt/slideLayouts/slideLayout1.xml><?xml version="1.0" encoding="utf-8"?>
-<p:sldLayout xmlns:a="http://schemas.openxmlformats.org/drawingml/2006/main" xmlns:r="http://schemas.openxmlformats.org/officeDocument/2006/relationships" xmlns:p="http://schemas.openxmlformats.org/presentationml/2006/main" type="title" preserve="1">
+<p:sldLayout xmlns:a="http://schemas.openxmlformats.org/drawingml/2006/main" xmlns:r="http://schemas.openxmlformats.org/officeDocument/2006/relationships" xmlns:p="http://schemas.openxmlformats.org/presentationml/2006/main" type="title" preserve="1" showMasterSp="0">
   <p:cSld name="Title Slide">
+    <p:bg>
+      <p:bgPr>
+        <a:solidFill>
+          <a:schemeClr val="bg1"/>
+        </a:solidFill>
+        <a:effectLst/>
+      </p:bgPr>
+    </p:bg>
     <p:spTree>
       <p:nvGrpSpPr>
         <p:cNvPr id="1" name=""/>
@@ -136,39 +146,72 @@
           <a:chExt cx="0" cy="0"/>
         </a:xfrm>
       </p:grpSpPr>
-      <p:sp>
-        <p:nvSpPr>
-          <p:cNvPr id="2" name="Title 1"/>
-          <p:cNvSpPr>
-            <a:spLocks noGrp="1"/>
-          </p:cNvSpPr>
-          <p:nvPr>
-            <p:ph type="ctrTitle"/>
-          </p:nvPr>
-        </p:nvSpPr>
+      <p:pic>
+        <p:nvPicPr>
+          <p:cNvPr id="2050" name="Picture 2"/>
+          <p:cNvPicPr>
+            <a:picLocks noChangeAspect="1"/>
+          </p:cNvPicPr>
+          <p:nvPr/>
+        </p:nvPicPr>
+        <p:blipFill>
+          <a:blip r:embed="rId2"/>
+          <a:stretch>
+            <a:fillRect/>
+          </a:stretch>
+        </p:blipFill>
         <p:spPr>
           <a:xfrm>
-            <a:off x="685800" y="2130425"/>
-            <a:ext cx="7772400" cy="1470025"/>
+            <a:off x="0" y="0"/>
+            <a:ext cx="9144000" cy="6858000"/>
+          </a:xfrm>
+          <a:prstGeom prst="rect">
+            <a:avLst/>
+          </a:prstGeom>
+          <a:noFill/>
+          <a:ln w="9525">
+            <a:noFill/>
+          </a:ln>
+        </p:spPr>
+      </p:pic>
+      <p:sp>
+        <p:nvSpPr>
+          <p:cNvPr id="2051" name="Rectangle 3"/>
+          <p:cNvSpPr>
+            <a:spLocks noGrp="1" noChangeArrowheads="1"/>
+          </p:cNvSpPr>
+          <p:nvPr>
+            <p:ph type="ctrTitle"/>
+          </p:nvPr>
+        </p:nvSpPr>
+        <p:spPr>
+          <a:xfrm>
+            <a:off x="1547813" y="1701800"/>
+            <a:ext cx="6908800" cy="1082675"/>
           </a:xfrm>
         </p:spPr>
         <p:txBody>
           <a:bodyPr/>
-          <a:lstStyle/>
-          <a:p>
-            <a:r>
-              <a:rPr lang="en-US" smtClean="0"/>
+          <a:lstStyle>
+            <a:lvl1pPr algn="r">
+              <a:defRPr/>
+            </a:lvl1pPr>
+          </a:lstStyle>
+          <a:p>
+            <a:pPr lvl="0"/>
+            <a:r>
+              <a:rPr lang="en-US" altLang="zh-CN" noProof="0" smtClean="0"/>
               <a:t>Click to edit Master title style</a:t>
             </a:r>
-            <a:endParaRPr lang="en-IN"/>
-          </a:p>
-        </p:txBody>
-      </p:sp>
-      <p:sp>
-        <p:nvSpPr>
-          <p:cNvPr id="3" name="Subtitle 2"/>
-          <p:cNvSpPr>
-            <a:spLocks noGrp="1"/>
+            <a:endParaRPr lang="en-US" altLang="zh-CN" noProof="0" smtClean="0"/>
+          </a:p>
+        </p:txBody>
+      </p:sp>
+      <p:sp>
+        <p:nvSpPr>
+          <p:cNvPr id="2052" name="Rectangle 4"/>
+          <p:cNvSpPr>
+            <a:spLocks noGrp="1" noChangeArrowheads="1"/>
           </p:cNvSpPr>
           <p:nvPr>
             <p:ph type="subTitle" idx="1"/>
@@ -176,127 +219,84 @@
         </p:nvSpPr>
         <p:spPr>
           <a:xfrm>
-            <a:off x="1371600" y="3886200"/>
-            <a:ext cx="6400800" cy="1752600"/>
+            <a:off x="1547813" y="2927350"/>
+            <a:ext cx="6913562" cy="1752600"/>
           </a:xfrm>
         </p:spPr>
         <p:txBody>
           <a:bodyPr/>
           <a:lstStyle>
-            <a:lvl1pPr marL="0" indent="0" algn="ctr">
-              <a:buNone/>
-              <a:defRPr>
+            <a:lvl1pPr marL="0" indent="0" algn="r">
+              <a:buFontTx/>
+              <a:buNone/>
+              <a:defRPr/>
+            </a:lvl1pPr>
+          </a:lstStyle>
+          <a:p>
+            <a:pPr lvl="0"/>
+            <a:r>
+              <a:rPr lang="en-US" altLang="zh-CN" noProof="0" smtClean="0"/>
+              <a:t>Click to edit Master subtitle style</a:t>
+            </a:r>
+            <a:endParaRPr lang="en-US" altLang="zh-CN" noProof="0" smtClean="0"/>
+          </a:p>
+        </p:txBody>
+      </p:sp>
+      <p:sp>
+        <p:nvSpPr>
+          <p:cNvPr id="9" name="Rectangle 5"/>
+          <p:cNvSpPr>
+            <a:spLocks noGrp="1" noChangeArrowheads="1"/>
+          </p:cNvSpPr>
+          <p:nvPr>
+            <p:ph type="dt" sz="half" idx="2"/>
+          </p:nvPr>
+        </p:nvSpPr>
+        <p:spPr bwMode="auto">
+          <a:xfrm>
+            <a:off x="457200" y="6245225"/>
+            <a:ext cx="2133600" cy="476250"/>
+          </a:xfrm>
+          <a:prstGeom prst="rect">
+            <a:avLst/>
+          </a:prstGeom>
+          <a:noFill/>
+          <a:extLst>
+            <a:ext uri="{909E8E84-426E-40DD-AFC4-6F175D3DCCD1}">
+              <a14:hiddenFill xmlns:a14="http://schemas.microsoft.com/office/drawing/2010/main">
                 <a:solidFill>
-                  <a:schemeClr val="tx1">
-                    <a:tint val="75000"/>
-                  </a:schemeClr>
+                  <a:schemeClr val="accent1"/>
                 </a:solidFill>
-              </a:defRPr>
+              </a14:hiddenFill>
+            </a:ext>
+            <a:ext uri="{91240B29-F687-4F45-9708-019B960494DF}">
+              <a14:hiddenLine xmlns:a14="http://schemas.microsoft.com/office/drawing/2010/main" w="9525">
+                <a:solidFill>
+                  <a:srgbClr val="000000"/>
+                </a:solidFill>
+                <a:miter lim="800000"/>
+                <a:headEnd/>
+                <a:tailEnd/>
+              </a14:hiddenLine>
+            </a:ext>
+            <a:ext uri="{AF507438-7753-43E0-B8FC-AC1667EBCBE1}">
+              <a14:hiddenEffects xmlns:a14="http://schemas.microsoft.com/office/drawing/2010/main">
+                <a:effectLst>
+                  <a:outerShdw dist="35921" dir="2700000" algn="ctr" rotWithShape="0">
+                    <a:schemeClr val="bg2"/>
+                  </a:outerShdw>
+                </a:effectLst>
+              </a14:hiddenEffects>
+            </a:ext>
+          </a:extLst>
+        </p:spPr>
+        <p:txBody>
+          <a:bodyPr vert="horz" wrap="square" lIns="91440" tIns="45720" rIns="91440" bIns="45720" numCol="1" anchor="t" anchorCtr="0" compatLnSpc="1"/>
+          <a:lstStyle>
+            <a:lvl1pPr>
+              <a:defRPr/>
             </a:lvl1pPr>
-            <a:lvl2pPr marL="457200" indent="0" algn="ctr">
-              <a:buNone/>
-              <a:defRPr>
-                <a:solidFill>
-                  <a:schemeClr val="tx1">
-                    <a:tint val="75000"/>
-                  </a:schemeClr>
-                </a:solidFill>
-              </a:defRPr>
-            </a:lvl2pPr>
-            <a:lvl3pPr marL="914400" indent="0" algn="ctr">
-              <a:buNone/>
-              <a:defRPr>
-                <a:solidFill>
-                  <a:schemeClr val="tx1">
-                    <a:tint val="75000"/>
-                  </a:schemeClr>
-                </a:solidFill>
-              </a:defRPr>
-            </a:lvl3pPr>
-            <a:lvl4pPr marL="1371600" indent="0" algn="ctr">
-              <a:buNone/>
-              <a:defRPr>
-                <a:solidFill>
-                  <a:schemeClr val="tx1">
-                    <a:tint val="75000"/>
-                  </a:schemeClr>
-                </a:solidFill>
-              </a:defRPr>
-            </a:lvl4pPr>
-            <a:lvl5pPr marL="1828800" indent="0" algn="ctr">
-              <a:buNone/>
-              <a:defRPr>
-                <a:solidFill>
-                  <a:schemeClr val="tx1">
-                    <a:tint val="75000"/>
-                  </a:schemeClr>
-                </a:solidFill>
-              </a:defRPr>
-            </a:lvl5pPr>
-            <a:lvl6pPr marL="2286000" indent="0" algn="ctr">
-              <a:buNone/>
-              <a:defRPr>
-                <a:solidFill>
-                  <a:schemeClr val="tx1">
-                    <a:tint val="75000"/>
-                  </a:schemeClr>
-                </a:solidFill>
-              </a:defRPr>
-            </a:lvl6pPr>
-            <a:lvl7pPr marL="2743200" indent="0" algn="ctr">
-              <a:buNone/>
-              <a:defRPr>
-                <a:solidFill>
-                  <a:schemeClr val="tx1">
-                    <a:tint val="75000"/>
-                  </a:schemeClr>
-                </a:solidFill>
-              </a:defRPr>
-            </a:lvl7pPr>
-            <a:lvl8pPr marL="3200400" indent="0" algn="ctr">
-              <a:buNone/>
-              <a:defRPr>
-                <a:solidFill>
-                  <a:schemeClr val="tx1">
-                    <a:tint val="75000"/>
-                  </a:schemeClr>
-                </a:solidFill>
-              </a:defRPr>
-            </a:lvl8pPr>
-            <a:lvl9pPr marL="3657600" indent="0" algn="ctr">
-              <a:buNone/>
-              <a:defRPr>
-                <a:solidFill>
-                  <a:schemeClr val="tx1">
-                    <a:tint val="75000"/>
-                  </a:schemeClr>
-                </a:solidFill>
-              </a:defRPr>
-            </a:lvl9pPr>
           </a:lstStyle>
-          <a:p>
-            <a:r>
-              <a:rPr lang="en-US" smtClean="0"/>
-              <a:t>Click to edit Master subtitle style</a:t>
-            </a:r>
-            <a:endParaRPr lang="en-IN"/>
-          </a:p>
-        </p:txBody>
-      </p:sp>
-      <p:sp>
-        <p:nvSpPr>
-          <p:cNvPr id="4" name="Date Placeholder 3"/>
-          <p:cNvSpPr>
-            <a:spLocks noGrp="1"/>
-          </p:cNvSpPr>
-          <p:nvPr>
-            <p:ph type="dt" sz="half" idx="10"/>
-          </p:nvPr>
-        </p:nvSpPr>
-        <p:spPr/>
-        <p:txBody>
-          <a:bodyPr/>
-          <a:lstStyle/>
           <a:p>
             <a:fld id="{BA731B52-4931-4587-B782-AFA14796FD40}" type="datetimeFigureOut">
               <a:rPr lang="en-IN" smtClean="0"/>
@@ -307,18 +307,59 @@
       </p:sp>
       <p:sp>
         <p:nvSpPr>
-          <p:cNvPr id="5" name="Footer Placeholder 4"/>
-          <p:cNvSpPr>
-            <a:spLocks noGrp="1"/>
-          </p:cNvSpPr>
-          <p:nvPr>
-            <p:ph type="ftr" sz="quarter" idx="11"/>
-          </p:nvPr>
-        </p:nvSpPr>
-        <p:spPr/>
-        <p:txBody>
-          <a:bodyPr/>
-          <a:lstStyle/>
+          <p:cNvPr id="10" name="Rectangle 6"/>
+          <p:cNvSpPr>
+            <a:spLocks noGrp="1" noChangeArrowheads="1"/>
+          </p:cNvSpPr>
+          <p:nvPr>
+            <p:ph type="ftr" sz="quarter" idx="3"/>
+          </p:nvPr>
+        </p:nvSpPr>
+        <p:spPr bwMode="auto">
+          <a:xfrm>
+            <a:off x="3124200" y="6245225"/>
+            <a:ext cx="2895600" cy="476250"/>
+          </a:xfrm>
+          <a:prstGeom prst="rect">
+            <a:avLst/>
+          </a:prstGeom>
+          <a:noFill/>
+          <a:extLst>
+            <a:ext uri="{909E8E84-426E-40DD-AFC4-6F175D3DCCD1}">
+              <a14:hiddenFill xmlns:a14="http://schemas.microsoft.com/office/drawing/2010/main">
+                <a:solidFill>
+                  <a:schemeClr val="accent1"/>
+                </a:solidFill>
+              </a14:hiddenFill>
+            </a:ext>
+            <a:ext uri="{91240B29-F687-4F45-9708-019B960494DF}">
+              <a14:hiddenLine xmlns:a14="http://schemas.microsoft.com/office/drawing/2010/main" w="9525">
+                <a:solidFill>
+                  <a:srgbClr val="000000"/>
+                </a:solidFill>
+                <a:miter lim="800000"/>
+                <a:headEnd/>
+                <a:tailEnd/>
+              </a14:hiddenLine>
+            </a:ext>
+            <a:ext uri="{AF507438-7753-43E0-B8FC-AC1667EBCBE1}">
+              <a14:hiddenEffects xmlns:a14="http://schemas.microsoft.com/office/drawing/2010/main">
+                <a:effectLst>
+                  <a:outerShdw dist="35921" dir="2700000" algn="ctr" rotWithShape="0">
+                    <a:schemeClr val="bg2"/>
+                  </a:outerShdw>
+                </a:effectLst>
+              </a14:hiddenEffects>
+            </a:ext>
+          </a:extLst>
+        </p:spPr>
+        <p:txBody>
+          <a:bodyPr vert="horz" wrap="square" lIns="91440" tIns="45720" rIns="91440" bIns="45720" numCol="1" anchor="t" anchorCtr="0" compatLnSpc="1"/>
+          <a:lstStyle>
+            <a:lvl1pPr>
+              <a:defRPr/>
+            </a:lvl1pPr>
+          </a:lstStyle>
           <a:p>
             <a:endParaRPr lang="en-IN"/>
           </a:p>
@@ -326,18 +367,59 @@
       </p:sp>
       <p:sp>
         <p:nvSpPr>
-          <p:cNvPr id="6" name="Slide Number Placeholder 5"/>
-          <p:cNvSpPr>
-            <a:spLocks noGrp="1"/>
-          </p:cNvSpPr>
-          <p:nvPr>
-            <p:ph type="sldNum" sz="quarter" idx="12"/>
-          </p:nvPr>
-        </p:nvSpPr>
-        <p:spPr/>
-        <p:txBody>
-          <a:bodyPr/>
-          <a:lstStyle/>
+          <p:cNvPr id="11" name="Rectangle 7"/>
+          <p:cNvSpPr>
+            <a:spLocks noGrp="1" noChangeArrowheads="1"/>
+          </p:cNvSpPr>
+          <p:nvPr>
+            <p:ph type="sldNum" sz="quarter" idx="4"/>
+          </p:nvPr>
+        </p:nvSpPr>
+        <p:spPr bwMode="auto">
+          <a:xfrm>
+            <a:off x="6553200" y="6245225"/>
+            <a:ext cx="2133600" cy="476250"/>
+          </a:xfrm>
+          <a:prstGeom prst="rect">
+            <a:avLst/>
+          </a:prstGeom>
+          <a:noFill/>
+          <a:extLst>
+            <a:ext uri="{909E8E84-426E-40DD-AFC4-6F175D3DCCD1}">
+              <a14:hiddenFill xmlns:a14="http://schemas.microsoft.com/office/drawing/2010/main">
+                <a:solidFill>
+                  <a:schemeClr val="accent1"/>
+                </a:solidFill>
+              </a14:hiddenFill>
+            </a:ext>
+            <a:ext uri="{91240B29-F687-4F45-9708-019B960494DF}">
+              <a14:hiddenLine xmlns:a14="http://schemas.microsoft.com/office/drawing/2010/main" w="9525">
+                <a:solidFill>
+                  <a:srgbClr val="000000"/>
+                </a:solidFill>
+                <a:miter lim="800000"/>
+                <a:headEnd/>
+                <a:tailEnd/>
+              </a14:hiddenLine>
+            </a:ext>
+            <a:ext uri="{AF507438-7753-43E0-B8FC-AC1667EBCBE1}">
+              <a14:hiddenEffects xmlns:a14="http://schemas.microsoft.com/office/drawing/2010/main">
+                <a:effectLst>
+                  <a:outerShdw dist="35921" dir="2700000" algn="ctr" rotWithShape="0">
+                    <a:schemeClr val="bg2"/>
+                  </a:outerShdw>
+                </a:effectLst>
+              </a14:hiddenEffects>
+            </a:ext>
+          </a:extLst>
+        </p:spPr>
+        <p:txBody>
+          <a:bodyPr vert="horz" wrap="square" lIns="91440" tIns="45720" rIns="91440" bIns="45720" numCol="1" anchor="t" anchorCtr="0" compatLnSpc="1"/>
+          <a:lstStyle>
+            <a:lvl1pPr>
+              <a:defRPr/>
+            </a:lvl1pPr>
+          </a:lstStyle>
           <a:p>
             <a:fld id="{228151EA-1E8D-4766-AF06-9F2FF9016FD2}" type="slidenum">
               <a:rPr lang="en-IN" smtClean="0"/>
@@ -351,6 +433,7 @@
   <p:clrMapOvr>
     <a:masterClrMapping/>
   </p:clrMapOvr>
+  <p:hf sldNum="0" hdr="0" ftr="0" dt="0"/>
 </p:sldLayout>
 </file>
 
@@ -390,7 +473,7 @@
               <a:rPr lang="en-US" smtClean="0"/>
               <a:t>Click to edit Master title style</a:t>
             </a:r>
-            <a:endParaRPr lang="en-IN"/>
+            <a:endParaRPr lang="en-US"/>
           </a:p>
         </p:txBody>
       </p:sp>
@@ -446,7 +529,7 @@
               <a:rPr lang="en-US" smtClean="0"/>
               <a:t>Fifth level</a:t>
             </a:r>
-            <a:endParaRPr lang="en-IN"/>
+            <a:endParaRPr lang="en-US"/>
           </a:p>
         </p:txBody>
       </p:sp>
@@ -463,7 +546,6 @@
         <p:spPr/>
         <p:txBody>
           <a:bodyPr/>
-          <a:lstStyle/>
           <a:p>
             <a:fld id="{BA731B52-4931-4587-B782-AFA14796FD40}" type="datetimeFigureOut">
               <a:rPr lang="en-IN" smtClean="0"/>
@@ -485,7 +567,6 @@
         <p:spPr/>
         <p:txBody>
           <a:bodyPr/>
-          <a:lstStyle/>
           <a:p>
             <a:endParaRPr lang="en-IN"/>
           </a:p>
@@ -504,7 +585,6 @@
         <p:spPr/>
         <p:txBody>
           <a:bodyPr/>
-          <a:lstStyle/>
           <a:p>
             <a:fld id="{228151EA-1E8D-4766-AF06-9F2FF9016FD2}" type="slidenum">
               <a:rPr lang="en-IN" smtClean="0"/>
@@ -518,6 +598,7 @@
   <p:clrMapOvr>
     <a:masterClrMapping/>
   </p:clrMapOvr>
+  <p:hf sldNum="0" hdr="0" ftr="0" dt="0"/>
 </p:sldLayout>
 </file>
 
@@ -550,8 +631,8 @@
         </p:nvSpPr>
         <p:spPr>
           <a:xfrm>
-            <a:off x="6629400" y="274638"/>
-            <a:ext cx="2057400" cy="5851525"/>
+            <a:off x="6629400" y="190500"/>
+            <a:ext cx="2057400" cy="5937250"/>
           </a:xfrm>
         </p:spPr>
         <p:txBody>
@@ -562,7 +643,7 @@
               <a:rPr lang="en-US" smtClean="0"/>
               <a:t>Click to edit Master title style</a:t>
             </a:r>
-            <a:endParaRPr lang="en-IN"/>
+            <a:endParaRPr lang="en-US"/>
           </a:p>
         </p:txBody>
       </p:sp>
@@ -578,8 +659,8 @@
         </p:nvSpPr>
         <p:spPr>
           <a:xfrm>
-            <a:off x="457200" y="274638"/>
-            <a:ext cx="6019800" cy="5851525"/>
+            <a:off x="457200" y="190500"/>
+            <a:ext cx="6019800" cy="5937250"/>
           </a:xfrm>
         </p:spPr>
         <p:txBody>
@@ -623,7 +704,7 @@
               <a:rPr lang="en-US" smtClean="0"/>
               <a:t>Fifth level</a:t>
             </a:r>
-            <a:endParaRPr lang="en-IN"/>
+            <a:endParaRPr lang="en-US"/>
           </a:p>
         </p:txBody>
       </p:sp>
@@ -640,7 +721,6 @@
         <p:spPr/>
         <p:txBody>
           <a:bodyPr/>
-          <a:lstStyle/>
           <a:p>
             <a:fld id="{BA731B52-4931-4587-B782-AFA14796FD40}" type="datetimeFigureOut">
               <a:rPr lang="en-IN" smtClean="0"/>
@@ -662,7 +742,6 @@
         <p:spPr/>
         <p:txBody>
           <a:bodyPr/>
-          <a:lstStyle/>
           <a:p>
             <a:endParaRPr lang="en-IN"/>
           </a:p>
@@ -681,7 +760,6 @@
         <p:spPr/>
         <p:txBody>
           <a:bodyPr/>
-          <a:lstStyle/>
           <a:p>
             <a:fld id="{228151EA-1E8D-4766-AF06-9F2FF9016FD2}" type="slidenum">
               <a:rPr lang="en-IN" smtClean="0"/>
@@ -695,6 +773,7 @@
   <p:clrMapOvr>
     <a:masterClrMapping/>
   </p:clrMapOvr>
+  <p:hf sldNum="0" hdr="0" ftr="0" dt="0"/>
 </p:sldLayout>
 </file>
 
@@ -734,7 +813,7 @@
               <a:rPr lang="en-US" smtClean="0"/>
               <a:t>Click to edit Master title style</a:t>
             </a:r>
-            <a:endParaRPr lang="en-IN"/>
+            <a:endParaRPr lang="en-US"/>
           </a:p>
         </p:txBody>
       </p:sp>
@@ -790,7 +869,7 @@
               <a:rPr lang="en-US" smtClean="0"/>
               <a:t>Fifth level</a:t>
             </a:r>
-            <a:endParaRPr lang="en-IN"/>
+            <a:endParaRPr lang="en-US"/>
           </a:p>
         </p:txBody>
       </p:sp>
@@ -807,7 +886,6 @@
         <p:spPr/>
         <p:txBody>
           <a:bodyPr/>
-          <a:lstStyle/>
           <a:p>
             <a:fld id="{BA731B52-4931-4587-B782-AFA14796FD40}" type="datetimeFigureOut">
               <a:rPr lang="en-IN" smtClean="0"/>
@@ -829,7 +907,6 @@
         <p:spPr/>
         <p:txBody>
           <a:bodyPr/>
-          <a:lstStyle/>
           <a:p>
             <a:endParaRPr lang="en-IN"/>
           </a:p>
@@ -848,7 +925,6 @@
         <p:spPr/>
         <p:txBody>
           <a:bodyPr/>
-          <a:lstStyle/>
           <a:p>
             <a:fld id="{228151EA-1E8D-4766-AF06-9F2FF9016FD2}" type="slidenum">
               <a:rPr lang="en-IN" smtClean="0"/>
@@ -862,6 +938,7 @@
   <p:clrMapOvr>
     <a:masterClrMapping/>
   </p:clrMapOvr>
+  <p:hf sldNum="0" hdr="0" ftr="0" dt="0"/>
 </p:sldLayout>
 </file>
 
@@ -894,15 +971,15 @@
         </p:nvSpPr>
         <p:spPr>
           <a:xfrm>
-            <a:off x="722313" y="4406900"/>
-            <a:ext cx="7772400" cy="1362075"/>
+            <a:off x="623888" y="1709738"/>
+            <a:ext cx="7886700" cy="2852737"/>
           </a:xfrm>
         </p:spPr>
         <p:txBody>
-          <a:bodyPr anchor="t"/>
+          <a:bodyPr anchor="b"/>
           <a:lstStyle>
-            <a:lvl1pPr algn="l">
-              <a:defRPr sz="4000" b="1" cap="all"/>
+            <a:lvl1pPr>
+              <a:defRPr sz="6000"/>
             </a:lvl1pPr>
           </a:lstStyle>
           <a:p>
@@ -910,7 +987,7 @@
               <a:rPr lang="en-US" smtClean="0"/>
               <a:t>Click to edit Master title style</a:t>
             </a:r>
-            <a:endParaRPr lang="en-IN"/>
+            <a:endParaRPr lang="en-US"/>
           </a:p>
         </p:txBody>
       </p:sp>
@@ -926,102 +1003,48 @@
         </p:nvSpPr>
         <p:spPr>
           <a:xfrm>
-            <a:off x="722313" y="2906713"/>
-            <a:ext cx="7772400" cy="1500187"/>
+            <a:off x="623888" y="4589463"/>
+            <a:ext cx="7886700" cy="1500187"/>
           </a:xfrm>
         </p:spPr>
         <p:txBody>
-          <a:bodyPr anchor="b"/>
+          <a:bodyPr/>
           <a:lstStyle>
             <a:lvl1pPr marL="0" indent="0">
               <a:buNone/>
-              <a:defRPr sz="2000">
-                <a:solidFill>
-                  <a:schemeClr val="tx1">
-                    <a:tint val="75000"/>
-                  </a:schemeClr>
-                </a:solidFill>
-              </a:defRPr>
+              <a:defRPr sz="2400"/>
             </a:lvl1pPr>
             <a:lvl2pPr marL="457200" indent="0">
               <a:buNone/>
-              <a:defRPr sz="1800">
-                <a:solidFill>
-                  <a:schemeClr val="tx1">
-                    <a:tint val="75000"/>
-                  </a:schemeClr>
-                </a:solidFill>
-              </a:defRPr>
+              <a:defRPr sz="2000"/>
             </a:lvl2pPr>
             <a:lvl3pPr marL="914400" indent="0">
               <a:buNone/>
-              <a:defRPr sz="1600">
-                <a:solidFill>
-                  <a:schemeClr val="tx1">
-                    <a:tint val="75000"/>
-                  </a:schemeClr>
-                </a:solidFill>
-              </a:defRPr>
+              <a:defRPr sz="1800"/>
             </a:lvl3pPr>
             <a:lvl4pPr marL="1371600" indent="0">
               <a:buNone/>
-              <a:defRPr sz="1400">
-                <a:solidFill>
-                  <a:schemeClr val="tx1">
-                    <a:tint val="75000"/>
-                  </a:schemeClr>
-                </a:solidFill>
-              </a:defRPr>
+              <a:defRPr sz="1600"/>
             </a:lvl4pPr>
             <a:lvl5pPr marL="1828800" indent="0">
               <a:buNone/>
-              <a:defRPr sz="1400">
-                <a:solidFill>
-                  <a:schemeClr val="tx1">
-                    <a:tint val="75000"/>
-                  </a:schemeClr>
-                </a:solidFill>
-              </a:defRPr>
+              <a:defRPr sz="1600"/>
             </a:lvl5pPr>
             <a:lvl6pPr marL="2286000" indent="0">
               <a:buNone/>
-              <a:defRPr sz="1400">
-                <a:solidFill>
-                  <a:schemeClr val="tx1">
-                    <a:tint val="75000"/>
-                  </a:schemeClr>
-                </a:solidFill>
-              </a:defRPr>
+              <a:defRPr sz="1600"/>
             </a:lvl6pPr>
             <a:lvl7pPr marL="2743200" indent="0">
               <a:buNone/>
-              <a:defRPr sz="1400">
-                <a:solidFill>
-                  <a:schemeClr val="tx1">
-                    <a:tint val="75000"/>
-                  </a:schemeClr>
-                </a:solidFill>
-              </a:defRPr>
+              <a:defRPr sz="1600"/>
             </a:lvl7pPr>
             <a:lvl8pPr marL="3200400" indent="0">
               <a:buNone/>
-              <a:defRPr sz="1400">
-                <a:solidFill>
-                  <a:schemeClr val="tx1">
-                    <a:tint val="75000"/>
-                  </a:schemeClr>
-                </a:solidFill>
-              </a:defRPr>
+              <a:defRPr sz="1600"/>
             </a:lvl8pPr>
             <a:lvl9pPr marL="3657600" indent="0">
               <a:buNone/>
-              <a:defRPr sz="1400">
-                <a:solidFill>
-                  <a:schemeClr val="tx1">
-                    <a:tint val="75000"/>
-                  </a:schemeClr>
-                </a:solidFill>
-              </a:defRPr>
+              <a:defRPr sz="1600"/>
             </a:lvl9pPr>
           </a:lstStyle>
           <a:p>
@@ -1047,7 +1070,6 @@
         <p:spPr/>
         <p:txBody>
           <a:bodyPr/>
-          <a:lstStyle/>
           <a:p>
             <a:fld id="{BA731B52-4931-4587-B782-AFA14796FD40}" type="datetimeFigureOut">
               <a:rPr lang="en-IN" smtClean="0"/>
@@ -1069,7 +1091,6 @@
         <p:spPr/>
         <p:txBody>
           <a:bodyPr/>
-          <a:lstStyle/>
           <a:p>
             <a:endParaRPr lang="en-IN"/>
           </a:p>
@@ -1088,7 +1109,6 @@
         <p:spPr/>
         <p:txBody>
           <a:bodyPr/>
-          <a:lstStyle/>
           <a:p>
             <a:fld id="{228151EA-1E8D-4766-AF06-9F2FF9016FD2}" type="slidenum">
               <a:rPr lang="en-IN" smtClean="0"/>
@@ -1102,6 +1122,7 @@
   <p:clrMapOvr>
     <a:masterClrMapping/>
   </p:clrMapOvr>
+  <p:hf sldNum="0" hdr="0" ftr="0" dt="0"/>
 </p:sldLayout>
 </file>
 
@@ -1141,7 +1162,7 @@
               <a:rPr lang="en-US" smtClean="0"/>
               <a:t>Click to edit Master title style</a:t>
             </a:r>
-            <a:endParaRPr lang="en-IN"/>
+            <a:endParaRPr lang="en-US"/>
           </a:p>
         </p:txBody>
       </p:sp>
@@ -1157,41 +1178,13 @@
         </p:nvSpPr>
         <p:spPr>
           <a:xfrm>
-            <a:off x="457200" y="1600200"/>
-            <a:ext cx="4038600" cy="4525963"/>
+            <a:off x="457200" y="1174750"/>
+            <a:ext cx="4038600" cy="4953000"/>
           </a:xfrm>
         </p:spPr>
         <p:txBody>
           <a:bodyPr/>
-          <a:lstStyle>
-            <a:lvl1pPr>
-              <a:defRPr sz="2800"/>
-            </a:lvl1pPr>
-            <a:lvl2pPr>
-              <a:defRPr sz="2400"/>
-            </a:lvl2pPr>
-            <a:lvl3pPr>
-              <a:defRPr sz="2000"/>
-            </a:lvl3pPr>
-            <a:lvl4pPr>
-              <a:defRPr sz="1800"/>
-            </a:lvl4pPr>
-            <a:lvl5pPr>
-              <a:defRPr sz="1800"/>
-            </a:lvl5pPr>
-            <a:lvl6pPr>
-              <a:defRPr sz="1800"/>
-            </a:lvl6pPr>
-            <a:lvl7pPr>
-              <a:defRPr sz="1800"/>
-            </a:lvl7pPr>
-            <a:lvl8pPr>
-              <a:defRPr sz="1800"/>
-            </a:lvl8pPr>
-            <a:lvl9pPr>
-              <a:defRPr sz="1800"/>
-            </a:lvl9pPr>
-          </a:lstStyle>
+          <a:lstStyle/>
           <a:p>
             <a:pPr lvl="0"/>
             <a:r>
@@ -1230,7 +1223,7 @@
               <a:rPr lang="en-US" smtClean="0"/>
               <a:t>Fifth level</a:t>
             </a:r>
-            <a:endParaRPr lang="en-IN"/>
+            <a:endParaRPr lang="en-US"/>
           </a:p>
         </p:txBody>
       </p:sp>
@@ -1246,41 +1239,13 @@
         </p:nvSpPr>
         <p:spPr>
           <a:xfrm>
-            <a:off x="4648200" y="1600200"/>
-            <a:ext cx="4038600" cy="4525963"/>
+            <a:off x="4648200" y="1174750"/>
+            <a:ext cx="4038600" cy="4953000"/>
           </a:xfrm>
         </p:spPr>
         <p:txBody>
           <a:bodyPr/>
-          <a:lstStyle>
-            <a:lvl1pPr>
-              <a:defRPr sz="2800"/>
-            </a:lvl1pPr>
-            <a:lvl2pPr>
-              <a:defRPr sz="2400"/>
-            </a:lvl2pPr>
-            <a:lvl3pPr>
-              <a:defRPr sz="2000"/>
-            </a:lvl3pPr>
-            <a:lvl4pPr>
-              <a:defRPr sz="1800"/>
-            </a:lvl4pPr>
-            <a:lvl5pPr>
-              <a:defRPr sz="1800"/>
-            </a:lvl5pPr>
-            <a:lvl6pPr>
-              <a:defRPr sz="1800"/>
-            </a:lvl6pPr>
-            <a:lvl7pPr>
-              <a:defRPr sz="1800"/>
-            </a:lvl7pPr>
-            <a:lvl8pPr>
-              <a:defRPr sz="1800"/>
-            </a:lvl8pPr>
-            <a:lvl9pPr>
-              <a:defRPr sz="1800"/>
-            </a:lvl9pPr>
-          </a:lstStyle>
+          <a:lstStyle/>
           <a:p>
             <a:pPr lvl="0"/>
             <a:r>
@@ -1319,7 +1284,7 @@
               <a:rPr lang="en-US" smtClean="0"/>
               <a:t>Fifth level</a:t>
             </a:r>
-            <a:endParaRPr lang="en-IN"/>
+            <a:endParaRPr lang="en-US"/>
           </a:p>
         </p:txBody>
       </p:sp>
@@ -1336,7 +1301,6 @@
         <p:spPr/>
         <p:txBody>
           <a:bodyPr/>
-          <a:lstStyle/>
           <a:p>
             <a:fld id="{BA731B52-4931-4587-B782-AFA14796FD40}" type="datetimeFigureOut">
               <a:rPr lang="en-IN" smtClean="0"/>
@@ -1358,7 +1322,6 @@
         <p:spPr/>
         <p:txBody>
           <a:bodyPr/>
-          <a:lstStyle/>
           <a:p>
             <a:endParaRPr lang="en-IN"/>
           </a:p>
@@ -1377,7 +1340,6 @@
         <p:spPr/>
         <p:txBody>
           <a:bodyPr/>
-          <a:lstStyle/>
           <a:p>
             <a:fld id="{228151EA-1E8D-4766-AF06-9F2FF9016FD2}" type="slidenum">
               <a:rPr lang="en-IN" smtClean="0"/>
@@ -1391,6 +1353,7 @@
   <p:clrMapOvr>
     <a:masterClrMapping/>
   </p:clrMapOvr>
+  <p:hf sldNum="0" hdr="0" ftr="0" dt="0"/>
 </p:sldLayout>
 </file>
 
@@ -1421,20 +1384,21 @@
             <p:ph type="title"/>
           </p:nvPr>
         </p:nvSpPr>
-        <p:spPr/>
+        <p:spPr>
+          <a:xfrm>
+            <a:off x="630238" y="365125"/>
+            <a:ext cx="7886700" cy="1325563"/>
+          </a:xfrm>
+        </p:spPr>
         <p:txBody>
           <a:bodyPr/>
-          <a:lstStyle>
-            <a:lvl1pPr>
-              <a:defRPr/>
-            </a:lvl1pPr>
-          </a:lstStyle>
+          <a:lstStyle/>
           <a:p>
             <a:r>
               <a:rPr lang="en-US" smtClean="0"/>
               <a:t>Click to edit Master title style</a:t>
             </a:r>
-            <a:endParaRPr lang="en-IN"/>
+            <a:endParaRPr lang="en-US"/>
           </a:p>
         </p:txBody>
       </p:sp>
@@ -1450,8 +1414,8 @@
         </p:nvSpPr>
         <p:spPr>
           <a:xfrm>
-            <a:off x="457200" y="1535113"/>
-            <a:ext cx="4040188" cy="639762"/>
+            <a:off x="630238" y="1681163"/>
+            <a:ext cx="3868737" cy="823912"/>
           </a:xfrm>
         </p:spPr>
         <p:txBody>
@@ -1516,41 +1480,13 @@
         </p:nvSpPr>
         <p:spPr>
           <a:xfrm>
-            <a:off x="457200" y="2174875"/>
-            <a:ext cx="4040188" cy="3951288"/>
+            <a:off x="630238" y="2505075"/>
+            <a:ext cx="3868737" cy="3684588"/>
           </a:xfrm>
         </p:spPr>
         <p:txBody>
           <a:bodyPr/>
-          <a:lstStyle>
-            <a:lvl1pPr>
-              <a:defRPr sz="2400"/>
-            </a:lvl1pPr>
-            <a:lvl2pPr>
-              <a:defRPr sz="2000"/>
-            </a:lvl2pPr>
-            <a:lvl3pPr>
-              <a:defRPr sz="1800"/>
-            </a:lvl3pPr>
-            <a:lvl4pPr>
-              <a:defRPr sz="1600"/>
-            </a:lvl4pPr>
-            <a:lvl5pPr>
-              <a:defRPr sz="1600"/>
-            </a:lvl5pPr>
-            <a:lvl6pPr>
-              <a:defRPr sz="1600"/>
-            </a:lvl6pPr>
-            <a:lvl7pPr>
-              <a:defRPr sz="1600"/>
-            </a:lvl7pPr>
-            <a:lvl8pPr>
-              <a:defRPr sz="1600"/>
-            </a:lvl8pPr>
-            <a:lvl9pPr>
-              <a:defRPr sz="1600"/>
-            </a:lvl9pPr>
-          </a:lstStyle>
+          <a:lstStyle/>
           <a:p>
             <a:pPr lvl="0"/>
             <a:r>
@@ -1589,7 +1525,7 @@
               <a:rPr lang="en-US" smtClean="0"/>
               <a:t>Fifth level</a:t>
             </a:r>
-            <a:endParaRPr lang="en-IN"/>
+            <a:endParaRPr lang="en-US"/>
           </a:p>
         </p:txBody>
       </p:sp>
@@ -1605,8 +1541,8 @@
         </p:nvSpPr>
         <p:spPr>
           <a:xfrm>
-            <a:off x="4645025" y="1535113"/>
-            <a:ext cx="4041775" cy="639762"/>
+            <a:off x="4629150" y="1681163"/>
+            <a:ext cx="3887788" cy="823912"/>
           </a:xfrm>
         </p:spPr>
         <p:txBody>
@@ -1671,41 +1607,13 @@
         </p:nvSpPr>
         <p:spPr>
           <a:xfrm>
-            <a:off x="4645025" y="2174875"/>
-            <a:ext cx="4041775" cy="3951288"/>
+            <a:off x="4629150" y="2505075"/>
+            <a:ext cx="3887788" cy="3684588"/>
           </a:xfrm>
         </p:spPr>
         <p:txBody>
           <a:bodyPr/>
-          <a:lstStyle>
-            <a:lvl1pPr>
-              <a:defRPr sz="2400"/>
-            </a:lvl1pPr>
-            <a:lvl2pPr>
-              <a:defRPr sz="2000"/>
-            </a:lvl2pPr>
-            <a:lvl3pPr>
-              <a:defRPr sz="1800"/>
-            </a:lvl3pPr>
-            <a:lvl4pPr>
-              <a:defRPr sz="1600"/>
-            </a:lvl4pPr>
-            <a:lvl5pPr>
-              <a:defRPr sz="1600"/>
-            </a:lvl5pPr>
-            <a:lvl6pPr>
-              <a:defRPr sz="1600"/>
-            </a:lvl6pPr>
-            <a:lvl7pPr>
-              <a:defRPr sz="1600"/>
-            </a:lvl7pPr>
-            <a:lvl8pPr>
-              <a:defRPr sz="1600"/>
-            </a:lvl8pPr>
-            <a:lvl9pPr>
-              <a:defRPr sz="1600"/>
-            </a:lvl9pPr>
-          </a:lstStyle>
+          <a:lstStyle/>
           <a:p>
             <a:pPr lvl="0"/>
             <a:r>
@@ -1744,7 +1652,7 @@
               <a:rPr lang="en-US" smtClean="0"/>
               <a:t>Fifth level</a:t>
             </a:r>
-            <a:endParaRPr lang="en-IN"/>
+            <a:endParaRPr lang="en-US"/>
           </a:p>
         </p:txBody>
       </p:sp>
@@ -1761,7 +1669,6 @@
         <p:spPr/>
         <p:txBody>
           <a:bodyPr/>
-          <a:lstStyle/>
           <a:p>
             <a:fld id="{BA731B52-4931-4587-B782-AFA14796FD40}" type="datetimeFigureOut">
               <a:rPr lang="en-IN" smtClean="0"/>
@@ -1783,7 +1690,6 @@
         <p:spPr/>
         <p:txBody>
           <a:bodyPr/>
-          <a:lstStyle/>
           <a:p>
             <a:endParaRPr lang="en-IN"/>
           </a:p>
@@ -1802,7 +1708,6 @@
         <p:spPr/>
         <p:txBody>
           <a:bodyPr/>
-          <a:lstStyle/>
           <a:p>
             <a:fld id="{228151EA-1E8D-4766-AF06-9F2FF9016FD2}" type="slidenum">
               <a:rPr lang="en-IN" smtClean="0"/>
@@ -1816,6 +1721,7 @@
   <p:clrMapOvr>
     <a:masterClrMapping/>
   </p:clrMapOvr>
+  <p:hf sldNum="0" hdr="0" ftr="0" dt="0"/>
 </p:sldLayout>
 </file>
 
@@ -1855,7 +1761,7 @@
               <a:rPr lang="en-US" smtClean="0"/>
               <a:t>Click to edit Master title style</a:t>
             </a:r>
-            <a:endParaRPr lang="en-IN"/>
+            <a:endParaRPr lang="en-US"/>
           </a:p>
         </p:txBody>
       </p:sp>
@@ -1872,7 +1778,6 @@
         <p:spPr/>
         <p:txBody>
           <a:bodyPr/>
-          <a:lstStyle/>
           <a:p>
             <a:fld id="{BA731B52-4931-4587-B782-AFA14796FD40}" type="datetimeFigureOut">
               <a:rPr lang="en-IN" smtClean="0"/>
@@ -1894,7 +1799,6 @@
         <p:spPr/>
         <p:txBody>
           <a:bodyPr/>
-          <a:lstStyle/>
           <a:p>
             <a:endParaRPr lang="en-IN"/>
           </a:p>
@@ -1913,7 +1817,6 @@
         <p:spPr/>
         <p:txBody>
           <a:bodyPr/>
-          <a:lstStyle/>
           <a:p>
             <a:fld id="{228151EA-1E8D-4766-AF06-9F2FF9016FD2}" type="slidenum">
               <a:rPr lang="en-IN" smtClean="0"/>
@@ -1927,6 +1830,7 @@
   <p:clrMapOvr>
     <a:masterClrMapping/>
   </p:clrMapOvr>
+  <p:hf sldNum="0" hdr="0" ftr="0" dt="0"/>
 </p:sldLayout>
 </file>
 
@@ -1960,7 +1864,6 @@
         <p:spPr/>
         <p:txBody>
           <a:bodyPr/>
-          <a:lstStyle/>
           <a:p>
             <a:fld id="{BA731B52-4931-4587-B782-AFA14796FD40}" type="datetimeFigureOut">
               <a:rPr lang="en-IN" smtClean="0"/>
@@ -1982,7 +1885,6 @@
         <p:spPr/>
         <p:txBody>
           <a:bodyPr/>
-          <a:lstStyle/>
           <a:p>
             <a:endParaRPr lang="en-IN"/>
           </a:p>
@@ -2001,7 +1903,6 @@
         <p:spPr/>
         <p:txBody>
           <a:bodyPr/>
-          <a:lstStyle/>
           <a:p>
             <a:fld id="{228151EA-1E8D-4766-AF06-9F2FF9016FD2}" type="slidenum">
               <a:rPr lang="en-IN" smtClean="0"/>
@@ -2015,6 +1916,7 @@
   <p:clrMapOvr>
     <a:masterClrMapping/>
   </p:clrMapOvr>
+  <p:hf sldNum="0" hdr="0" ftr="0" dt="0"/>
 </p:sldLayout>
 </file>
 
@@ -2047,15 +1949,15 @@
         </p:nvSpPr>
         <p:spPr>
           <a:xfrm>
-            <a:off x="457200" y="273050"/>
-            <a:ext cx="3008313" cy="1162050"/>
+            <a:off x="630238" y="457200"/>
+            <a:ext cx="2949575" cy="1600200"/>
           </a:xfrm>
         </p:spPr>
         <p:txBody>
           <a:bodyPr anchor="b"/>
           <a:lstStyle>
-            <a:lvl1pPr algn="l">
-              <a:defRPr sz="2000" b="1"/>
+            <a:lvl1pPr>
+              <a:defRPr sz="3200"/>
             </a:lvl1pPr>
           </a:lstStyle>
           <a:p>
@@ -2063,7 +1965,7 @@
               <a:rPr lang="en-US" smtClean="0"/>
               <a:t>Click to edit Master title style</a:t>
             </a:r>
-            <a:endParaRPr lang="en-IN"/>
+            <a:endParaRPr lang="en-US"/>
           </a:p>
         </p:txBody>
       </p:sp>
@@ -2079,8 +1981,8 @@
         </p:nvSpPr>
         <p:spPr>
           <a:xfrm>
-            <a:off x="3575050" y="273050"/>
-            <a:ext cx="5111750" cy="5853113"/>
+            <a:off x="3887788" y="987425"/>
+            <a:ext cx="4629150" cy="4873625"/>
           </a:xfrm>
         </p:spPr>
         <p:txBody>
@@ -2152,7 +2054,7 @@
               <a:rPr lang="en-US" smtClean="0"/>
               <a:t>Fifth level</a:t>
             </a:r>
-            <a:endParaRPr lang="en-IN"/>
+            <a:endParaRPr lang="en-US"/>
           </a:p>
         </p:txBody>
       </p:sp>
@@ -2168,8 +2070,8 @@
         </p:nvSpPr>
         <p:spPr>
           <a:xfrm>
-            <a:off x="457200" y="1435100"/>
-            <a:ext cx="3008313" cy="4691063"/>
+            <a:off x="630238" y="2057400"/>
+            <a:ext cx="2949575" cy="3811588"/>
           </a:xfrm>
         </p:spPr>
         <p:txBody>
@@ -2177,39 +2079,39 @@
           <a:lstStyle>
             <a:lvl1pPr marL="0" indent="0">
               <a:buNone/>
-              <a:defRPr sz="1400"/>
+              <a:defRPr sz="1600"/>
             </a:lvl1pPr>
             <a:lvl2pPr marL="457200" indent="0">
               <a:buNone/>
-              <a:defRPr sz="1200"/>
+              <a:defRPr sz="1400"/>
             </a:lvl2pPr>
             <a:lvl3pPr marL="914400" indent="0">
               <a:buNone/>
-              <a:defRPr sz="1000"/>
+              <a:defRPr sz="1200"/>
             </a:lvl3pPr>
             <a:lvl4pPr marL="1371600" indent="0">
               <a:buNone/>
-              <a:defRPr sz="900"/>
+              <a:defRPr sz="1000"/>
             </a:lvl4pPr>
             <a:lvl5pPr marL="1828800" indent="0">
               <a:buNone/>
-              <a:defRPr sz="900"/>
+              <a:defRPr sz="1000"/>
             </a:lvl5pPr>
             <a:lvl6pPr marL="2286000" indent="0">
               <a:buNone/>
-              <a:defRPr sz="900"/>
+              <a:defRPr sz="1000"/>
             </a:lvl6pPr>
             <a:lvl7pPr marL="2743200" indent="0">
               <a:buNone/>
-              <a:defRPr sz="900"/>
+              <a:defRPr sz="1000"/>
             </a:lvl7pPr>
             <a:lvl8pPr marL="3200400" indent="0">
               <a:buNone/>
-              <a:defRPr sz="900"/>
+              <a:defRPr sz="1000"/>
             </a:lvl8pPr>
             <a:lvl9pPr marL="3657600" indent="0">
               <a:buNone/>
-              <a:defRPr sz="900"/>
+              <a:defRPr sz="1000"/>
             </a:lvl9pPr>
           </a:lstStyle>
           <a:p>
@@ -2235,7 +2137,6 @@
         <p:spPr/>
         <p:txBody>
           <a:bodyPr/>
-          <a:lstStyle/>
           <a:p>
             <a:fld id="{BA731B52-4931-4587-B782-AFA14796FD40}" type="datetimeFigureOut">
               <a:rPr lang="en-IN" smtClean="0"/>
@@ -2257,7 +2158,6 @@
         <p:spPr/>
         <p:txBody>
           <a:bodyPr/>
-          <a:lstStyle/>
           <a:p>
             <a:endParaRPr lang="en-IN"/>
           </a:p>
@@ -2276,7 +2176,6 @@
         <p:spPr/>
         <p:txBody>
           <a:bodyPr/>
-          <a:lstStyle/>
           <a:p>
             <a:fld id="{228151EA-1E8D-4766-AF06-9F2FF9016FD2}" type="slidenum">
               <a:rPr lang="en-IN" smtClean="0"/>
@@ -2290,6 +2189,7 @@
   <p:clrMapOvr>
     <a:masterClrMapping/>
   </p:clrMapOvr>
+  <p:hf sldNum="0" hdr="0" ftr="0" dt="0"/>
 </p:sldLayout>
 </file>
 
@@ -2322,15 +2222,15 @@
         </p:nvSpPr>
         <p:spPr>
           <a:xfrm>
-            <a:off x="1792288" y="4800600"/>
-            <a:ext cx="5486400" cy="566738"/>
+            <a:off x="630238" y="457200"/>
+            <a:ext cx="2949575" cy="1600200"/>
           </a:xfrm>
         </p:spPr>
         <p:txBody>
           <a:bodyPr anchor="b"/>
           <a:lstStyle>
-            <a:lvl1pPr algn="l">
-              <a:defRPr sz="2000" b="1"/>
+            <a:lvl1pPr>
+              <a:defRPr sz="3200"/>
             </a:lvl1pPr>
           </a:lstStyle>
           <a:p>
@@ -2338,7 +2238,7 @@
               <a:rPr lang="en-US" smtClean="0"/>
               <a:t>Click to edit Master title style</a:t>
             </a:r>
-            <a:endParaRPr lang="en-IN"/>
+            <a:endParaRPr lang="en-US"/>
           </a:p>
         </p:txBody>
       </p:sp>
@@ -2354,8 +2254,98 @@
         </p:nvSpPr>
         <p:spPr>
           <a:xfrm>
-            <a:off x="1792288" y="612775"/>
-            <a:ext cx="5486400" cy="4114800"/>
+            <a:off x="3887788" y="987425"/>
+            <a:ext cx="4629150" cy="4873625"/>
+          </a:xfrm>
+        </p:spPr>
+        <p:txBody>
+          <a:bodyPr vert="horz" wrap="square" lIns="91440" tIns="45720" rIns="91440" bIns="45720" numCol="1" anchor="t" anchorCtr="0" compatLnSpc="1"/>
+          <a:lstStyle>
+            <a:lvl1pPr marL="0" indent="0">
+              <a:buNone/>
+              <a:defRPr sz="3200"/>
+            </a:lvl1pPr>
+            <a:lvl2pPr marL="457200" indent="0">
+              <a:buNone/>
+              <a:defRPr sz="2800"/>
+            </a:lvl2pPr>
+            <a:lvl3pPr marL="914400" indent="0">
+              <a:buNone/>
+              <a:defRPr sz="2400"/>
+            </a:lvl3pPr>
+            <a:lvl4pPr marL="1371600" indent="0">
+              <a:buNone/>
+              <a:defRPr sz="2000"/>
+            </a:lvl4pPr>
+            <a:lvl5pPr marL="1828800" indent="0">
+              <a:buNone/>
+              <a:defRPr sz="2000"/>
+            </a:lvl5pPr>
+            <a:lvl6pPr marL="2286000" indent="0">
+              <a:buNone/>
+              <a:defRPr sz="2000"/>
+            </a:lvl6pPr>
+            <a:lvl7pPr marL="2743200" indent="0">
+              <a:buNone/>
+              <a:defRPr sz="2000"/>
+            </a:lvl7pPr>
+            <a:lvl8pPr marL="3200400" indent="0">
+              <a:buNone/>
+              <a:defRPr sz="2000"/>
+            </a:lvl8pPr>
+            <a:lvl9pPr marL="3657600" indent="0">
+              <a:buNone/>
+              <a:defRPr sz="2000"/>
+            </a:lvl9pPr>
+          </a:lstStyle>
+          <a:p>
+            <a:pPr marL="0" marR="0" lvl="0" indent="0" algn="l" defTabSz="914400" rtl="0" eaLnBrk="1" fontAlgn="base" latinLnBrk="0" hangingPunct="1">
+              <a:lnSpc>
+                <a:spcPct val="100000"/>
+              </a:lnSpc>
+              <a:spcBef>
+                <a:spcPct val="20000"/>
+              </a:spcBef>
+              <a:spcAft>
+                <a:spcPct val="0"/>
+              </a:spcAft>
+              <a:buClrTx/>
+              <a:buSzTx/>
+              <a:buFontTx/>
+              <a:buNone/>
+              <a:defRPr/>
+            </a:pPr>
+            <a:endParaRPr kumimoji="0" lang="en-US" sz="3200" b="0" i="0" u="none" strike="noStrike" kern="1200" cap="none" spc="0" normalizeH="0" baseline="0" noProof="0" smtClean="0">
+              <a:ln>
+                <a:noFill/>
+              </a:ln>
+              <a:solidFill>
+                <a:schemeClr val="tx1"/>
+              </a:solidFill>
+              <a:effectLst/>
+              <a:uLnTx/>
+              <a:uFillTx/>
+              <a:latin typeface="+mn-lt"/>
+              <a:ea typeface="+mn-ea"/>
+              <a:cs typeface="+mn-cs"/>
+            </a:endParaRPr>
+          </a:p>
+        </p:txBody>
+      </p:sp>
+      <p:sp>
+        <p:nvSpPr>
+          <p:cNvPr id="4" name="Text Placeholder 3"/>
+          <p:cNvSpPr>
+            <a:spLocks noGrp="1"/>
+          </p:cNvSpPr>
+          <p:nvPr>
+            <p:ph type="body" sz="half" idx="2"/>
+          </p:nvPr>
+        </p:nvSpPr>
+        <p:spPr>
+          <a:xfrm>
+            <a:off x="630238" y="2057400"/>
+            <a:ext cx="2949575" cy="3811588"/>
           </a:xfrm>
         </p:spPr>
         <p:txBody>
@@ -2363,103 +2353,42 @@
           <a:lstStyle>
             <a:lvl1pPr marL="0" indent="0">
               <a:buNone/>
-              <a:defRPr sz="3200"/>
+              <a:defRPr sz="1600"/>
             </a:lvl1pPr>
             <a:lvl2pPr marL="457200" indent="0">
               <a:buNone/>
-              <a:defRPr sz="2800"/>
+              <a:defRPr sz="1400"/>
             </a:lvl2pPr>
             <a:lvl3pPr marL="914400" indent="0">
               <a:buNone/>
-              <a:defRPr sz="2400"/>
+              <a:defRPr sz="1200"/>
             </a:lvl3pPr>
             <a:lvl4pPr marL="1371600" indent="0">
               <a:buNone/>
-              <a:defRPr sz="2000"/>
+              <a:defRPr sz="1000"/>
             </a:lvl4pPr>
             <a:lvl5pPr marL="1828800" indent="0">
               <a:buNone/>
-              <a:defRPr sz="2000"/>
+              <a:defRPr sz="1000"/>
             </a:lvl5pPr>
             <a:lvl6pPr marL="2286000" indent="0">
               <a:buNone/>
-              <a:defRPr sz="2000"/>
+              <a:defRPr sz="1000"/>
             </a:lvl6pPr>
             <a:lvl7pPr marL="2743200" indent="0">
               <a:buNone/>
-              <a:defRPr sz="2000"/>
+              <a:defRPr sz="1000"/>
             </a:lvl7pPr>
             <a:lvl8pPr marL="3200400" indent="0">
               <a:buNone/>
-              <a:defRPr sz="2000"/>
+              <a:defRPr sz="1000"/>
             </a:lvl8pPr>
             <a:lvl9pPr marL="3657600" indent="0">
               <a:buNone/>
-              <a:defRPr sz="2000"/>
+              <a:defRPr sz="1000"/>
             </a:lvl9pPr>
           </a:lstStyle>
           <a:p>
-            <a:endParaRPr lang="en-IN"/>
-          </a:p>
-        </p:txBody>
-      </p:sp>
-      <p:sp>
-        <p:nvSpPr>
-          <p:cNvPr id="4" name="Text Placeholder 3"/>
-          <p:cNvSpPr>
-            <a:spLocks noGrp="1"/>
-          </p:cNvSpPr>
-          <p:nvPr>
-            <p:ph type="body" sz="half" idx="2"/>
-          </p:nvPr>
-        </p:nvSpPr>
-        <p:spPr>
-          <a:xfrm>
-            <a:off x="1792288" y="5367338"/>
-            <a:ext cx="5486400" cy="804862"/>
-          </a:xfrm>
-        </p:spPr>
-        <p:txBody>
-          <a:bodyPr/>
-          <a:lstStyle>
-            <a:lvl1pPr marL="0" indent="0">
-              <a:buNone/>
-              <a:defRPr sz="1400"/>
-            </a:lvl1pPr>
-            <a:lvl2pPr marL="457200" indent="0">
-              <a:buNone/>
-              <a:defRPr sz="1200"/>
-            </a:lvl2pPr>
-            <a:lvl3pPr marL="914400" indent="0">
-              <a:buNone/>
-              <a:defRPr sz="1000"/>
-            </a:lvl3pPr>
-            <a:lvl4pPr marL="1371600" indent="0">
-              <a:buNone/>
-              <a:defRPr sz="900"/>
-            </a:lvl4pPr>
-            <a:lvl5pPr marL="1828800" indent="0">
-              <a:buNone/>
-              <a:defRPr sz="900"/>
-            </a:lvl5pPr>
-            <a:lvl6pPr marL="2286000" indent="0">
-              <a:buNone/>
-              <a:defRPr sz="900"/>
-            </a:lvl6pPr>
-            <a:lvl7pPr marL="2743200" indent="0">
-              <a:buNone/>
-              <a:defRPr sz="900"/>
-            </a:lvl7pPr>
-            <a:lvl8pPr marL="3200400" indent="0">
-              <a:buNone/>
-              <a:defRPr sz="900"/>
-            </a:lvl8pPr>
-            <a:lvl9pPr marL="3657600" indent="0">
-              <a:buNone/>
-              <a:defRPr sz="900"/>
-            </a:lvl9pPr>
-          </a:lstStyle>
-          <a:p>
             <a:pPr lvl="0"/>
             <a:r>
               <a:rPr lang="en-US" smtClean="0"/>
@@ -2482,7 +2411,6 @@
         <p:spPr/>
         <p:txBody>
           <a:bodyPr/>
-          <a:lstStyle/>
           <a:p>
             <a:fld id="{BA731B52-4931-4587-B782-AFA14796FD40}" type="datetimeFigureOut">
               <a:rPr lang="en-IN" smtClean="0"/>
@@ -2504,7 +2432,6 @@
         <p:spPr/>
         <p:txBody>
           <a:bodyPr/>
-          <a:lstStyle/>
           <a:p>
             <a:endParaRPr lang="en-IN"/>
           </a:p>
@@ -2523,7 +2450,6 @@
         <p:spPr/>
         <p:txBody>
           <a:bodyPr/>
-          <a:lstStyle/>
           <a:p>
             <a:fld id="{228151EA-1E8D-4766-AF06-9F2FF9016FD2}" type="slidenum">
               <a:rPr lang="en-IN" smtClean="0"/>
@@ -2537,6 +2463,7 @@
   <p:clrMapOvr>
     <a:masterClrMapping/>
   </p:clrMapOvr>
+  <p:hf sldNum="0" hdr="0" ftr="0" dt="0"/>
 </p:sldLayout>
 </file>
 
@@ -2544,9 +2471,12 @@
 <p:sldMaster xmlns:a="http://schemas.openxmlformats.org/drawingml/2006/main" xmlns:r="http://schemas.openxmlformats.org/officeDocument/2006/relationships" xmlns:p="http://schemas.openxmlformats.org/presentationml/2006/main">
   <p:cSld>
     <p:bg>
-      <p:bgRef idx="1001">
-        <a:schemeClr val="bg1"/>
-      </p:bgRef>
+      <p:bgPr>
+        <a:solidFill>
+          <a:schemeClr val="bg1"/>
+        </a:solidFill>
+        <a:effectLst/>
+      </p:bgPr>
     </p:bg>
     <p:spTree>
       <p:nvGrpSpPr>
@@ -2554,143 +2484,194 @@
         <p:cNvGrpSpPr/>
         <p:nvPr/>
       </p:nvGrpSpPr>
-      <p:grpSpPr>
-        <a:xfrm>
-          <a:off x="0" y="0"/>
-          <a:ext cx="0" cy="0"/>
-          <a:chOff x="0" y="0"/>
-          <a:chExt cx="0" cy="0"/>
-        </a:xfrm>
-      </p:grpSpPr>
-      <p:sp>
-        <p:nvSpPr>
-          <p:cNvPr id="2" name="Title Placeholder 1"/>
-          <p:cNvSpPr>
-            <a:spLocks noGrp="1"/>
-          </p:cNvSpPr>
-          <p:nvPr>
-            <p:ph type="title"/>
-          </p:nvPr>
-        </p:nvSpPr>
+      <p:grpSpPr/>
+      <p:pic>
+        <p:nvPicPr>
+          <p:cNvPr id="1026" name="Picture 3"/>
+          <p:cNvPicPr>
+            <a:picLocks noChangeAspect="1"/>
+          </p:cNvPicPr>
+          <p:nvPr/>
+        </p:nvPicPr>
+        <p:blipFill>
+          <a:blip r:embed="rId12"/>
+          <a:stretch>
+            <a:fillRect/>
+          </a:stretch>
+        </p:blipFill>
         <p:spPr>
           <a:xfrm>
-            <a:off x="457200" y="274638"/>
-            <a:ext cx="8229600" cy="1143000"/>
+            <a:off x="-6350" y="0"/>
+            <a:ext cx="9150350" cy="6858000"/>
           </a:xfrm>
           <a:prstGeom prst="rect">
             <a:avLst/>
           </a:prstGeom>
+          <a:noFill/>
+          <a:ln w="9525">
+            <a:noFill/>
+          </a:ln>
         </p:spPr>
-        <p:txBody>
-          <a:bodyPr vert="horz" lIns="91440" tIns="45720" rIns="91440" bIns="45720" rtlCol="0" anchor="ctr">
-            <a:normAutofit/>
-          </a:bodyPr>
-          <a:lstStyle/>
-          <a:p>
-            <a:r>
-              <a:rPr lang="en-US" smtClean="0"/>
-              <a:t>Click to edit Master title style</a:t>
-            </a:r>
-            <a:endParaRPr lang="en-IN"/>
-          </a:p>
-        </p:txBody>
-      </p:sp>
-      <p:sp>
-        <p:nvSpPr>
-          <p:cNvPr id="3" name="Text Placeholder 2"/>
-          <p:cNvSpPr>
-            <a:spLocks noGrp="1"/>
-          </p:cNvSpPr>
-          <p:nvPr>
-            <p:ph type="body" idx="1"/>
+      </p:pic>
+      <p:sp>
+        <p:nvSpPr>
+          <p:cNvPr id="1027" name="Rectangle 3"/>
+          <p:cNvSpPr>
+            <a:spLocks noGrp="1"/>
+          </p:cNvSpPr>
+          <p:nvPr>
+            <p:ph type="title"/>
           </p:nvPr>
         </p:nvSpPr>
         <p:spPr>
           <a:xfrm>
-            <a:off x="457200" y="1600200"/>
-            <a:ext cx="8229600" cy="4525963"/>
+            <a:off x="457200" y="190500"/>
+            <a:ext cx="8229600" cy="582613"/>
           </a:xfrm>
           <a:prstGeom prst="rect">
             <a:avLst/>
           </a:prstGeom>
+          <a:noFill/>
+          <a:ln w="9525">
+            <a:noFill/>
+          </a:ln>
         </p:spPr>
         <p:txBody>
-          <a:bodyPr vert="horz" lIns="91440" tIns="45720" rIns="91440" bIns="45720" rtlCol="0">
-            <a:normAutofit/>
-          </a:bodyPr>
-          <a:lstStyle/>
+          <a:bodyPr anchor="ctr" anchorCtr="0"/>
           <a:p>
             <a:pPr lvl="0"/>
             <a:r>
-              <a:rPr lang="en-US" smtClean="0"/>
-              <a:t>Click to edit Master text styles</a:t>
-            </a:r>
-            <a:endParaRPr lang="en-US" smtClean="0"/>
-          </a:p>
-          <a:p>
-            <a:pPr lvl="1"/>
-            <a:r>
-              <a:rPr lang="en-US" smtClean="0"/>
-              <a:t>Second level</a:t>
-            </a:r>
-            <a:endParaRPr lang="en-US" smtClean="0"/>
-          </a:p>
-          <a:p>
-            <a:pPr lvl="2"/>
-            <a:r>
-              <a:rPr lang="en-US" smtClean="0"/>
-              <a:t>Third level</a:t>
-            </a:r>
-            <a:endParaRPr lang="en-US" smtClean="0"/>
-          </a:p>
-          <a:p>
-            <a:pPr lvl="3"/>
-            <a:r>
-              <a:rPr lang="en-US" smtClean="0"/>
-              <a:t>Fourth level</a:t>
-            </a:r>
-            <a:endParaRPr lang="en-US" smtClean="0"/>
-          </a:p>
-          <a:p>
-            <a:pPr lvl="4"/>
-            <a:r>
-              <a:rPr lang="en-US" smtClean="0"/>
-              <a:t>Fifth level</a:t>
-            </a:r>
-            <a:endParaRPr lang="en-IN"/>
-          </a:p>
-        </p:txBody>
-      </p:sp>
-      <p:sp>
-        <p:nvSpPr>
-          <p:cNvPr id="4" name="Date Placeholder 3"/>
-          <p:cNvSpPr>
-            <a:spLocks noGrp="1"/>
-          </p:cNvSpPr>
-          <p:nvPr>
-            <p:ph type="dt" sz="half" idx="2"/>
+              <a:rPr lang="en-US" altLang="zh-CN" dirty="0"/>
+              <a:t>Click to edit Master title style</a:t>
+            </a:r>
+            <a:endParaRPr lang="en-US" altLang="zh-CN" dirty="0"/>
+          </a:p>
+        </p:txBody>
+      </p:sp>
+      <p:sp>
+        <p:nvSpPr>
+          <p:cNvPr id="1028" name="Rectangle 4"/>
+          <p:cNvSpPr>
+            <a:spLocks noGrp="1"/>
+          </p:cNvSpPr>
+          <p:nvPr>
+            <p:ph type="body" idx="1"/>
           </p:nvPr>
         </p:nvSpPr>
         <p:spPr>
           <a:xfrm>
-            <a:off x="457200" y="6356350"/>
-            <a:ext cx="2133600" cy="365125"/>
+            <a:off x="457200" y="1174750"/>
+            <a:ext cx="8229600" cy="4953000"/>
           </a:xfrm>
           <a:prstGeom prst="rect">
             <a:avLst/>
           </a:prstGeom>
+          <a:noFill/>
+          <a:ln w="9525">
+            <a:noFill/>
+          </a:ln>
         </p:spPr>
         <p:txBody>
-          <a:bodyPr vert="horz" lIns="91440" tIns="45720" rIns="91440" bIns="45720" rtlCol="0" anchor="ctr"/>
+          <a:bodyPr/>
+          <a:p>
+            <a:pPr lvl="0"/>
+            <a:r>
+              <a:rPr lang="en-US" altLang="zh-CN" dirty="0"/>
+              <a:t>Click to edit Master text styles</a:t>
+            </a:r>
+            <a:endParaRPr lang="en-US" altLang="zh-CN" dirty="0"/>
+          </a:p>
+          <a:p>
+            <a:pPr lvl="1"/>
+            <a:r>
+              <a:rPr lang="en-US" altLang="zh-CN" dirty="0"/>
+              <a:t>Second level</a:t>
+            </a:r>
+            <a:endParaRPr lang="en-US" altLang="zh-CN" dirty="0"/>
+          </a:p>
+          <a:p>
+            <a:pPr lvl="2"/>
+            <a:r>
+              <a:rPr lang="en-US" altLang="zh-CN" dirty="0"/>
+              <a:t>Third level</a:t>
+            </a:r>
+            <a:endParaRPr lang="en-US" altLang="zh-CN" dirty="0"/>
+          </a:p>
+          <a:p>
+            <a:pPr lvl="3"/>
+            <a:r>
+              <a:rPr lang="en-US" altLang="zh-CN" dirty="0"/>
+              <a:t>Fourth level</a:t>
+            </a:r>
+            <a:endParaRPr lang="en-US" altLang="zh-CN" dirty="0"/>
+          </a:p>
+          <a:p>
+            <a:pPr lvl="4"/>
+            <a:r>
+              <a:rPr lang="en-US" altLang="zh-CN" dirty="0"/>
+              <a:t>Fifth level</a:t>
+            </a:r>
+            <a:endParaRPr lang="en-US" altLang="zh-CN" dirty="0"/>
+          </a:p>
+        </p:txBody>
+      </p:sp>
+      <p:sp>
+        <p:nvSpPr>
+          <p:cNvPr id="1029" name="Rectangle 5"/>
+          <p:cNvSpPr>
+            <a:spLocks noGrp="1" noChangeArrowheads="1"/>
+          </p:cNvSpPr>
+          <p:nvPr>
+            <p:ph type="dt" sz="half" idx="2"/>
+          </p:nvPr>
+        </p:nvSpPr>
+        <p:spPr bwMode="auto">
+          <a:xfrm>
+            <a:off x="457200" y="6245225"/>
+            <a:ext cx="2133600" cy="476250"/>
+          </a:xfrm>
+          <a:prstGeom prst="rect">
+            <a:avLst/>
+          </a:prstGeom>
+          <a:noFill/>
+          <a:ln>
+            <a:noFill/>
+          </a:ln>
+          <a:effectLst/>
+          <a:extLst>
+            <a:ext uri="{909E8E84-426E-40DD-AFC4-6F175D3DCCD1}">
+              <a14:hiddenFill xmlns:a14="http://schemas.microsoft.com/office/drawing/2010/main">
+                <a:solidFill>
+                  <a:schemeClr val="accent1"/>
+                </a:solidFill>
+              </a14:hiddenFill>
+            </a:ext>
+            <a:ext uri="{91240B29-F687-4F45-9708-019B960494DF}">
+              <a14:hiddenLine xmlns:a14="http://schemas.microsoft.com/office/drawing/2010/main" w="9525">
+                <a:solidFill>
+                  <a:srgbClr val="000000"/>
+                </a:solidFill>
+                <a:miter lim="800000"/>
+                <a:headEnd/>
+                <a:tailEnd/>
+              </a14:hiddenLine>
+            </a:ext>
+            <a:ext uri="{AF507438-7753-43E0-B8FC-AC1667EBCBE1}">
+              <a14:hiddenEffects xmlns:a14="http://schemas.microsoft.com/office/drawing/2010/main">
+                <a:effectLst>
+                  <a:outerShdw dist="35921" dir="2700000" algn="ctr" rotWithShape="0">
+                    <a:schemeClr val="bg2"/>
+                  </a:outerShdw>
+                </a:effectLst>
+              </a14:hiddenEffects>
+            </a:ext>
+          </a:extLst>
+        </p:spPr>
+        <p:txBody>
+          <a:bodyPr vert="horz" wrap="square" lIns="91440" tIns="45720" rIns="91440" bIns="45720" numCol="1" anchor="t" anchorCtr="0" compatLnSpc="1"/>
           <a:lstStyle>
-            <a:lvl1pPr algn="l">
-              <a:defRPr sz="1200">
-                <a:solidFill>
-                  <a:schemeClr val="tx1">
-                    <a:tint val="75000"/>
-                  </a:schemeClr>
-                </a:solidFill>
-              </a:defRPr>
+            <a:lvl1pPr>
+              <a:defRPr sz="1400"/>
             </a:lvl1pPr>
           </a:lstStyle>
           <a:p>
@@ -2703,34 +2684,61 @@
       </p:sp>
       <p:sp>
         <p:nvSpPr>
-          <p:cNvPr id="5" name="Footer Placeholder 4"/>
-          <p:cNvSpPr>
-            <a:spLocks noGrp="1"/>
+          <p:cNvPr id="1030" name="Rectangle 6"/>
+          <p:cNvSpPr>
+            <a:spLocks noGrp="1" noChangeArrowheads="1"/>
           </p:cNvSpPr>
           <p:nvPr>
             <p:ph type="ftr" sz="quarter" idx="3"/>
           </p:nvPr>
         </p:nvSpPr>
-        <p:spPr>
+        <p:spPr bwMode="auto">
           <a:xfrm>
-            <a:off x="3124200" y="6356350"/>
-            <a:ext cx="2895600" cy="365125"/>
+            <a:off x="3124200" y="6245225"/>
+            <a:ext cx="2895600" cy="476250"/>
           </a:xfrm>
           <a:prstGeom prst="rect">
             <a:avLst/>
           </a:prstGeom>
+          <a:noFill/>
+          <a:ln>
+            <a:noFill/>
+          </a:ln>
+          <a:effectLst/>
+          <a:extLst>
+            <a:ext uri="{909E8E84-426E-40DD-AFC4-6F175D3DCCD1}">
+              <a14:hiddenFill xmlns:a14="http://schemas.microsoft.com/office/drawing/2010/main">
+                <a:solidFill>
+                  <a:schemeClr val="accent1"/>
+                </a:solidFill>
+              </a14:hiddenFill>
+            </a:ext>
+            <a:ext uri="{91240B29-F687-4F45-9708-019B960494DF}">
+              <a14:hiddenLine xmlns:a14="http://schemas.microsoft.com/office/drawing/2010/main" w="9525">
+                <a:solidFill>
+                  <a:srgbClr val="000000"/>
+                </a:solidFill>
+                <a:miter lim="800000"/>
+                <a:headEnd/>
+                <a:tailEnd/>
+              </a14:hiddenLine>
+            </a:ext>
+            <a:ext uri="{AF507438-7753-43E0-B8FC-AC1667EBCBE1}">
+              <a14:hiddenEffects xmlns:a14="http://schemas.microsoft.com/office/drawing/2010/main">
+                <a:effectLst>
+                  <a:outerShdw dist="35921" dir="2700000" algn="ctr" rotWithShape="0">
+                    <a:schemeClr val="bg2"/>
+                  </a:outerShdw>
+                </a:effectLst>
+              </a14:hiddenEffects>
+            </a:ext>
+          </a:extLst>
         </p:spPr>
         <p:txBody>
-          <a:bodyPr vert="horz" lIns="91440" tIns="45720" rIns="91440" bIns="45720" rtlCol="0" anchor="ctr"/>
+          <a:bodyPr vert="horz" wrap="square" lIns="91440" tIns="45720" rIns="91440" bIns="45720" numCol="1" anchor="t" anchorCtr="0" compatLnSpc="1"/>
           <a:lstStyle>
             <a:lvl1pPr algn="ctr">
-              <a:defRPr sz="1200">
-                <a:solidFill>
-                  <a:schemeClr val="tx1">
-                    <a:tint val="75000"/>
-                  </a:schemeClr>
-                </a:solidFill>
-              </a:defRPr>
+              <a:defRPr sz="1400"/>
             </a:lvl1pPr>
           </a:lstStyle>
           <a:p>
@@ -2740,34 +2748,61 @@
       </p:sp>
       <p:sp>
         <p:nvSpPr>
-          <p:cNvPr id="6" name="Slide Number Placeholder 5"/>
-          <p:cNvSpPr>
-            <a:spLocks noGrp="1"/>
+          <p:cNvPr id="1031" name="Rectangle 7"/>
+          <p:cNvSpPr>
+            <a:spLocks noGrp="1" noChangeArrowheads="1"/>
           </p:cNvSpPr>
           <p:nvPr>
             <p:ph type="sldNum" sz="quarter" idx="4"/>
           </p:nvPr>
         </p:nvSpPr>
-        <p:spPr>
+        <p:spPr bwMode="auto">
           <a:xfrm>
-            <a:off x="6553200" y="6356350"/>
-            <a:ext cx="2133600" cy="365125"/>
+            <a:off x="6553200" y="6245225"/>
+            <a:ext cx="2133600" cy="476250"/>
           </a:xfrm>
           <a:prstGeom prst="rect">
             <a:avLst/>
           </a:prstGeom>
+          <a:noFill/>
+          <a:ln>
+            <a:noFill/>
+          </a:ln>
+          <a:effectLst/>
+          <a:extLst>
+            <a:ext uri="{909E8E84-426E-40DD-AFC4-6F175D3DCCD1}">
+              <a14:hiddenFill xmlns:a14="http://schemas.microsoft.com/office/drawing/2010/main">
+                <a:solidFill>
+                  <a:schemeClr val="accent1"/>
+                </a:solidFill>
+              </a14:hiddenFill>
+            </a:ext>
+            <a:ext uri="{91240B29-F687-4F45-9708-019B960494DF}">
+              <a14:hiddenLine xmlns:a14="http://schemas.microsoft.com/office/drawing/2010/main" w="9525">
+                <a:solidFill>
+                  <a:srgbClr val="000000"/>
+                </a:solidFill>
+                <a:miter lim="800000"/>
+                <a:headEnd/>
+                <a:tailEnd/>
+              </a14:hiddenLine>
+            </a:ext>
+            <a:ext uri="{AF507438-7753-43E0-B8FC-AC1667EBCBE1}">
+              <a14:hiddenEffects xmlns:a14="http://schemas.microsoft.com/office/drawing/2010/main">
+                <a:effectLst>
+                  <a:outerShdw dist="35921" dir="2700000" algn="ctr" rotWithShape="0">
+                    <a:schemeClr val="bg2"/>
+                  </a:outerShdw>
+                </a:effectLst>
+              </a14:hiddenEffects>
+            </a:ext>
+          </a:extLst>
         </p:spPr>
         <p:txBody>
-          <a:bodyPr vert="horz" lIns="91440" tIns="45720" rIns="91440" bIns="45720" rtlCol="0" anchor="ctr"/>
+          <a:bodyPr vert="horz" wrap="square" lIns="91440" tIns="45720" rIns="91440" bIns="45720" numCol="1" anchor="t" anchorCtr="0" compatLnSpc="1"/>
           <a:lstStyle>
             <a:lvl1pPr algn="r">
-              <a:defRPr sz="1200">
-                <a:solidFill>
-                  <a:schemeClr val="tx1">
-                    <a:tint val="75000"/>
-                  </a:schemeClr>
-                </a:solidFill>
-              </a:defRPr>
+              <a:defRPr sz="1400"/>
             </a:lvl1pPr>
           </a:lstStyle>
           <a:p>
@@ -2794,14 +2829,17 @@
     <p:sldLayoutId id="2147483658" r:id="rId10"/>
     <p:sldLayoutId id="2147483659" r:id="rId11"/>
   </p:sldLayoutIdLst>
+  <p:hf sldNum="0" hdr="0" ftr="0" dt="0"/>
   <p:txStyles>
     <p:titleStyle>
-      <a:lvl1pPr algn="ctr" defTabSz="914400" rtl="0" eaLnBrk="1" latinLnBrk="0" hangingPunct="1">
+      <a:lvl1pPr algn="l" rtl="0" fontAlgn="base">
         <a:spcBef>
           <a:spcPct val="0"/>
         </a:spcBef>
-        <a:buNone/>
-        <a:defRPr sz="4400" kern="1200">
+        <a:spcAft>
+          <a:spcPct val="0"/>
+        </a:spcAft>
+        <a:defRPr sz="3600" kern="1200">
           <a:solidFill>
             <a:schemeClr val="tx1"/>
           </a:solidFill>
@@ -2810,13 +2848,135 @@
           <a:cs typeface="+mj-cs"/>
         </a:defRPr>
       </a:lvl1pPr>
+      <a:lvl2pPr algn="l" rtl="0" fontAlgn="base">
+        <a:spcBef>
+          <a:spcPct val="0"/>
+        </a:spcBef>
+        <a:spcAft>
+          <a:spcPct val="0"/>
+        </a:spcAft>
+        <a:defRPr sz="3600">
+          <a:solidFill>
+            <a:schemeClr val="tx1"/>
+          </a:solidFill>
+          <a:latin typeface="Arial" panose="020B0604020202020204" pitchFamily="34" charset="0"/>
+          <a:ea typeface="SimSun" panose="02010600030101010101" pitchFamily="2" charset="-122"/>
+        </a:defRPr>
+      </a:lvl2pPr>
+      <a:lvl3pPr algn="l" rtl="0" fontAlgn="base">
+        <a:spcBef>
+          <a:spcPct val="0"/>
+        </a:spcBef>
+        <a:spcAft>
+          <a:spcPct val="0"/>
+        </a:spcAft>
+        <a:defRPr sz="3600">
+          <a:solidFill>
+            <a:schemeClr val="tx1"/>
+          </a:solidFill>
+          <a:latin typeface="Arial" panose="020B0604020202020204" pitchFamily="34" charset="0"/>
+          <a:ea typeface="SimSun" panose="02010600030101010101" pitchFamily="2" charset="-122"/>
+        </a:defRPr>
+      </a:lvl3pPr>
+      <a:lvl4pPr algn="l" rtl="0" fontAlgn="base">
+        <a:spcBef>
+          <a:spcPct val="0"/>
+        </a:spcBef>
+        <a:spcAft>
+          <a:spcPct val="0"/>
+        </a:spcAft>
+        <a:defRPr sz="3600">
+          <a:solidFill>
+            <a:schemeClr val="tx1"/>
+          </a:solidFill>
+          <a:latin typeface="Arial" panose="020B0604020202020204" pitchFamily="34" charset="0"/>
+          <a:ea typeface="SimSun" panose="02010600030101010101" pitchFamily="2" charset="-122"/>
+        </a:defRPr>
+      </a:lvl4pPr>
+      <a:lvl5pPr algn="l" rtl="0" fontAlgn="base">
+        <a:spcBef>
+          <a:spcPct val="0"/>
+        </a:spcBef>
+        <a:spcAft>
+          <a:spcPct val="0"/>
+        </a:spcAft>
+        <a:defRPr sz="3600">
+          <a:solidFill>
+            <a:schemeClr val="tx1"/>
+          </a:solidFill>
+          <a:latin typeface="Arial" panose="020B0604020202020204" pitchFamily="34" charset="0"/>
+          <a:ea typeface="SimSun" panose="02010600030101010101" pitchFamily="2" charset="-122"/>
+        </a:defRPr>
+      </a:lvl5pPr>
+      <a:lvl6pPr marL="457200" algn="l" rtl="0" fontAlgn="base">
+        <a:spcBef>
+          <a:spcPct val="0"/>
+        </a:spcBef>
+        <a:spcAft>
+          <a:spcPct val="0"/>
+        </a:spcAft>
+        <a:defRPr sz="3600">
+          <a:solidFill>
+            <a:schemeClr val="tx1"/>
+          </a:solidFill>
+          <a:latin typeface="Arial" panose="020B0604020202020204" pitchFamily="34" charset="0"/>
+          <a:ea typeface="SimSun" panose="02010600030101010101" pitchFamily="2" charset="-122"/>
+        </a:defRPr>
+      </a:lvl6pPr>
+      <a:lvl7pPr marL="914400" algn="l" rtl="0" fontAlgn="base">
+        <a:spcBef>
+          <a:spcPct val="0"/>
+        </a:spcBef>
+        <a:spcAft>
+          <a:spcPct val="0"/>
+        </a:spcAft>
+        <a:defRPr sz="3600">
+          <a:solidFill>
+            <a:schemeClr val="tx1"/>
+          </a:solidFill>
+          <a:latin typeface="Arial" panose="020B0604020202020204" pitchFamily="34" charset="0"/>
+          <a:ea typeface="SimSun" panose="02010600030101010101" pitchFamily="2" charset="-122"/>
+        </a:defRPr>
+      </a:lvl7pPr>
+      <a:lvl8pPr marL="1371600" algn="l" rtl="0" fontAlgn="base">
+        <a:spcBef>
+          <a:spcPct val="0"/>
+        </a:spcBef>
+        <a:spcAft>
+          <a:spcPct val="0"/>
+        </a:spcAft>
+        <a:defRPr sz="3600">
+          <a:solidFill>
+            <a:schemeClr val="tx1"/>
+          </a:solidFill>
+          <a:latin typeface="Arial" panose="020B0604020202020204" pitchFamily="34" charset="0"/>
+          <a:ea typeface="SimSun" panose="02010600030101010101" pitchFamily="2" charset="-122"/>
+        </a:defRPr>
+      </a:lvl8pPr>
+      <a:lvl9pPr marL="1828800" algn="l" rtl="0" fontAlgn="base">
+        <a:spcBef>
+          <a:spcPct val="0"/>
+        </a:spcBef>
+        <a:spcAft>
+          <a:spcPct val="0"/>
+        </a:spcAft>
+        <a:defRPr sz="3600">
+          <a:solidFill>
+            <a:schemeClr val="tx1"/>
+          </a:solidFill>
+          <a:latin typeface="Arial" panose="020B0604020202020204" pitchFamily="34" charset="0"/>
+          <a:ea typeface="SimSun" panose="02010600030101010101" pitchFamily="2" charset="-122"/>
+        </a:defRPr>
+      </a:lvl9pPr>
     </p:titleStyle>
     <p:bodyStyle>
-      <a:lvl1pPr marL="342900" indent="-342900" algn="l" defTabSz="914400" rtl="0" eaLnBrk="1" latinLnBrk="0" hangingPunct="1">
+      <a:lvl1pPr marL="342900" indent="-342900" algn="l" rtl="0" fontAlgn="base">
         <a:spcBef>
           <a:spcPct val="20000"/>
         </a:spcBef>
-        <a:buFont typeface="Arial" panose="020B0604020202020204" pitchFamily="34" charset="0"/>
+        <a:spcAft>
+          <a:spcPct val="0"/>
+        </a:spcAft>
         <a:buChar char="•"/>
         <a:defRPr sz="3200" kern="1200">
           <a:solidFill>
@@ -2827,11 +2987,13 @@
           <a:cs typeface="+mn-cs"/>
         </a:defRPr>
       </a:lvl1pPr>
-      <a:lvl2pPr marL="742950" indent="-285750" algn="l" defTabSz="914400" rtl="0" eaLnBrk="1" latinLnBrk="0" hangingPunct="1">
+      <a:lvl2pPr marL="742950" indent="-285750" algn="l" rtl="0" fontAlgn="base">
         <a:spcBef>
           <a:spcPct val="20000"/>
         </a:spcBef>
-        <a:buFont typeface="Arial" panose="020B0604020202020204" pitchFamily="34" charset="0"/>
+        <a:spcAft>
+          <a:spcPct val="0"/>
+        </a:spcAft>
         <a:buChar char="–"/>
         <a:defRPr sz="2800" kern="1200">
           <a:solidFill>
@@ -2842,11 +3004,13 @@
           <a:cs typeface="+mn-cs"/>
         </a:defRPr>
       </a:lvl2pPr>
-      <a:lvl3pPr marL="1143000" indent="-228600" algn="l" defTabSz="914400" rtl="0" eaLnBrk="1" latinLnBrk="0" hangingPunct="1">
+      <a:lvl3pPr marL="1143000" indent="-228600" algn="l" rtl="0" fontAlgn="base">
         <a:spcBef>
           <a:spcPct val="20000"/>
         </a:spcBef>
-        <a:buFont typeface="Arial" panose="020B0604020202020204" pitchFamily="34" charset="0"/>
+        <a:spcAft>
+          <a:spcPct val="0"/>
+        </a:spcAft>
         <a:buChar char="•"/>
         <a:defRPr sz="2400" kern="1200">
           <a:solidFill>
@@ -2857,11 +3021,13 @@
           <a:cs typeface="+mn-cs"/>
         </a:defRPr>
       </a:lvl3pPr>
-      <a:lvl4pPr marL="1600200" indent="-228600" algn="l" defTabSz="914400" rtl="0" eaLnBrk="1" latinLnBrk="0" hangingPunct="1">
+      <a:lvl4pPr marL="1600200" indent="-228600" algn="l" rtl="0" fontAlgn="base">
         <a:spcBef>
           <a:spcPct val="20000"/>
         </a:spcBef>
-        <a:buFont typeface="Arial" panose="020B0604020202020204" pitchFamily="34" charset="0"/>
+        <a:spcAft>
+          <a:spcPct val="0"/>
+        </a:spcAft>
         <a:buChar char="–"/>
         <a:defRPr sz="2000" kern="1200">
           <a:solidFill>
@@ -2872,11 +3038,13 @@
           <a:cs typeface="+mn-cs"/>
         </a:defRPr>
       </a:lvl4pPr>
-      <a:lvl5pPr marL="2057400" indent="-228600" algn="l" defTabSz="914400" rtl="0" eaLnBrk="1" latinLnBrk="0" hangingPunct="1">
+      <a:lvl5pPr marL="2057400" indent="-228600" algn="l" rtl="0" fontAlgn="base">
         <a:spcBef>
           <a:spcPct val="20000"/>
         </a:spcBef>
-        <a:buFont typeface="Arial" panose="020B0604020202020204" pitchFamily="34" charset="0"/>
+        <a:spcAft>
+          <a:spcPct val="0"/>
+        </a:spcAft>
         <a:buChar char="»"/>
         <a:defRPr sz="2000" kern="1200">
           <a:solidFill>
@@ -2888,12 +3056,15 @@
         </a:defRPr>
       </a:lvl5pPr>
       <a:lvl6pPr marL="2514600" indent="-228600" algn="l" defTabSz="914400" rtl="0" eaLnBrk="1" latinLnBrk="0" hangingPunct="1">
+        <a:lnSpc>
+          <a:spcPct val="90000"/>
+        </a:lnSpc>
         <a:spcBef>
-          <a:spcPct val="20000"/>
+          <a:spcPts val="500"/>
         </a:spcBef>
         <a:buFont typeface="Arial" panose="020B0604020202020204" pitchFamily="34" charset="0"/>
         <a:buChar char="•"/>
-        <a:defRPr sz="2000" kern="1200">
+        <a:defRPr sz="1800" kern="1200">
           <a:solidFill>
             <a:schemeClr val="tx1"/>
           </a:solidFill>
@@ -2903,12 +3074,15 @@
         </a:defRPr>
       </a:lvl6pPr>
       <a:lvl7pPr marL="2971800" indent="-228600" algn="l" defTabSz="914400" rtl="0" eaLnBrk="1" latinLnBrk="0" hangingPunct="1">
+        <a:lnSpc>
+          <a:spcPct val="90000"/>
+        </a:lnSpc>
         <a:spcBef>
-          <a:spcPct val="20000"/>
+          <a:spcPts val="500"/>
         </a:spcBef>
         <a:buFont typeface="Arial" panose="020B0604020202020204" pitchFamily="34" charset="0"/>
         <a:buChar char="•"/>
-        <a:defRPr sz="2000" kern="1200">
+        <a:defRPr sz="1800" kern="1200">
           <a:solidFill>
             <a:schemeClr val="tx1"/>
           </a:solidFill>
@@ -2918,12 +3092,15 @@
         </a:defRPr>
       </a:lvl7pPr>
       <a:lvl8pPr marL="3429000" indent="-228600" algn="l" defTabSz="914400" rtl="0" eaLnBrk="1" latinLnBrk="0" hangingPunct="1">
+        <a:lnSpc>
+          <a:spcPct val="90000"/>
+        </a:lnSpc>
         <a:spcBef>
-          <a:spcPct val="20000"/>
+          <a:spcPts val="500"/>
         </a:spcBef>
         <a:buFont typeface="Arial" panose="020B0604020202020204" pitchFamily="34" charset="0"/>
         <a:buChar char="•"/>
-        <a:defRPr sz="2000" kern="1200">
+        <a:defRPr sz="1800" kern="1200">
           <a:solidFill>
             <a:schemeClr val="tx1"/>
           </a:solidFill>
@@ -2933,12 +3110,15 @@
         </a:defRPr>
       </a:lvl8pPr>
       <a:lvl9pPr marL="3886200" indent="-228600" algn="l" defTabSz="914400" rtl="0" eaLnBrk="1" latinLnBrk="0" hangingPunct="1">
+        <a:lnSpc>
+          <a:spcPct val="90000"/>
+        </a:lnSpc>
         <a:spcBef>
-          <a:spcPct val="20000"/>
+          <a:spcPts val="500"/>
         </a:spcBef>
         <a:buFont typeface="Arial" panose="020B0604020202020204" pitchFamily="34" charset="0"/>
         <a:buChar char="•"/>
-        <a:defRPr sz="2000" kern="1200">
+        <a:defRPr sz="1800" kern="1200">
           <a:solidFill>
             <a:schemeClr val="tx1"/>
           </a:solidFill>
@@ -3074,18 +3254,64 @@
             <p:ph type="ctrTitle"/>
           </p:nvPr>
         </p:nvSpPr>
-        <p:spPr/>
+        <p:spPr>
+          <a:xfrm>
+            <a:off x="-614680" y="1772920"/>
+            <a:ext cx="9363710" cy="1780540"/>
+          </a:xfrm>
+        </p:spPr>
         <p:txBody>
           <a:bodyPr/>
           <a:lstStyle/>
           <a:p>
             <a:r>
-              <a:rPr lang="en-IN" dirty="0"/>
-              <a:t>Housing Price Prediction</a:t>
+              <a:rPr lang="en-IN" sz="5400" dirty="0"/>
+              <a:t>Housing</a:t>
+            </a:r>
+            <a:r>
+              <a:rPr lang="en-US" altLang="en-IN" sz="5400" dirty="0"/>
+              <a:t> </a:t>
+            </a:r>
+            <a:r>
+              <a:rPr lang="en-IN" sz="5400" dirty="0">
+                <a:latin typeface="Bahnschrift Condensed" panose="020B0502040204020203" charset="0"/>
+                <a:cs typeface="Bahnschrift Condensed" panose="020B0502040204020203" charset="0"/>
+              </a:rPr>
+              <a:t>Pric</a:t>
+            </a:r>
+            <a:r>
+              <a:rPr lang="en-US" altLang="en-IN" sz="5400" dirty="0">
+                <a:latin typeface="Bahnschrift Condensed" panose="020B0502040204020203" charset="0"/>
+                <a:cs typeface="Bahnschrift Condensed" panose="020B0502040204020203" charset="0"/>
+              </a:rPr>
+              <a:t>e </a:t>
             </a:r>
             <a:br>
-              <a:rPr lang="en-IN" dirty="0"/>
+              <a:rPr lang="en-US" altLang="en-IN" sz="5400" dirty="0">
+                <a:latin typeface="Bahnschrift Condensed" panose="020B0502040204020203" charset="0"/>
+                <a:cs typeface="Bahnschrift Condensed" panose="020B0502040204020203" charset="0"/>
+              </a:rPr>
             </a:br>
+            <a:r>
+              <a:rPr lang="en-US" altLang="en-IN" sz="5400" dirty="0">
+                <a:latin typeface="Bahnschrift Condensed" panose="020B0502040204020203" charset="0"/>
+                <a:cs typeface="Bahnschrift Condensed" panose="020B0502040204020203" charset="0"/>
+              </a:rPr>
+              <a:t>Prediction</a:t>
+            </a:r>
+            <a:br>
+              <a:rPr lang="en-IN" sz="6000" dirty="0">
+                <a:latin typeface="Bahnschrift Condensed" panose="020B0502040204020203" charset="0"/>
+                <a:cs typeface="Bahnschrift Condensed" panose="020B0502040204020203" charset="0"/>
+              </a:rPr>
+            </a:br>
+            <a:r>
+              <a:rPr lang="en-IN" sz="6000" dirty="0">
+                <a:latin typeface="Bahnschrift Condensed" panose="020B0502040204020203" charset="0"/>
+                <a:cs typeface="Bahnschrift Condensed" panose="020B0502040204020203" charset="0"/>
+              </a:rPr>
+              <a:t> </a:t>
+            </a:r>
             <a:endParaRPr lang="en-IN" dirty="0"/>
           </a:p>
         </p:txBody>
@@ -3100,30 +3326,90 @@
             <p:ph type="subTitle" idx="1"/>
           </p:nvPr>
         </p:nvSpPr>
-        <p:spPr/>
+        <p:spPr>
+          <a:xfrm>
+            <a:off x="1835468" y="4436745"/>
+            <a:ext cx="6913562" cy="1752600"/>
+          </a:xfrm>
+        </p:spPr>
         <p:txBody>
           <a:bodyPr/>
           <a:lstStyle/>
           <a:p>
             <a:r>
-              <a:rPr lang="en-IN" dirty="0"/>
+              <a:rPr lang="en-IN" dirty="0">
+                <a:latin typeface="Bahnschrift Condensed" panose="020B0502040204020203" charset="0"/>
+                <a:cs typeface="Bahnschrift Condensed" panose="020B0502040204020203" charset="0"/>
+              </a:rPr>
               <a:t>Submitted by:</a:t>
             </a:r>
             <a:endParaRPr lang="en-IN" dirty="0"/>
           </a:p>
           <a:p>
             <a:r>
-              <a:rPr lang="en-IN" dirty="0" err="1"/>
+              <a:rPr lang="en-IN" dirty="0" err="1">
+                <a:gradFill>
+                  <a:gsLst>
+                    <a:gs pos="0">
+                      <a:srgbClr val="FE4444"/>
+                    </a:gs>
+                    <a:gs pos="100000">
+                      <a:srgbClr val="832B2B"/>
+                    </a:gs>
+                  </a:gsLst>
+                  <a:lin scaled="0"/>
+                </a:gradFill>
+                <a:latin typeface="Comic Sans MS" panose="030F0702030302020204" charset="0"/>
+                <a:cs typeface="Comic Sans MS" panose="030F0702030302020204" charset="0"/>
+              </a:rPr>
               <a:t>S</a:t>
             </a:r>
             <a:r>
-              <a:rPr lang="en-US" altLang="en-IN" dirty="0" err="1"/>
+              <a:rPr lang="en-US" altLang="en-IN" dirty="0" err="1">
+                <a:gradFill>
+                  <a:gsLst>
+                    <a:gs pos="0">
+                      <a:srgbClr val="FE4444"/>
+                    </a:gs>
+                    <a:gs pos="100000">
+                      <a:srgbClr val="832B2B"/>
+                    </a:gs>
+                  </a:gsLst>
+                  <a:lin scaled="0"/>
+                </a:gradFill>
+                <a:latin typeface="Comic Sans MS" panose="030F0702030302020204" charset="0"/>
+                <a:cs typeface="Comic Sans MS" panose="030F0702030302020204" charset="0"/>
+              </a:rPr>
               <a:t>udhanshu Kumar</a:t>
             </a:r>
-            <a:endParaRPr lang="en-IN" dirty="0"/>
-          </a:p>
-          <a:p>
-            <a:endParaRPr lang="en-IN" dirty="0"/>
+            <a:endParaRPr lang="en-IN" dirty="0">
+              <a:gradFill>
+                <a:gsLst>
+                  <a:gs pos="0">
+                    <a:srgbClr val="FE4444"/>
+                  </a:gs>
+                  <a:gs pos="100000">
+                    <a:srgbClr val="832B2B"/>
+                  </a:gs>
+                </a:gsLst>
+                <a:lin scaled="0"/>
+              </a:gradFill>
+            </a:endParaRPr>
+          </a:p>
+          <a:p>
+            <a:endParaRPr lang="en-IN" dirty="0">
+              <a:gradFill>
+                <a:gsLst>
+                  <a:gs pos="0">
+                    <a:srgbClr val="FE4444"/>
+                  </a:gs>
+                  <a:gs pos="100000">
+                    <a:srgbClr val="832B2B"/>
+                  </a:gs>
+                </a:gsLst>
+                <a:lin scaled="0"/>
+              </a:gradFill>
+            </a:endParaRPr>
           </a:p>
         </p:txBody>
       </p:sp>
@@ -3148,8 +3434,8 @@
         </p:blipFill>
         <p:spPr bwMode="auto">
           <a:xfrm>
-            <a:off x="2843808" y="692696"/>
-            <a:ext cx="2929890" cy="2133600"/>
+            <a:off x="2715260" y="-315595"/>
+            <a:ext cx="3714115" cy="2525395"/>
           </a:xfrm>
           <a:prstGeom prst="rect">
             <a:avLst/>
@@ -3202,117 +3488,182 @@
             <p:ph type="title"/>
           </p:nvPr>
         </p:nvSpPr>
-        <p:spPr/>
+        <p:spPr>
+          <a:xfrm>
+            <a:off x="457200" y="260350"/>
+            <a:ext cx="8229600" cy="582613"/>
+          </a:xfrm>
+        </p:spPr>
+        <p:txBody>
+          <a:bodyPr/>
+          <a:lstStyle/>
+          <a:p>
+            <a:r>
+              <a:rPr lang="en-IN" b="1" dirty="0" smtClean="0">
+                <a:gradFill>
+                  <a:gsLst>
+                    <a:gs pos="0">
+                      <a:srgbClr val="E30000"/>
+                    </a:gs>
+                    <a:gs pos="100000">
+                      <a:srgbClr val="760303"/>
+                    </a:gs>
+                  </a:gsLst>
+                  <a:lin scaled="0"/>
+                </a:gradFill>
+                <a:latin typeface="Bahnschrift Condensed" panose="020B0502040204020203" charset="0"/>
+                <a:cs typeface="Bahnschrift Condensed" panose="020B0502040204020203" charset="0"/>
+              </a:rPr>
+              <a:t>Data </a:t>
+            </a:r>
+            <a:r>
+              <a:rPr lang="en-IN" b="1" dirty="0" err="1" smtClean="0">
+                <a:gradFill>
+                  <a:gsLst>
+                    <a:gs pos="0">
+                      <a:srgbClr val="E30000"/>
+                    </a:gs>
+                    <a:gs pos="100000">
+                      <a:srgbClr val="760303"/>
+                    </a:gs>
+                  </a:gsLst>
+                  <a:lin scaled="0"/>
+                </a:gradFill>
+                <a:latin typeface="Bahnschrift Condensed" panose="020B0502040204020203" charset="0"/>
+                <a:cs typeface="Bahnschrift Condensed" panose="020B0502040204020203" charset="0"/>
+              </a:rPr>
+              <a:t>Preprocessing</a:t>
+            </a:r>
+            <a:r>
+              <a:rPr lang="en-US" altLang="en-IN" b="1" dirty="0" err="1" smtClean="0">
+                <a:gradFill>
+                  <a:gsLst>
+                    <a:gs pos="0">
+                      <a:srgbClr val="E30000"/>
+                    </a:gs>
+                    <a:gs pos="100000">
+                      <a:srgbClr val="760303"/>
+                    </a:gs>
+                  </a:gsLst>
+                  <a:lin scaled="0"/>
+                </a:gradFill>
+                <a:latin typeface="Bahnschrift Condensed" panose="020B0502040204020203" charset="0"/>
+                <a:cs typeface="Bahnschrift Condensed" panose="020B0502040204020203" charset="0"/>
+              </a:rPr>
+              <a:t>---</a:t>
+            </a:r>
+            <a:endParaRPr lang="en-US" altLang="en-IN" b="1" dirty="0" err="1" smtClean="0">
+              <a:gradFill>
+                <a:gsLst>
+                  <a:gs pos="0">
+                    <a:srgbClr val="E30000"/>
+                  </a:gs>
+                  <a:gs pos="100000">
+                    <a:srgbClr val="760303"/>
+                  </a:gs>
+                </a:gsLst>
+                <a:lin scaled="0"/>
+              </a:gradFill>
+              <a:latin typeface="Bahnschrift Condensed" panose="020B0502040204020203" charset="0"/>
+              <a:cs typeface="Bahnschrift Condensed" panose="020B0502040204020203" charset="0"/>
+            </a:endParaRPr>
+          </a:p>
+        </p:txBody>
+      </p:sp>
+      <p:sp>
+        <p:nvSpPr>
+          <p:cNvPr id="3" name="Content Placeholder 2"/>
+          <p:cNvSpPr>
+            <a:spLocks noGrp="1"/>
+          </p:cNvSpPr>
+          <p:nvPr>
+            <p:ph idx="1"/>
+          </p:nvPr>
+        </p:nvSpPr>
+        <p:spPr>
+          <a:xfrm>
+            <a:off x="395605" y="1340485"/>
+            <a:ext cx="8229600" cy="4953000"/>
+          </a:xfrm>
+        </p:spPr>
         <p:txBody>
           <a:bodyPr>
-            <a:normAutofit fontScale="90000"/>
+            <a:normAutofit fontScale="60000"/>
           </a:bodyPr>
           <a:lstStyle/>
           <a:p>
-            <a:r>
-              <a:rPr lang="en-IN" dirty="0" smtClean="0"/>
-              <a:t>Model Development and Visualization</a:t>
-            </a:r>
-            <a:endParaRPr lang="en-IN" dirty="0"/>
-          </a:p>
-        </p:txBody>
-      </p:sp>
-      <p:sp>
-        <p:nvSpPr>
-          <p:cNvPr id="3" name="Content Placeholder 2"/>
-          <p:cNvSpPr>
-            <a:spLocks noGrp="1"/>
-          </p:cNvSpPr>
-          <p:nvPr>
-            <p:ph idx="1"/>
-          </p:nvPr>
-        </p:nvSpPr>
-        <p:spPr/>
-        <p:txBody>
-          <a:bodyPr>
-            <a:normAutofit lnSpcReduction="10000"/>
-          </a:bodyPr>
-          <a:lstStyle/>
-          <a:p>
-            <a:r>
-              <a:rPr lang="en-IN" dirty="0"/>
-              <a:t>Different models I tried:</a:t>
-            </a:r>
-            <a:endParaRPr lang="en-IN" dirty="0"/>
-          </a:p>
-          <a:p>
-            <a:pPr marL="0" indent="0">
-              <a:buNone/>
-            </a:pPr>
-            <a:endParaRPr lang="en-IN" dirty="0"/>
-          </a:p>
-          <a:p>
-            <a:pPr latinLnBrk="1"/>
-            <a:endParaRPr lang="en-IN" dirty="0" smtClean="0"/>
-          </a:p>
-          <a:p>
-            <a:pPr latinLnBrk="1"/>
-            <a:endParaRPr lang="en-IN" dirty="0"/>
-          </a:p>
-          <a:p>
-            <a:pPr latinLnBrk="1"/>
-            <a:endParaRPr lang="en-IN" dirty="0" smtClean="0"/>
-          </a:p>
-          <a:p>
-            <a:pPr latinLnBrk="1"/>
-            <a:endParaRPr lang="en-IN" dirty="0"/>
-          </a:p>
-          <a:p>
-            <a:pPr latinLnBrk="1"/>
-            <a:r>
-              <a:rPr lang="en-IN" dirty="0" smtClean="0"/>
-              <a:t>#</a:t>
-            </a:r>
-            <a:r>
-              <a:rPr lang="en-IN" dirty="0"/>
-              <a:t>From the above analysis Linear  </a:t>
-            </a:r>
-            <a:r>
-              <a:rPr lang="en-IN" dirty="0" err="1"/>
-              <a:t>Regressor</a:t>
-            </a:r>
-            <a:r>
-              <a:rPr lang="en-IN" dirty="0"/>
-              <a:t> has least difference between r2 and </a:t>
-            </a:r>
-            <a:r>
-              <a:rPr lang="en-IN" dirty="0" err="1"/>
-              <a:t>cvs</a:t>
-            </a:r>
-            <a:endParaRPr lang="en-IN" dirty="0"/>
-          </a:p>
-          <a:p>
-            <a:endParaRPr lang="en-IN" dirty="0"/>
-          </a:p>
-        </p:txBody>
-      </p:sp>
-      <p:pic>
-        <p:nvPicPr>
-          <p:cNvPr id="4" name="Picture 3"/>
-          <p:cNvPicPr/>
-          <p:nvPr/>
-        </p:nvPicPr>
-        <p:blipFill>
-          <a:blip r:embed="rId1"/>
-          <a:stretch>
-            <a:fillRect/>
-          </a:stretch>
-        </p:blipFill>
-        <p:spPr>
-          <a:xfrm>
-            <a:off x="4932040" y="1484784"/>
-            <a:ext cx="3200400" cy="3028950"/>
-          </a:xfrm>
-          <a:prstGeom prst="rect">
-            <a:avLst/>
-          </a:prstGeom>
-        </p:spPr>
-      </p:pic>
+            <a:pPr lvl="0"/>
+            <a:r>
+              <a:rPr lang="en-IN" sz="3555" dirty="0" err="1"/>
+              <a:t>OneHot</a:t>
+            </a:r>
+            <a:r>
+              <a:rPr lang="en-IN" sz="3555" dirty="0"/>
+              <a:t> Encoded all the data categorical data- We encode the </a:t>
+            </a:r>
+            <a:r>
+              <a:rPr lang="en-IN" sz="3555" dirty="0"/>
+              <a:t>categorical data in this step, to convert it to integer type, since the model does not work on ‘string’ data.</a:t>
+            </a:r>
+            <a:endParaRPr lang="en-IN" sz="3555" dirty="0"/>
+          </a:p>
+          <a:p>
+            <a:pPr lvl="0"/>
+            <a:endParaRPr lang="en-IN" sz="3555" dirty="0"/>
+          </a:p>
+          <a:p>
+            <a:pPr lvl="0"/>
+            <a:r>
+              <a:rPr lang="en-IN" sz="3555" dirty="0"/>
+              <a:t>Regularised the data using standard </a:t>
+            </a:r>
+            <a:r>
+              <a:rPr lang="en-IN" sz="3555" dirty="0" err="1"/>
+              <a:t>Scaler</a:t>
+            </a:r>
+            <a:r>
+              <a:rPr lang="en-IN" sz="3555" dirty="0"/>
+              <a:t>.- The next step is to bring the data to a common scale, since there are certain columns with very small values and some columns with high values. This process is important as values on a similar scale allow the model to learn better. We use standard </a:t>
+            </a:r>
+            <a:r>
+              <a:rPr lang="en-IN" sz="3555" dirty="0" err="1"/>
+              <a:t>scaler</a:t>
+            </a:r>
+            <a:r>
+              <a:rPr lang="en-IN" sz="3555" dirty="0"/>
+              <a:t> for this process</a:t>
+            </a:r>
+            <a:r>
+              <a:rPr lang="en-US" altLang="en-IN" sz="3555" dirty="0"/>
+              <a:t>.</a:t>
+            </a:r>
+            <a:endParaRPr lang="en-US" altLang="en-IN" sz="3555" dirty="0"/>
+          </a:p>
+          <a:p>
+            <a:pPr lvl="0"/>
+            <a:endParaRPr lang="en-IN" sz="3555" dirty="0"/>
+          </a:p>
+          <a:p>
+            <a:pPr lvl="0"/>
+            <a:r>
+              <a:rPr lang="en-IN" sz="3555" dirty="0"/>
+              <a:t>Removed the </a:t>
+            </a:r>
+            <a:r>
+              <a:rPr lang="en-IN" sz="3555" dirty="0" err="1"/>
+              <a:t>skewness</a:t>
+            </a:r>
+            <a:r>
+              <a:rPr lang="en-IN" sz="3555" dirty="0"/>
+              <a:t> using power transform-yeo-Johnson- The Yeo–Johnson transformation allows also for zero and negative values in the dataset.</a:t>
+            </a:r>
+            <a:endParaRPr lang="en-IN" sz="3555" dirty="0"/>
+          </a:p>
+          <a:p>
+            <a:endParaRPr lang="en-IN" sz="3555" dirty="0"/>
+          </a:p>
+        </p:txBody>
+      </p:sp>
     </p:spTree>
   </p:cSld>
   <p:clrMapOvr>
@@ -3348,65 +3699,44 @@
             <p:ph idx="1"/>
           </p:nvPr>
         </p:nvSpPr>
-        <p:spPr>
-          <a:xfrm>
-            <a:off x="457200" y="116632"/>
-            <a:ext cx="8229600" cy="6009531"/>
-          </a:xfrm>
-        </p:spPr>
-        <p:txBody>
-          <a:bodyPr>
-            <a:normAutofit fontScale="85000" lnSpcReduction="20000"/>
-          </a:bodyPr>
+        <p:spPr/>
+        <p:txBody>
+          <a:bodyPr/>
           <a:lstStyle/>
           <a:p>
-            <a:r>
-              <a:rPr lang="en-IN" dirty="0"/>
-              <a:t>Using hyper parameter tuning on </a:t>
-            </a:r>
-            <a:r>
-              <a:rPr lang="en-IN" dirty="0" err="1"/>
-              <a:t>LinearRegressor</a:t>
-            </a:r>
-            <a:r>
-              <a:rPr lang="en-IN" dirty="0"/>
-              <a:t> further increased the accuracy.</a:t>
-            </a:r>
-            <a:endParaRPr lang="en-IN" dirty="0"/>
-          </a:p>
-          <a:p>
-            <a:pPr fontAlgn="base"/>
-            <a:r>
-              <a:rPr lang="en-IN" dirty="0">
-                <a:hlinkClick r:id="rId1"/>
-              </a:rPr>
-              <a:t>Linear regression</a:t>
-            </a:r>
-            <a:r>
-              <a:rPr lang="en-IN" dirty="0"/>
-              <a:t> is an attractive model because the representation is so simple.</a:t>
-            </a:r>
-            <a:endParaRPr lang="en-IN" dirty="0"/>
-          </a:p>
-          <a:p>
-            <a:pPr fontAlgn="base"/>
-            <a:r>
-              <a:rPr lang="en-IN" dirty="0"/>
-              <a:t>The representation is a linear equation that combines a specific set of input values (x) the solution to which is the predicted output for that set of input values (y). As such, both the input values (x) and the output value are numeric.</a:t>
-            </a:r>
-            <a:endParaRPr lang="en-IN" dirty="0"/>
-          </a:p>
-          <a:p>
-            <a:pPr fontAlgn="base"/>
-            <a:r>
-              <a:rPr lang="en-IN" dirty="0"/>
-              <a:t>The linear equation assigns one scale factor to each input value or column, called a coefficient and represented by the capital Greek letter Beta (B). One additional coefficient is also added, giving the line an additional degree of freedom (e.g. moving up and down on a two-dimensional plot) and is often called the intercept or the bias coefficient</a:t>
-            </a:r>
-            <a:r>
-              <a:rPr lang="en-IN" dirty="0" smtClean="0"/>
-              <a:t>.</a:t>
-            </a:r>
-            <a:endParaRPr lang="en-IN" dirty="0"/>
+            <a:pPr lvl="0"/>
+            <a:r>
+              <a:rPr lang="en-IN" sz="2400" dirty="0"/>
+              <a:t>Since there were a lot of columns that had tremendous relationship with the Sale price used </a:t>
+            </a:r>
+            <a:r>
+              <a:rPr lang="en-IN" sz="2400" dirty="0" err="1"/>
+              <a:t>sklearn</a:t>
+            </a:r>
+            <a:r>
+              <a:rPr lang="en-US" altLang="en-IN" sz="2400" dirty="0" err="1"/>
+              <a:t>,</a:t>
+            </a:r>
+            <a:r>
+              <a:rPr lang="en-IN" sz="2400" dirty="0" err="1"/>
+              <a:t>decomposition</a:t>
+            </a:r>
+            <a:r>
+              <a:rPr lang="en-US" altLang="en-IN" sz="2400" dirty="0" err="1"/>
+              <a:t> and </a:t>
+            </a:r>
+            <a:r>
+              <a:rPr lang="en-IN" sz="2400" dirty="0" err="1"/>
+              <a:t>PCA</a:t>
+            </a:r>
+            <a:r>
+              <a:rPr lang="en-IN" sz="2400" dirty="0"/>
+              <a:t> to get the input for the desired output.</a:t>
+            </a:r>
+            <a:endParaRPr lang="en-IN" sz="2400" dirty="0"/>
+          </a:p>
+          <a:p>
+            <a:endParaRPr lang="en-IN" sz="2400" dirty="0"/>
           </a:p>
         </p:txBody>
       </p:sp>
@@ -3445,81 +3775,161 @@
             <p:ph type="title"/>
           </p:nvPr>
         </p:nvSpPr>
-        <p:spPr/>
-        <p:txBody>
-          <a:bodyPr/>
-          <a:lstStyle/>
-          <a:p>
-            <a:r>
-              <a:rPr lang="en-IN" dirty="0" smtClean="0"/>
-              <a:t>Model Evaluation using below</a:t>
-            </a:r>
-            <a:endParaRPr lang="en-IN" dirty="0"/>
-          </a:p>
-        </p:txBody>
-      </p:sp>
-      <p:sp>
-        <p:nvSpPr>
-          <p:cNvPr id="3" name="Content Placeholder 2"/>
-          <p:cNvSpPr>
-            <a:spLocks noGrp="1"/>
-          </p:cNvSpPr>
-          <p:nvPr>
-            <p:ph idx="1"/>
-          </p:nvPr>
-        </p:nvSpPr>
-        <p:spPr/>
+        <p:spPr>
+          <a:xfrm>
+            <a:off x="457200" y="260350"/>
+            <a:ext cx="8229600" cy="582613"/>
+          </a:xfrm>
+        </p:spPr>
         <p:txBody>
           <a:bodyPr>
-            <a:normAutofit fontScale="85000" lnSpcReduction="20000"/>
+            <a:normAutofit fontScale="90000"/>
           </a:bodyPr>
           <a:lstStyle/>
           <a:p>
             <a:r>
-              <a:rPr lang="en-IN" b="1" dirty="0" err="1"/>
-              <a:t>Hypertuning</a:t>
-            </a:r>
-            <a:r>
-              <a:rPr lang="en-IN" b="1" dirty="0"/>
-              <a:t> the model</a:t>
-            </a:r>
-            <a:endParaRPr lang="en-IN" b="1" dirty="0"/>
-          </a:p>
-          <a:p>
-            <a:r>
-              <a:rPr lang="en-IN" dirty="0" err="1"/>
-              <a:t>GridSearch</a:t>
-            </a:r>
-            <a:r>
-              <a:rPr lang="en-IN" dirty="0"/>
-              <a:t> CV is a technique used to validate the model with different parameter combinations, by creating a grid of parameters and trying all the combinations to compare which combination gave the best results.</a:t>
+              <a:rPr lang="en-IN" b="1" dirty="0" smtClean="0">
+                <a:gradFill>
+                  <a:gsLst>
+                    <a:gs pos="0">
+                      <a:srgbClr val="E30000"/>
+                    </a:gs>
+                    <a:gs pos="100000">
+                      <a:srgbClr val="760303"/>
+                    </a:gs>
+                  </a:gsLst>
+                  <a:lin scaled="0"/>
+                </a:gradFill>
+                <a:latin typeface="Bahnschrift Condensed" panose="020B0502040204020203" charset="0"/>
+                <a:cs typeface="Bahnschrift Condensed" panose="020B0502040204020203" charset="0"/>
+              </a:rPr>
+              <a:t>Model Development and Visualization</a:t>
+            </a:r>
+            <a:endParaRPr lang="en-IN" b="1" dirty="0" smtClean="0">
+              <a:gradFill>
+                <a:gsLst>
+                  <a:gs pos="0">
+                    <a:srgbClr val="E30000"/>
+                  </a:gs>
+                  <a:gs pos="100000">
+                    <a:srgbClr val="760303"/>
+                  </a:gs>
+                </a:gsLst>
+                <a:lin scaled="0"/>
+              </a:gradFill>
+              <a:latin typeface="Bahnschrift Condensed" panose="020B0502040204020203" charset="0"/>
+              <a:cs typeface="Bahnschrift Condensed" panose="020B0502040204020203" charset="0"/>
+            </a:endParaRPr>
+          </a:p>
+        </p:txBody>
+      </p:sp>
+      <p:sp>
+        <p:nvSpPr>
+          <p:cNvPr id="3" name="Content Placeholder 2"/>
+          <p:cNvSpPr>
+            <a:spLocks noGrp="1"/>
+          </p:cNvSpPr>
+          <p:nvPr>
+            <p:ph idx="1"/>
+          </p:nvPr>
+        </p:nvSpPr>
+        <p:spPr>
+          <a:xfrm>
+            <a:off x="467995" y="1340485"/>
+            <a:ext cx="8229600" cy="4953000"/>
+          </a:xfrm>
+        </p:spPr>
+        <p:txBody>
+          <a:bodyPr>
+            <a:normAutofit lnSpcReduction="10000"/>
+          </a:bodyPr>
+          <a:lstStyle/>
+          <a:p>
+            <a:r>
+              <a:rPr lang="en-US" altLang="en-IN" sz="2400" dirty="0"/>
+              <a:t>I tried </a:t>
+            </a:r>
+            <a:r>
+              <a:rPr lang="en-IN" sz="2400" dirty="0"/>
+              <a:t>Different models</a:t>
+            </a:r>
+            <a:r>
+              <a:rPr lang="en-US" altLang="en-IN" sz="2400" dirty="0"/>
+              <a:t> and i got different results.</a:t>
             </a:r>
             <a:endParaRPr lang="en-IN" dirty="0"/>
           </a:p>
           <a:p>
-            <a:r>
-              <a:rPr lang="en-IN" b="1" dirty="0"/>
-              <a:t>Cross Validation</a:t>
-            </a:r>
-            <a:endParaRPr lang="en-IN" b="1" dirty="0"/>
-          </a:p>
-          <a:p>
-            <a:r>
-              <a:rPr lang="en-IN" dirty="0"/>
-              <a:t>We perform the cross validation of our model to check if the model has any </a:t>
-            </a:r>
-            <a:r>
-              <a:rPr lang="en-IN" dirty="0" err="1"/>
-              <a:t>overfitting</a:t>
-            </a:r>
-            <a:r>
-              <a:rPr lang="en-IN" dirty="0"/>
-              <a:t> issue, by checking the ability of the model to make predictions on new data, using k-folds. We test the cross validation for all models</a:t>
-            </a:r>
+            <a:pPr latinLnBrk="1"/>
+            <a:endParaRPr lang="en-IN" dirty="0" smtClean="0"/>
+          </a:p>
+          <a:p>
+            <a:pPr latinLnBrk="1"/>
             <a:endParaRPr lang="en-IN" dirty="0"/>
           </a:p>
-        </p:txBody>
-      </p:sp>
+          <a:p>
+            <a:pPr latinLnBrk="1"/>
+            <a:endParaRPr lang="en-IN" dirty="0" smtClean="0"/>
+          </a:p>
+          <a:p>
+            <a:pPr latinLnBrk="1"/>
+            <a:endParaRPr lang="en-IN" dirty="0"/>
+          </a:p>
+          <a:p>
+            <a:pPr latinLnBrk="1"/>
+            <a:endParaRPr lang="en-IN" dirty="0"/>
+          </a:p>
+          <a:p>
+            <a:pPr latinLnBrk="1"/>
+            <a:endParaRPr lang="en-IN" dirty="0"/>
+          </a:p>
+          <a:p>
+            <a:pPr latinLnBrk="1"/>
+            <a:r>
+              <a:rPr lang="en-IN" sz="2400" dirty="0"/>
+              <a:t>From the above analysis Linear </a:t>
+            </a:r>
+            <a:r>
+              <a:rPr lang="en-IN" sz="2400" dirty="0" err="1"/>
+              <a:t>Regressor</a:t>
+            </a:r>
+            <a:r>
+              <a:rPr lang="en-IN" sz="2400" dirty="0"/>
+              <a:t> has least difference between r2 and </a:t>
+            </a:r>
+            <a:r>
+              <a:rPr lang="en-IN" sz="2400" dirty="0" err="1"/>
+              <a:t>cvs</a:t>
+            </a:r>
+            <a:endParaRPr lang="en-IN" sz="2400" dirty="0"/>
+          </a:p>
+          <a:p>
+            <a:endParaRPr lang="en-IN" sz="2400" dirty="0"/>
+          </a:p>
+        </p:txBody>
+      </p:sp>
+      <p:pic>
+        <p:nvPicPr>
+          <p:cNvPr id="4" name="Picture 3"/>
+          <p:cNvPicPr/>
+          <p:nvPr/>
+        </p:nvPicPr>
+        <p:blipFill>
+          <a:blip r:embed="rId1"/>
+          <a:stretch>
+            <a:fillRect/>
+          </a:stretch>
+        </p:blipFill>
+        <p:spPr>
+          <a:xfrm>
+            <a:off x="5076190" y="1772920"/>
+            <a:ext cx="3074035" cy="2920365"/>
+          </a:xfrm>
+          <a:prstGeom prst="rect">
+            <a:avLst/>
+          </a:prstGeom>
+        </p:spPr>
+      </p:pic>
     </p:spTree>
   </p:cSld>
   <p:clrMapOvr>
@@ -3547,6 +3957,114 @@
       </p:grpSpPr>
       <p:sp>
         <p:nvSpPr>
+          <p:cNvPr id="3" name="Content Placeholder 2"/>
+          <p:cNvSpPr>
+            <a:spLocks noGrp="1"/>
+          </p:cNvSpPr>
+          <p:nvPr>
+            <p:ph idx="1"/>
+          </p:nvPr>
+        </p:nvSpPr>
+        <p:spPr>
+          <a:xfrm>
+            <a:off x="107950" y="548640"/>
+            <a:ext cx="8896985" cy="6973570"/>
+          </a:xfrm>
+        </p:spPr>
+        <p:txBody>
+          <a:bodyPr>
+            <a:noAutofit/>
+          </a:bodyPr>
+          <a:lstStyle/>
+          <a:p>
+            <a:r>
+              <a:rPr lang="en-IN" sz="2000" dirty="0"/>
+              <a:t>Using hyper parameter tuning on </a:t>
+            </a:r>
+            <a:r>
+              <a:rPr lang="en-IN" sz="2000" dirty="0" err="1"/>
+              <a:t>LinearRegressor</a:t>
+            </a:r>
+            <a:r>
+              <a:rPr lang="en-IN" sz="2000" dirty="0"/>
+              <a:t> further increased the accuracy.</a:t>
+            </a:r>
+            <a:endParaRPr lang="en-IN" sz="2000" dirty="0"/>
+          </a:p>
+          <a:p>
+            <a:endParaRPr lang="en-IN" sz="2000" dirty="0"/>
+          </a:p>
+          <a:p>
+            <a:pPr fontAlgn="base"/>
+            <a:r>
+              <a:rPr lang="en-IN" sz="2000" dirty="0">
+                <a:hlinkClick r:id="rId1"/>
+              </a:rPr>
+              <a:t>Linear regression</a:t>
+            </a:r>
+            <a:r>
+              <a:rPr lang="en-IN" sz="2000" dirty="0"/>
+              <a:t> is an attractive model because the representation is so simple.</a:t>
+            </a:r>
+            <a:endParaRPr lang="en-IN" sz="2000" dirty="0"/>
+          </a:p>
+          <a:p>
+            <a:pPr fontAlgn="base"/>
+            <a:endParaRPr lang="en-IN" sz="2000" dirty="0"/>
+          </a:p>
+          <a:p>
+            <a:pPr fontAlgn="base"/>
+            <a:r>
+              <a:rPr lang="en-IN" sz="2000" dirty="0"/>
+              <a:t>The representation is a linear equation that combines a specific set of input values (x) the solution to which is the predicted output for that set of input values (y). As such, both the input values (x) and the output value are numeric.</a:t>
+            </a:r>
+            <a:endParaRPr lang="en-IN" sz="2000" dirty="0"/>
+          </a:p>
+          <a:p>
+            <a:pPr fontAlgn="base"/>
+            <a:endParaRPr lang="en-IN" sz="2000" dirty="0"/>
+          </a:p>
+          <a:p>
+            <a:pPr fontAlgn="base"/>
+            <a:r>
+              <a:rPr lang="en-IN" sz="2000" dirty="0"/>
+              <a:t>The linear equation assigns one scale factor to each input value or column, called a coefficient and represented by the capital Greek letter Beta (B). One additional coefficient is also added, giving the line an additional degree of freedom (e.g. moving up and down on a two-dimensional plot) and is often called the intercept or the bias coefficient</a:t>
+            </a:r>
+            <a:r>
+              <a:rPr lang="en-IN" sz="2000" dirty="0" smtClean="0"/>
+              <a:t>.</a:t>
+            </a:r>
+            <a:endParaRPr lang="en-IN" sz="2000" dirty="0" smtClean="0"/>
+          </a:p>
+        </p:txBody>
+      </p:sp>
+    </p:spTree>
+  </p:cSld>
+  <p:clrMapOvr>
+    <a:masterClrMapping/>
+  </p:clrMapOvr>
+</p:sld>
+</file>
+
+<file path=ppt/slides/slide14.xml><?xml version="1.0" encoding="utf-8"?>
+<p:sld xmlns:a="http://schemas.openxmlformats.org/drawingml/2006/main" xmlns:r="http://schemas.openxmlformats.org/officeDocument/2006/relationships" xmlns:p="http://schemas.openxmlformats.org/presentationml/2006/main">
+  <p:cSld>
+    <p:spTree>
+      <p:nvGrpSpPr>
+        <p:cNvPr id="1" name=""/>
+        <p:cNvGrpSpPr/>
+        <p:nvPr/>
+      </p:nvGrpSpPr>
+      <p:grpSpPr>
+        <a:xfrm>
+          <a:off x="0" y="0"/>
+          <a:ext cx="0" cy="0"/>
+          <a:chOff x="0" y="0"/>
+          <a:chExt cx="0" cy="0"/>
+        </a:xfrm>
+      </p:grpSpPr>
+      <p:sp>
+        <p:nvSpPr>
           <p:cNvPr id="2" name="Title 1"/>
           <p:cNvSpPr>
             <a:spLocks noGrp="1"/>
@@ -3555,16 +4073,49 @@
             <p:ph type="title"/>
           </p:nvPr>
         </p:nvSpPr>
-        <p:spPr/>
+        <p:spPr>
+          <a:xfrm>
+            <a:off x="457200" y="260350"/>
+            <a:ext cx="8229600" cy="582613"/>
+          </a:xfrm>
+        </p:spPr>
         <p:txBody>
           <a:bodyPr/>
           <a:lstStyle/>
           <a:p>
             <a:r>
-              <a:rPr lang="en-IN" dirty="0" smtClean="0"/>
-              <a:t>Conclusion</a:t>
-            </a:r>
-            <a:endParaRPr lang="en-IN" dirty="0"/>
+              <a:rPr lang="en-IN" b="1" dirty="0" smtClean="0">
+                <a:gradFill>
+                  <a:gsLst>
+                    <a:gs pos="0">
+                      <a:srgbClr val="E30000"/>
+                    </a:gs>
+                    <a:gs pos="100000">
+                      <a:srgbClr val="760303"/>
+                    </a:gs>
+                  </a:gsLst>
+                  <a:lin scaled="0"/>
+                </a:gradFill>
+                <a:latin typeface="Bahnschrift Condensed" panose="020B0502040204020203" charset="0"/>
+                <a:cs typeface="Bahnschrift Condensed" panose="020B0502040204020203" charset="0"/>
+              </a:rPr>
+              <a:t>Model Evaluation using below</a:t>
+            </a:r>
+            <a:endParaRPr lang="en-IN" b="1" dirty="0" smtClean="0">
+              <a:gradFill>
+                <a:gsLst>
+                  <a:gs pos="0">
+                    <a:srgbClr val="E30000"/>
+                  </a:gs>
+                  <a:gs pos="100000">
+                    <a:srgbClr val="760303"/>
+                  </a:gs>
+                </a:gsLst>
+                <a:lin scaled="0"/>
+              </a:gradFill>
+              <a:latin typeface="Bahnschrift Condensed" panose="020B0502040204020203" charset="0"/>
+              <a:cs typeface="Bahnschrift Condensed" panose="020B0502040204020203" charset="0"/>
+            </a:endParaRPr>
           </a:p>
         </p:txBody>
       </p:sp>
@@ -3581,113 +4132,340 @@
         <p:spPr/>
         <p:txBody>
           <a:bodyPr>
-            <a:normAutofit fontScale="62500" lnSpcReduction="20000"/>
+            <a:normAutofit fontScale="95000" lnSpcReduction="10000"/>
           </a:bodyPr>
           <a:lstStyle/>
           <a:p>
+            <a:r>
+              <a:rPr lang="en-IN" b="1" dirty="0" err="1"/>
+              <a:t>Hypertuning</a:t>
+            </a:r>
+            <a:r>
+              <a:rPr lang="en-IN" b="1" dirty="0"/>
+              <a:t> the model</a:t>
+            </a:r>
+            <a:endParaRPr lang="en-IN" b="1" dirty="0"/>
+          </a:p>
+          <a:p>
+            <a:endParaRPr lang="en-IN" b="1" dirty="0"/>
+          </a:p>
+          <a:p>
+            <a:r>
+              <a:rPr lang="en-IN" sz="2355" dirty="0" err="1"/>
+              <a:t>GridSearch</a:t>
+            </a:r>
+            <a:r>
+              <a:rPr lang="en-IN" sz="2355" dirty="0"/>
+              <a:t> CV is a technique used to validate the model with different parameter combinations, by creating a grid of parameters and trying all the combinations to compare which combination gave the best results.</a:t>
+            </a:r>
+            <a:endParaRPr lang="en-IN" sz="2355" dirty="0"/>
+          </a:p>
+          <a:p>
+            <a:endParaRPr lang="en-IN" sz="2355" dirty="0"/>
+          </a:p>
+          <a:p>
+            <a:r>
+              <a:rPr lang="en-IN" b="1" dirty="0"/>
+              <a:t>Cross Validation</a:t>
+            </a:r>
+            <a:endParaRPr lang="en-IN" b="1" dirty="0"/>
+          </a:p>
+          <a:p>
+            <a:pPr marL="0" indent="0">
+              <a:buNone/>
+            </a:pPr>
+            <a:endParaRPr lang="en-IN" b="1" dirty="0"/>
+          </a:p>
+          <a:p>
+            <a:r>
+              <a:rPr lang="en-IN" sz="2355" dirty="0"/>
+              <a:t>We perform the cross validation of our model to check if the model has any </a:t>
+            </a:r>
+            <a:r>
+              <a:rPr lang="en-IN" sz="2355" dirty="0" err="1"/>
+              <a:t>overfitting</a:t>
+            </a:r>
+            <a:r>
+              <a:rPr lang="en-IN" sz="2355" dirty="0"/>
+              <a:t> issue, by checking the ability of the model to make predictions on new data, using k-folds. We test the cross validation for all models</a:t>
+            </a:r>
+            <a:endParaRPr lang="en-IN" sz="2355" dirty="0"/>
+          </a:p>
+        </p:txBody>
+      </p:sp>
+    </p:spTree>
+  </p:cSld>
+  <p:clrMapOvr>
+    <a:masterClrMapping/>
+  </p:clrMapOvr>
+</p:sld>
+</file>
+
+<file path=ppt/slides/slide15.xml><?xml version="1.0" encoding="utf-8"?>
+<p:sld xmlns:a="http://schemas.openxmlformats.org/drawingml/2006/main" xmlns:r="http://schemas.openxmlformats.org/officeDocument/2006/relationships" xmlns:p="http://schemas.openxmlformats.org/presentationml/2006/main">
+  <p:cSld>
+    <p:spTree>
+      <p:nvGrpSpPr>
+        <p:cNvPr id="1" name=""/>
+        <p:cNvGrpSpPr/>
+        <p:nvPr/>
+      </p:nvGrpSpPr>
+      <p:grpSpPr>
+        <a:xfrm>
+          <a:off x="0" y="0"/>
+          <a:ext cx="0" cy="0"/>
+          <a:chOff x="0" y="0"/>
+          <a:chExt cx="0" cy="0"/>
+        </a:xfrm>
+      </p:grpSpPr>
+      <p:sp>
+        <p:nvSpPr>
+          <p:cNvPr id="2" name="Title 1"/>
+          <p:cNvSpPr>
+            <a:spLocks noGrp="1"/>
+          </p:cNvSpPr>
+          <p:nvPr>
+            <p:ph type="title"/>
+          </p:nvPr>
+        </p:nvSpPr>
+        <p:spPr>
+          <a:xfrm>
+            <a:off x="457200" y="260350"/>
+            <a:ext cx="8229600" cy="582613"/>
+          </a:xfrm>
+        </p:spPr>
+        <p:txBody>
+          <a:bodyPr/>
+          <a:lstStyle/>
+          <a:p>
+            <a:r>
+              <a:rPr lang="en-IN" b="1" dirty="0" smtClean="0">
+                <a:gradFill>
+                  <a:gsLst>
+                    <a:gs pos="0">
+                      <a:srgbClr val="E30000"/>
+                    </a:gs>
+                    <a:gs pos="100000">
+                      <a:srgbClr val="760303"/>
+                    </a:gs>
+                  </a:gsLst>
+                  <a:lin scaled="0"/>
+                </a:gradFill>
+                <a:latin typeface="Bahnschrift Condensed" panose="020B0502040204020203" charset="0"/>
+                <a:cs typeface="Bahnschrift Condensed" panose="020B0502040204020203" charset="0"/>
+              </a:rPr>
+              <a:t>Conclusion</a:t>
+            </a:r>
+            <a:r>
+              <a:rPr lang="en-US" altLang="en-IN" b="1" dirty="0" smtClean="0">
+                <a:gradFill>
+                  <a:gsLst>
+                    <a:gs pos="0">
+                      <a:srgbClr val="E30000"/>
+                    </a:gs>
+                    <a:gs pos="100000">
+                      <a:srgbClr val="760303"/>
+                    </a:gs>
+                  </a:gsLst>
+                  <a:lin scaled="0"/>
+                </a:gradFill>
+                <a:latin typeface="Bahnschrift Condensed" panose="020B0502040204020203" charset="0"/>
+                <a:cs typeface="Bahnschrift Condensed" panose="020B0502040204020203" charset="0"/>
+              </a:rPr>
+              <a:t>---</a:t>
+            </a:r>
+            <a:endParaRPr lang="en-US" altLang="en-IN" b="1" dirty="0" smtClean="0">
+              <a:gradFill>
+                <a:gsLst>
+                  <a:gs pos="0">
+                    <a:srgbClr val="E30000"/>
+                  </a:gs>
+                  <a:gs pos="100000">
+                    <a:srgbClr val="760303"/>
+                  </a:gs>
+                </a:gsLst>
+                <a:lin scaled="0"/>
+              </a:gradFill>
+              <a:latin typeface="Bahnschrift Condensed" panose="020B0502040204020203" charset="0"/>
+              <a:cs typeface="Bahnschrift Condensed" panose="020B0502040204020203" charset="0"/>
+            </a:endParaRPr>
+          </a:p>
+        </p:txBody>
+      </p:sp>
+      <p:sp>
+        <p:nvSpPr>
+          <p:cNvPr id="3" name="Content Placeholder 2"/>
+          <p:cNvSpPr>
+            <a:spLocks noGrp="1"/>
+          </p:cNvSpPr>
+          <p:nvPr>
+            <p:ph idx="1"/>
+          </p:nvPr>
+        </p:nvSpPr>
+        <p:spPr>
+          <a:xfrm>
+            <a:off x="323850" y="1052830"/>
+            <a:ext cx="8229600" cy="4953000"/>
+          </a:xfrm>
+        </p:spPr>
+        <p:txBody>
+          <a:bodyPr>
+            <a:noAutofit/>
+          </a:bodyPr>
+          <a:lstStyle/>
+          <a:p>
             <a:pPr lvl="0"/>
             <a:r>
-              <a:rPr lang="en-IN" dirty="0"/>
+              <a:rPr lang="en-IN" sz="1400" dirty="0"/>
               <a:t>Key Findings and Conclusions of the Study</a:t>
             </a:r>
-            <a:endParaRPr lang="en-IN" dirty="0"/>
-          </a:p>
-          <a:p>
-            <a:r>
-              <a:rPr lang="en-IN" dirty="0"/>
+            <a:r>
+              <a:rPr lang="en-US" altLang="en-IN" sz="1400" dirty="0"/>
+              <a:t>.</a:t>
+            </a:r>
+            <a:endParaRPr lang="en-US" altLang="en-IN" sz="1400" dirty="0"/>
+          </a:p>
+          <a:p>
+            <a:pPr lvl="0"/>
+            <a:endParaRPr lang="en-IN" sz="1400" dirty="0"/>
+          </a:p>
+          <a:p>
+            <a:r>
+              <a:rPr lang="en-IN" sz="1400" dirty="0"/>
               <a:t>The model that fits best is Linear Regression</a:t>
             </a:r>
-            <a:endParaRPr lang="en-IN" dirty="0"/>
+            <a:r>
+              <a:rPr lang="en-US" altLang="en-IN" sz="1400" dirty="0"/>
+              <a:t>.</a:t>
+            </a:r>
+            <a:endParaRPr lang="en-US" altLang="en-IN" sz="1400" dirty="0"/>
+          </a:p>
+          <a:p>
+            <a:endParaRPr lang="en-IN" sz="1400" dirty="0"/>
           </a:p>
           <a:p>
             <a:pPr lvl="0"/>
             <a:r>
-              <a:rPr lang="en-IN" dirty="0"/>
+              <a:rPr lang="en-IN" sz="1400" dirty="0"/>
               <a:t>Learning Outcomes of the Study in respect of Data Science</a:t>
             </a:r>
-            <a:endParaRPr lang="en-IN" dirty="0"/>
+            <a:r>
+              <a:rPr lang="en-US" altLang="en-IN" sz="1400" dirty="0"/>
+              <a:t>.</a:t>
+            </a:r>
+            <a:endParaRPr lang="en-US" altLang="en-IN" sz="1400" dirty="0"/>
           </a:p>
           <a:p>
             <a:pPr lvl="0"/>
-            <a:r>
-              <a:rPr lang="en-IN" dirty="0"/>
+            <a:endParaRPr lang="en-IN" sz="1400" dirty="0"/>
+          </a:p>
+          <a:p>
+            <a:pPr lvl="0"/>
+            <a:r>
+              <a:rPr lang="en-IN" sz="1400" dirty="0"/>
               <a:t>Since a lot of factors were related to the Sales Price it was very difficult to determine the best features hence PCA was used.</a:t>
             </a:r>
-            <a:endParaRPr lang="en-IN" dirty="0"/>
+            <a:endParaRPr lang="en-IN" sz="1400" dirty="0"/>
           </a:p>
           <a:p>
             <a:pPr lvl="0"/>
-            <a:r>
-              <a:rPr lang="en-IN" dirty="0"/>
+            <a:endParaRPr lang="en-IN" sz="1400" dirty="0"/>
+          </a:p>
+          <a:p>
+            <a:pPr lvl="0"/>
+            <a:r>
+              <a:rPr lang="en-IN" sz="1400" dirty="0"/>
               <a:t>The data was highly spread and contained a lot of </a:t>
             </a:r>
             <a:r>
-              <a:rPr lang="en-IN" dirty="0" err="1"/>
+              <a:rPr lang="en-IN" sz="1400" dirty="0" err="1"/>
               <a:t>skewness</a:t>
             </a:r>
             <a:r>
-              <a:rPr lang="en-IN" dirty="0"/>
+              <a:rPr lang="en-IN" sz="1400" dirty="0"/>
               <a:t> which was removed by yeo-</a:t>
             </a:r>
             <a:r>
-              <a:rPr lang="en-IN" dirty="0" err="1"/>
+              <a:rPr lang="en-IN" sz="1400" dirty="0" err="1"/>
               <a:t>johnson</a:t>
             </a:r>
             <a:r>
-              <a:rPr lang="en-IN" dirty="0"/>
+              <a:rPr lang="en-IN" sz="1400" dirty="0"/>
               <a:t> which reduced the </a:t>
             </a:r>
             <a:r>
-              <a:rPr lang="en-IN" dirty="0" err="1"/>
+              <a:rPr lang="en-IN" sz="1400" dirty="0" err="1"/>
               <a:t>skewness</a:t>
             </a:r>
             <a:r>
-              <a:rPr lang="en-IN" dirty="0"/>
+              <a:rPr lang="en-IN" sz="1400" dirty="0"/>
               <a:t> in data.</a:t>
             </a:r>
-            <a:endParaRPr lang="en-IN" dirty="0"/>
+            <a:endParaRPr lang="en-IN" sz="1400" dirty="0"/>
+          </a:p>
+          <a:p>
+            <a:pPr marL="0" lvl="0" indent="0">
+              <a:buNone/>
+            </a:pPr>
+            <a:endParaRPr lang="en-IN" sz="1400" dirty="0"/>
           </a:p>
           <a:p>
             <a:pPr lvl="0"/>
             <a:r>
-              <a:rPr lang="en-IN" dirty="0"/>
+              <a:rPr lang="en-IN" sz="1400" dirty="0"/>
               <a:t>Used Linear Regression as it works best with a little bit of outliers in the dataset.</a:t>
             </a:r>
-            <a:endParaRPr lang="en-IN" dirty="0"/>
+            <a:endParaRPr lang="en-IN" sz="1400" dirty="0"/>
           </a:p>
           <a:p>
             <a:pPr marL="0" lvl="0" indent="0">
               <a:buNone/>
             </a:pPr>
             <a:r>
-              <a:rPr lang="en-IN" dirty="0"/>
+              <a:rPr lang="en-US" altLang="en-IN" sz="1400" dirty="0"/>
+              <a:t>       </a:t>
+            </a:r>
+            <a:r>
+              <a:rPr lang="en-IN" sz="1400" dirty="0"/>
               <a:t>Limitations of this work and Scope for Future Work</a:t>
             </a:r>
-            <a:endParaRPr lang="en-IN" dirty="0"/>
-          </a:p>
-          <a:p>
-            <a:r>
-              <a:rPr lang="en-IN" dirty="0"/>
+            <a:endParaRPr lang="en-IN" sz="1400" dirty="0"/>
+          </a:p>
+          <a:p>
+            <a:pPr marL="0" lvl="0" indent="0">
+              <a:buNone/>
+            </a:pPr>
+            <a:endParaRPr lang="en-IN" sz="1400" dirty="0"/>
+          </a:p>
+          <a:p>
+            <a:r>
+              <a:rPr lang="en-IN" sz="1400" dirty="0"/>
               <a:t>Since a lot of data was not recorded we filled it using the best strategy so there could be some deviation with the actual data.</a:t>
             </a:r>
-            <a:endParaRPr lang="en-IN" dirty="0"/>
-          </a:p>
-          <a:p>
-            <a:r>
-              <a:rPr lang="en-IN" dirty="0"/>
+            <a:endParaRPr lang="en-IN" sz="1400" dirty="0"/>
+          </a:p>
+          <a:p>
+            <a:endParaRPr lang="en-IN" sz="1400" dirty="0"/>
+          </a:p>
+          <a:p>
+            <a:r>
+              <a:rPr lang="en-IN" sz="1400" dirty="0"/>
               <a:t>The training dataset contained only 1168 records. The more the data the better the learning.</a:t>
             </a:r>
-            <a:endParaRPr lang="en-IN" dirty="0"/>
-          </a:p>
-          <a:p>
-            <a:r>
-              <a:rPr lang="en-IN" dirty="0"/>
+            <a:endParaRPr lang="en-IN" sz="1400" dirty="0"/>
+          </a:p>
+          <a:p>
+            <a:endParaRPr lang="en-IN" sz="1400" dirty="0"/>
+          </a:p>
+          <a:p>
+            <a:r>
+              <a:rPr lang="en-IN" sz="1400" dirty="0"/>
               <a:t>Current recorded data to be provided for better results in future.</a:t>
             </a:r>
-            <a:endParaRPr lang="en-IN" dirty="0"/>
-          </a:p>
-          <a:p>
-            <a:endParaRPr lang="en-IN" dirty="0"/>
+            <a:endParaRPr lang="en-IN" sz="1400" dirty="0"/>
+          </a:p>
+          <a:p>
+            <a:endParaRPr lang="en-IN" sz="1400" dirty="0"/>
           </a:p>
         </p:txBody>
       </p:sp>
@@ -3726,20 +4504,85 @@
             <p:ph type="title"/>
           </p:nvPr>
         </p:nvSpPr>
-        <p:spPr/>
+        <p:spPr>
+          <a:xfrm>
+            <a:off x="457200" y="332740"/>
+            <a:ext cx="8229600" cy="582613"/>
+          </a:xfrm>
+        </p:spPr>
         <p:txBody>
           <a:bodyPr/>
           <a:lstStyle/>
           <a:p>
             <a:r>
-              <a:rPr lang="en-IN" dirty="0" smtClean="0"/>
+              <a:rPr lang="en-IN" b="1" dirty="0" smtClean="0">
+                <a:gradFill>
+                  <a:gsLst>
+                    <a:gs pos="0">
+                      <a:srgbClr val="E30000"/>
+                    </a:gs>
+                    <a:gs pos="100000">
+                      <a:srgbClr val="760303"/>
+                    </a:gs>
+                  </a:gsLst>
+                  <a:lin scaled="0"/>
+                </a:gradFill>
+                <a:latin typeface="Bahnschrift Condensed" panose="020B0502040204020203" charset="0"/>
+                <a:cs typeface="Bahnschrift Condensed" panose="020B0502040204020203" charset="0"/>
+              </a:rPr>
               <a:t>Proble</a:t>
             </a:r>
             <a:r>
-              <a:rPr lang="en-IN" dirty="0"/>
+              <a:rPr lang="en-IN" b="1" dirty="0">
+                <a:gradFill>
+                  <a:gsLst>
+                    <a:gs pos="0">
+                      <a:srgbClr val="E30000"/>
+                    </a:gs>
+                    <a:gs pos="100000">
+                      <a:srgbClr val="760303"/>
+                    </a:gs>
+                  </a:gsLst>
+                  <a:lin scaled="0"/>
+                </a:gradFill>
+                <a:latin typeface="Bahnschrift Condensed" panose="020B0502040204020203" charset="0"/>
+                <a:cs typeface="Bahnschrift Condensed" panose="020B0502040204020203" charset="0"/>
+              </a:rPr>
               <a:t>m</a:t>
             </a:r>
-            <a:endParaRPr lang="en-IN" dirty="0"/>
+            <a:r>
+              <a:rPr lang="en-US" altLang="en-IN" b="1" dirty="0">
+                <a:gradFill>
+                  <a:gsLst>
+                    <a:gs pos="0">
+                      <a:srgbClr val="E30000"/>
+                    </a:gs>
+                    <a:gs pos="100000">
+                      <a:srgbClr val="760303"/>
+                    </a:gs>
+                  </a:gsLst>
+                  <a:lin scaled="0"/>
+                </a:gradFill>
+                <a:latin typeface="Bahnschrift Condensed" panose="020B0502040204020203" charset="0"/>
+                <a:cs typeface="Bahnschrift Condensed" panose="020B0502040204020203" charset="0"/>
+              </a:rPr>
+              <a:t>---</a:t>
+            </a:r>
+            <a:endParaRPr lang="en-US" altLang="en-IN" b="1" dirty="0">
+              <a:gradFill>
+                <a:gsLst>
+                  <a:gs pos="0">
+                    <a:srgbClr val="E30000"/>
+                  </a:gs>
+                  <a:gs pos="100000">
+                    <a:srgbClr val="760303"/>
+                  </a:gs>
+                </a:gsLst>
+                <a:lin scaled="0"/>
+              </a:gradFill>
+              <a:latin typeface="Bahnschrift Condensed" panose="020B0502040204020203" charset="0"/>
+              <a:cs typeface="Bahnschrift Condensed" panose="020B0502040204020203" charset="0"/>
+            </a:endParaRPr>
           </a:p>
         </p:txBody>
       </p:sp>
@@ -3978,20 +4821,85 @@
             <p:ph type="title"/>
           </p:nvPr>
         </p:nvSpPr>
-        <p:spPr/>
+        <p:spPr>
+          <a:xfrm>
+            <a:off x="395605" y="260350"/>
+            <a:ext cx="8229600" cy="582613"/>
+          </a:xfrm>
+        </p:spPr>
         <p:txBody>
           <a:bodyPr/>
           <a:lstStyle/>
           <a:p>
             <a:r>
-              <a:rPr lang="en-IN" dirty="0" smtClean="0"/>
+              <a:rPr lang="en-IN" b="1" dirty="0" smtClean="0">
+                <a:gradFill>
+                  <a:gsLst>
+                    <a:gs pos="0">
+                      <a:srgbClr val="E30000"/>
+                    </a:gs>
+                    <a:gs pos="100000">
+                      <a:srgbClr val="760303"/>
+                    </a:gs>
+                  </a:gsLst>
+                  <a:lin scaled="0"/>
+                </a:gradFill>
+                <a:latin typeface="Bahnschrift Condensed" panose="020B0502040204020203" charset="0"/>
+                <a:cs typeface="Bahnschrift Condensed" panose="020B0502040204020203" charset="0"/>
+              </a:rPr>
               <a:t>Data </a:t>
             </a:r>
             <a:r>
-              <a:rPr lang="en-IN" dirty="0" err="1" smtClean="0"/>
+              <a:rPr lang="en-IN" b="1" dirty="0" err="1" smtClean="0">
+                <a:gradFill>
+                  <a:gsLst>
+                    <a:gs pos="0">
+                      <a:srgbClr val="E30000"/>
+                    </a:gs>
+                    <a:gs pos="100000">
+                      <a:srgbClr val="760303"/>
+                    </a:gs>
+                  </a:gsLst>
+                  <a:lin scaled="0"/>
+                </a:gradFill>
+                <a:latin typeface="Bahnschrift Condensed" panose="020B0502040204020203" charset="0"/>
+                <a:cs typeface="Bahnschrift Condensed" panose="020B0502040204020203" charset="0"/>
+              </a:rPr>
               <a:t>Anaylsis</a:t>
             </a:r>
-            <a:endParaRPr lang="en-IN" dirty="0"/>
+            <a:r>
+              <a:rPr lang="en-US" altLang="en-IN" b="1" dirty="0" err="1" smtClean="0">
+                <a:gradFill>
+                  <a:gsLst>
+                    <a:gs pos="0">
+                      <a:srgbClr val="E30000"/>
+                    </a:gs>
+                    <a:gs pos="100000">
+                      <a:srgbClr val="760303"/>
+                    </a:gs>
+                  </a:gsLst>
+                  <a:lin scaled="0"/>
+                </a:gradFill>
+                <a:latin typeface="Bahnschrift Condensed" panose="020B0502040204020203" charset="0"/>
+                <a:cs typeface="Bahnschrift Condensed" panose="020B0502040204020203" charset="0"/>
+              </a:rPr>
+              <a:t> ---</a:t>
+            </a:r>
+            <a:endParaRPr lang="en-US" altLang="en-IN" b="1" dirty="0" err="1" smtClean="0">
+              <a:gradFill>
+                <a:gsLst>
+                  <a:gs pos="0">
+                    <a:srgbClr val="E30000"/>
+                  </a:gs>
+                  <a:gs pos="100000">
+                    <a:srgbClr val="760303"/>
+                  </a:gs>
+                </a:gsLst>
+                <a:lin scaled="0"/>
+              </a:gradFill>
+              <a:latin typeface="Bahnschrift Condensed" panose="020B0502040204020203" charset="0"/>
+              <a:cs typeface="Bahnschrift Condensed" panose="020B0502040204020203" charset="0"/>
+            </a:endParaRPr>
           </a:p>
         </p:txBody>
       </p:sp>
@@ -4008,7 +4916,7 @@
         <p:spPr/>
         <p:txBody>
           <a:bodyPr>
-            <a:normAutofit/>
+            <a:normAutofit fontScale="90000" lnSpcReduction="10000"/>
           </a:bodyPr>
           <a:lstStyle/>
           <a:p>
@@ -4021,6 +4929,10 @@
           </a:p>
           <a:p>
             <a:pPr lvl="0"/>
+            <a:endParaRPr lang="en-IN" sz="2000" dirty="0"/>
+          </a:p>
+          <a:p>
+            <a:pPr lvl="0"/>
             <a:r>
               <a:rPr lang="en-IN" sz="2000" dirty="0"/>
               <a:t>Maximum data contains MS subclass as 60.</a:t>
@@ -4029,10 +4941,22 @@
           </a:p>
           <a:p>
             <a:pPr lvl="0"/>
+            <a:endParaRPr lang="en-IN" sz="2000" dirty="0"/>
+          </a:p>
+          <a:p>
+            <a:pPr lvl="0"/>
             <a:r>
               <a:rPr lang="en-IN" sz="2000" dirty="0"/>
               <a:t>The train data contains 1168 rows and 81 columns and test contains 292 rows and 80 columns (Sale Price missing)</a:t>
             </a:r>
+            <a:r>
+              <a:rPr lang="en-US" altLang="en-IN" sz="2000" dirty="0"/>
+              <a:t>.</a:t>
+            </a:r>
+            <a:endParaRPr lang="en-US" altLang="en-IN" sz="2000" dirty="0"/>
+          </a:p>
+          <a:p>
+            <a:pPr lvl="0"/>
             <a:endParaRPr lang="en-IN" sz="2000" dirty="0"/>
           </a:p>
           <a:p>
@@ -4053,6 +4977,10 @@
           </a:p>
           <a:p>
             <a:pPr lvl="0"/>
+            <a:endParaRPr lang="en-IN" sz="2000" dirty="0"/>
+          </a:p>
+          <a:p>
+            <a:pPr lvl="0"/>
             <a:r>
               <a:rPr lang="en-IN" sz="2000" dirty="0"/>
               <a:t>The data </a:t>
@@ -4073,10 +5001,22 @@
           </a:p>
           <a:p>
             <a:pPr lvl="0"/>
+            <a:endParaRPr lang="en-IN" sz="2000" dirty="0" smtClean="0"/>
+          </a:p>
+          <a:p>
+            <a:pPr lvl="0"/>
             <a:r>
               <a:rPr lang="en-IN" sz="2000" dirty="0" smtClean="0"/>
               <a:t>Pool QC contains a lot of missing values hence could be removed</a:t>
             </a:r>
+            <a:r>
+              <a:rPr lang="en-US" altLang="en-IN" sz="2000" dirty="0" smtClean="0"/>
+              <a:t>.</a:t>
+            </a:r>
+            <a:endParaRPr lang="en-US" altLang="en-IN" sz="2000" dirty="0" smtClean="0"/>
+          </a:p>
+          <a:p>
+            <a:pPr lvl="0"/>
             <a:endParaRPr lang="en-IN" sz="2000" dirty="0" smtClean="0"/>
           </a:p>
           <a:p>
@@ -4093,6 +5033,10 @@
               <a:rPr lang="en-IN" sz="2000" dirty="0" smtClean="0"/>
               <a:t> in the data.</a:t>
             </a:r>
+            <a:endParaRPr lang="en-IN" sz="2000" dirty="0" smtClean="0"/>
+          </a:p>
+          <a:p>
+            <a:pPr lvl="0"/>
             <a:endParaRPr lang="en-IN" sz="2000" dirty="0" smtClean="0"/>
           </a:p>
           <a:p>
@@ -4154,16 +5098,67 @@
             <p:ph type="title"/>
           </p:nvPr>
         </p:nvSpPr>
-        <p:spPr/>
+        <p:spPr>
+          <a:xfrm>
+            <a:off x="457200" y="332740"/>
+            <a:ext cx="8229600" cy="582613"/>
+          </a:xfrm>
+        </p:spPr>
         <p:txBody>
           <a:bodyPr/>
           <a:lstStyle/>
           <a:p>
             <a:r>
-              <a:rPr lang="en-IN" dirty="0" smtClean="0"/>
+              <a:rPr lang="en-IN" b="1" dirty="0" smtClean="0">
+                <a:gradFill>
+                  <a:gsLst>
+                    <a:gs pos="0">
+                      <a:srgbClr val="E30000"/>
+                    </a:gs>
+                    <a:gs pos="100000">
+                      <a:srgbClr val="760303"/>
+                    </a:gs>
+                  </a:gsLst>
+                  <a:lin scaled="0"/>
+                </a:gradFill>
+                <a:latin typeface="Bahnschrift Condensed" panose="020B0502040204020203" charset="0"/>
+                <a:cs typeface="Bahnschrift Condensed" panose="020B0502040204020203" charset="0"/>
+              </a:rPr>
               <a:t>EDA Process</a:t>
             </a:r>
-            <a:endParaRPr lang="en-IN" dirty="0"/>
+            <a:r>
+              <a:rPr lang="en-US" altLang="en-IN" b="1" dirty="0" smtClean="0">
+                <a:gradFill>
+                  <a:gsLst>
+                    <a:gs pos="0">
+                      <a:srgbClr val="E30000"/>
+                    </a:gs>
+                    <a:gs pos="100000">
+                      <a:srgbClr val="760303"/>
+                    </a:gs>
+                  </a:gsLst>
+                  <a:lin scaled="0"/>
+                </a:gradFill>
+                <a:latin typeface="Bahnschrift Condensed" panose="020B0502040204020203" charset="0"/>
+                <a:cs typeface="Bahnschrift Condensed" panose="020B0502040204020203" charset="0"/>
+              </a:rPr>
+              <a:t>---</a:t>
+            </a:r>
+            <a:endParaRPr lang="en-US" altLang="en-IN" b="1" dirty="0" smtClean="0">
+              <a:gradFill>
+                <a:gsLst>
+                  <a:gs pos="0">
+                    <a:srgbClr val="E30000"/>
+                  </a:gs>
+                  <a:gs pos="100000">
+                    <a:srgbClr val="760303"/>
+                  </a:gs>
+                </a:gsLst>
+                <a:lin scaled="0"/>
+              </a:gradFill>
+              <a:latin typeface="Bahnschrift Condensed" panose="020B0502040204020203" charset="0"/>
+              <a:cs typeface="Bahnschrift Condensed" panose="020B0502040204020203" charset="0"/>
+            </a:endParaRPr>
           </a:p>
         </p:txBody>
       </p:sp>
@@ -4177,113 +5172,149 @@
             <p:ph idx="1"/>
           </p:nvPr>
         </p:nvSpPr>
-        <p:spPr/>
+        <p:spPr>
+          <a:xfrm>
+            <a:off x="457200" y="952500"/>
+            <a:ext cx="8229600" cy="4953000"/>
+          </a:xfrm>
+        </p:spPr>
         <p:txBody>
           <a:bodyPr>
-            <a:normAutofit fontScale="55000" lnSpcReduction="20000"/>
+            <a:noAutofit/>
           </a:bodyPr>
           <a:lstStyle/>
           <a:p>
             <a:pPr lvl="0"/>
-            <a:endParaRPr lang="en-IN" dirty="0" smtClean="0"/>
+            <a:endParaRPr lang="en-IN" sz="1400" dirty="0" smtClean="0"/>
           </a:p>
           <a:p>
             <a:pPr lvl="0"/>
             <a:r>
-              <a:rPr lang="en-IN" dirty="0" smtClean="0"/>
+              <a:rPr lang="en-IN" sz="1700" dirty="0" smtClean="0"/>
               <a:t>Data </a:t>
             </a:r>
             <a:r>
-              <a:rPr lang="en-IN" dirty="0" err="1"/>
+              <a:rPr lang="en-IN" sz="1700" dirty="0" err="1"/>
               <a:t>Preprocessing</a:t>
             </a:r>
             <a:r>
-              <a:rPr lang="en-IN" dirty="0"/>
+              <a:rPr lang="en-IN" sz="1700" dirty="0"/>
               <a:t> Done</a:t>
             </a:r>
-            <a:endParaRPr lang="en-IN" dirty="0"/>
+            <a:r>
+              <a:rPr lang="en-US" altLang="en-IN" sz="1700" dirty="0"/>
+              <a:t>.</a:t>
+            </a:r>
+            <a:endParaRPr lang="en-US" altLang="en-IN" sz="1700" dirty="0"/>
           </a:p>
           <a:p>
             <a:pPr lvl="0"/>
-            <a:r>
-              <a:rPr lang="en-IN" dirty="0" err="1"/>
+            <a:endParaRPr lang="en-IN" sz="1700" dirty="0"/>
+          </a:p>
+          <a:p>
+            <a:pPr lvl="0"/>
+            <a:r>
+              <a:rPr lang="en-IN" sz="1700" dirty="0" err="1"/>
               <a:t>OneHot</a:t>
             </a:r>
             <a:r>
-              <a:rPr lang="en-IN" dirty="0"/>
+              <a:rPr lang="en-IN" sz="1700" dirty="0"/>
               <a:t> Encoded all the data categorical data- We encode the categorical data in this step, to convert it to integer type, since the model does not work on ‘string’ data.</a:t>
             </a:r>
-            <a:endParaRPr lang="en-IN" dirty="0"/>
+            <a:endParaRPr lang="en-IN" sz="1700" dirty="0"/>
           </a:p>
           <a:p>
             <a:pPr lvl="0"/>
-            <a:r>
-              <a:rPr lang="en-IN" dirty="0"/>
+            <a:endParaRPr lang="en-IN" sz="1700" dirty="0"/>
+          </a:p>
+          <a:p>
+            <a:pPr lvl="0"/>
+            <a:r>
+              <a:rPr lang="en-IN" sz="1700" dirty="0"/>
               <a:t>Regularised the data using standard </a:t>
             </a:r>
             <a:r>
-              <a:rPr lang="en-IN" dirty="0" err="1"/>
+              <a:rPr lang="en-IN" sz="1700" dirty="0" err="1"/>
               <a:t>Scaler</a:t>
             </a:r>
             <a:r>
-              <a:rPr lang="en-IN" dirty="0"/>
+              <a:rPr lang="en-IN" sz="1700" dirty="0"/>
               <a:t>.- The next step is to bring the data to a common scale, since there are certain columns with very small values and some columns with high values. This process is important as values on a similar scale allow the model to learn better. We use standard </a:t>
             </a:r>
             <a:r>
-              <a:rPr lang="en-IN" dirty="0" err="1"/>
+              <a:rPr lang="en-IN" sz="1700" dirty="0" err="1"/>
               <a:t>scaler</a:t>
             </a:r>
             <a:r>
-              <a:rPr lang="en-IN" dirty="0"/>
+              <a:rPr lang="en-IN" sz="1700" dirty="0"/>
               <a:t> for this process</a:t>
             </a:r>
-            <a:endParaRPr lang="en-IN" dirty="0"/>
+            <a:r>
+              <a:rPr lang="en-US" altLang="en-IN" sz="1700" dirty="0"/>
+              <a:t>.</a:t>
+            </a:r>
+            <a:endParaRPr lang="en-IN" sz="1700" dirty="0"/>
           </a:p>
           <a:p>
             <a:pPr lvl="0"/>
-            <a:r>
-              <a:rPr lang="en-IN" dirty="0"/>
+            <a:endParaRPr lang="en-IN" sz="1700" dirty="0"/>
+          </a:p>
+          <a:p>
+            <a:pPr lvl="0"/>
+            <a:r>
+              <a:rPr lang="en-IN" sz="1700" dirty="0"/>
               <a:t>Removed the </a:t>
             </a:r>
             <a:r>
-              <a:rPr lang="en-IN" dirty="0" err="1"/>
+              <a:rPr lang="en-IN" sz="1700" dirty="0" err="1"/>
               <a:t>skewness</a:t>
             </a:r>
             <a:r>
-              <a:rPr lang="en-IN" dirty="0"/>
+              <a:rPr lang="en-IN" sz="1700" dirty="0"/>
               <a:t> using power transform-yeo-Johnson- The Yeo–Johnson transformation allows also for zero and negative values in the dataset.</a:t>
             </a:r>
-            <a:endParaRPr lang="en-IN" dirty="0"/>
-          </a:p>
-          <a:p>
-            <a:r>
-              <a:rPr lang="en-IN" b="1" dirty="0"/>
+            <a:endParaRPr lang="en-IN" sz="1700" dirty="0"/>
+          </a:p>
+          <a:p>
+            <a:pPr marL="0" indent="0">
+              <a:buNone/>
+            </a:pPr>
+            <a:r>
+              <a:rPr lang="en-IN" sz="1700" b="1" dirty="0"/>
               <a:t> </a:t>
             </a:r>
-            <a:endParaRPr lang="en-IN" dirty="0"/>
+            <a:endParaRPr lang="en-IN" sz="1700" dirty="0"/>
           </a:p>
           <a:p>
             <a:pPr lvl="0"/>
             <a:r>
-              <a:rPr lang="en-IN" dirty="0"/>
+              <a:rPr lang="en-IN" sz="1700" dirty="0"/>
               <a:t>Data Inputs- Logic- Output Relationships</a:t>
             </a:r>
-            <a:endParaRPr lang="en-IN" dirty="0"/>
-          </a:p>
-          <a:p>
-            <a:r>
-              <a:rPr lang="en-IN" dirty="0"/>
+            <a:r>
+              <a:rPr lang="en-US" altLang="en-IN" sz="1700" dirty="0"/>
+              <a:t>.</a:t>
+            </a:r>
+            <a:endParaRPr lang="en-IN" sz="1700" dirty="0"/>
+          </a:p>
+          <a:p>
+            <a:pPr lvl="0"/>
+            <a:endParaRPr lang="en-IN" sz="1700" dirty="0"/>
+          </a:p>
+          <a:p>
+            <a:r>
+              <a:rPr lang="en-IN" sz="1700" dirty="0"/>
               <a:t>Since there were a lot of columns that had tremendous relationship with the Sale price used </a:t>
             </a:r>
             <a:r>
-              <a:rPr lang="en-IN" dirty="0" err="1"/>
+              <a:rPr lang="en-IN" sz="1700" dirty="0" err="1"/>
               <a:t>sklearn.decomposition.PCA</a:t>
             </a:r>
             <a:r>
-              <a:rPr lang="en-IN" dirty="0"/>
+              <a:rPr lang="en-IN" sz="1700" dirty="0"/>
               <a:t> to get the  input for the desired output.</a:t>
             </a:r>
-            <a:endParaRPr lang="en-IN" dirty="0"/>
+            <a:endParaRPr lang="en-IN" sz="1700" dirty="0"/>
           </a:p>
         </p:txBody>
       </p:sp>
@@ -4329,16 +5360,67 @@
             <p:ph type="title"/>
           </p:nvPr>
         </p:nvSpPr>
-        <p:spPr/>
+        <p:spPr>
+          <a:xfrm>
+            <a:off x="457200" y="260350"/>
+            <a:ext cx="8229600" cy="582613"/>
+          </a:xfrm>
+        </p:spPr>
         <p:txBody>
           <a:bodyPr/>
           <a:lstStyle/>
           <a:p>
             <a:r>
-              <a:rPr lang="en-IN" dirty="0" smtClean="0"/>
+              <a:rPr lang="en-IN" b="1" dirty="0" smtClean="0">
+                <a:gradFill>
+                  <a:gsLst>
+                    <a:gs pos="0">
+                      <a:srgbClr val="E30000"/>
+                    </a:gs>
+                    <a:gs pos="100000">
+                      <a:srgbClr val="760303"/>
+                    </a:gs>
+                  </a:gsLst>
+                  <a:lin scaled="0"/>
+                </a:gradFill>
+                <a:latin typeface="Bahnschrift Condensed" panose="020B0502040204020203" charset="0"/>
+                <a:cs typeface="Bahnschrift Condensed" panose="020B0502040204020203" charset="0"/>
+              </a:rPr>
               <a:t>EDA and Visualization</a:t>
             </a:r>
-            <a:endParaRPr lang="en-IN" dirty="0"/>
+            <a:r>
+              <a:rPr lang="en-US" altLang="en-IN" b="1" dirty="0" smtClean="0">
+                <a:gradFill>
+                  <a:gsLst>
+                    <a:gs pos="0">
+                      <a:srgbClr val="E30000"/>
+                    </a:gs>
+                    <a:gs pos="100000">
+                      <a:srgbClr val="760303"/>
+                    </a:gs>
+                  </a:gsLst>
+                  <a:lin scaled="0"/>
+                </a:gradFill>
+                <a:latin typeface="Bahnschrift Condensed" panose="020B0502040204020203" charset="0"/>
+                <a:cs typeface="Bahnschrift Condensed" panose="020B0502040204020203" charset="0"/>
+              </a:rPr>
+              <a:t>---</a:t>
+            </a:r>
+            <a:endParaRPr lang="en-US" altLang="en-IN" b="1" dirty="0" smtClean="0">
+              <a:gradFill>
+                <a:gsLst>
+                  <a:gs pos="0">
+                    <a:srgbClr val="E30000"/>
+                  </a:gs>
+                  <a:gs pos="100000">
+                    <a:srgbClr val="760303"/>
+                  </a:gs>
+                </a:gsLst>
+                <a:lin scaled="0"/>
+              </a:gradFill>
+              <a:latin typeface="Bahnschrift Condensed" panose="020B0502040204020203" charset="0"/>
+              <a:cs typeface="Bahnschrift Condensed" panose="020B0502040204020203" charset="0"/>
+            </a:endParaRPr>
           </a:p>
         </p:txBody>
       </p:sp>
@@ -4361,21 +5443,41 @@
               <a:buNone/>
             </a:pPr>
             <a:r>
-              <a:rPr lang="en-IN" dirty="0"/>
+              <a:rPr lang="en-IN" sz="2400" dirty="0"/>
               <a:t> </a:t>
             </a:r>
             <a:r>
-              <a:rPr lang="en-IN" dirty="0" smtClean="0"/>
+              <a:rPr lang="en-US" altLang="en-IN" sz="2400" dirty="0"/>
+              <a:t>The given </a:t>
+            </a:r>
+            <a:r>
+              <a:rPr lang="en-IN" sz="2400" dirty="0" smtClean="0"/>
               <a:t>Data </a:t>
             </a:r>
             <a:r>
-              <a:rPr lang="en-IN" dirty="0"/>
-              <a:t>had a lot of null values.</a:t>
-            </a:r>
-            <a:endParaRPr lang="en-IN" dirty="0"/>
-          </a:p>
-          <a:p>
-            <a:endParaRPr lang="en-IN" dirty="0"/>
+              <a:rPr lang="en-IN" sz="2400" dirty="0"/>
+              <a:t>ha</a:t>
+            </a:r>
+            <a:r>
+              <a:rPr lang="en-US" altLang="en-IN" sz="2400" dirty="0"/>
+              <a:t>s </a:t>
+            </a:r>
+            <a:r>
+              <a:rPr lang="en-IN" sz="2400" dirty="0"/>
+              <a:t>a lot of null values</a:t>
+            </a:r>
+            <a:r>
+              <a:rPr lang="en-US" altLang="en-IN" sz="2400" dirty="0"/>
+              <a:t> that needed to be removed</a:t>
+            </a:r>
+            <a:r>
+              <a:rPr lang="en-IN" sz="2400" dirty="0"/>
+              <a:t>.</a:t>
+            </a:r>
+            <a:endParaRPr lang="en-IN" sz="2400" dirty="0"/>
+          </a:p>
+          <a:p>
+            <a:endParaRPr lang="en-IN" sz="2400" dirty="0"/>
           </a:p>
         </p:txBody>
       </p:sp>
@@ -4393,8 +5495,8 @@
         </p:blipFill>
         <p:spPr>
           <a:xfrm>
-            <a:off x="1706245" y="2272347"/>
-            <a:ext cx="5731510" cy="3100869"/>
+            <a:off x="1475740" y="2277110"/>
+            <a:ext cx="5917565" cy="3562985"/>
           </a:xfrm>
           <a:prstGeom prst="rect">
             <a:avLst/>
@@ -4433,87 +5535,152 @@
           <a:chExt cx="0" cy="0"/>
         </a:xfrm>
       </p:grpSpPr>
-      <p:sp>
-        <p:nvSpPr>
-          <p:cNvPr id="13" name="Content Placeholder 12"/>
-          <p:cNvSpPr>
-            <a:spLocks noGrp="1"/>
-          </p:cNvSpPr>
-          <p:nvPr>
-            <p:ph idx="1"/>
-          </p:nvPr>
-        </p:nvSpPr>
-        <p:spPr/>
-        <p:txBody>
-          <a:bodyPr/>
-          <a:lstStyle/>
-          <a:p>
-            <a:endParaRPr lang="en-IN"/>
-          </a:p>
-        </p:txBody>
-      </p:sp>
       <p:pic>
         <p:nvPicPr>
-          <p:cNvPr id="2051" name="Picture 3"/>
+          <p:cNvPr id="2" name="Content Placeholder 1"/>
           <p:cNvPicPr>
-            <a:picLocks noChangeAspect="1" noChangeArrowheads="1"/>
+            <a:picLocks noChangeAspect="1"/>
+          </p:cNvPicPr>
+          <p:nvPr>
+            <p:ph sz="half" idx="1"/>
+          </p:nvPr>
+        </p:nvPicPr>
+        <p:blipFill>
+          <a:blip r:embed="rId1"/>
+          <a:stretch>
+            <a:fillRect/>
+          </a:stretch>
+        </p:blipFill>
+        <p:spPr>
+          <a:xfrm>
+            <a:off x="395605" y="116840"/>
+            <a:ext cx="3587750" cy="2134235"/>
+          </a:xfrm>
+          <a:prstGeom prst="rect">
+            <a:avLst/>
+          </a:prstGeom>
+        </p:spPr>
+      </p:pic>
+      <p:pic>
+        <p:nvPicPr>
+          <p:cNvPr id="3" name="Content Placeholder 2"/>
+          <p:cNvPicPr>
+            <a:picLocks noChangeAspect="1"/>
+          </p:cNvPicPr>
+          <p:nvPr>
+            <p:ph sz="half" idx="2"/>
+          </p:nvPr>
+        </p:nvPicPr>
+        <p:blipFill>
+          <a:blip r:embed="rId2"/>
+          <a:stretch>
+            <a:fillRect/>
+          </a:stretch>
+        </p:blipFill>
+        <p:spPr>
+          <a:xfrm>
+            <a:off x="4860290" y="116840"/>
+            <a:ext cx="3482340" cy="2313305"/>
+          </a:xfrm>
+          <a:prstGeom prst="rect">
+            <a:avLst/>
+          </a:prstGeom>
+        </p:spPr>
+      </p:pic>
+      <p:pic>
+        <p:nvPicPr>
+          <p:cNvPr id="5" name="Picture 4"/>
+          <p:cNvPicPr>
+            <a:picLocks noChangeAspect="1"/>
           </p:cNvPicPr>
           <p:nvPr/>
         </p:nvPicPr>
         <p:blipFill>
-          <a:blip r:embed="rId1">
-            <a:extLst>
-              <a:ext uri="{28A0092B-C50C-407E-A947-70E740481C1C}">
-                <a14:useLocalDpi xmlns:a14="http://schemas.microsoft.com/office/drawing/2010/main" val="0"/>
-              </a:ext>
-            </a:extLst>
-          </a:blip>
-          <a:srcRect/>
+          <a:blip r:embed="rId3"/>
           <a:stretch>
             <a:fillRect/>
           </a:stretch>
         </p:blipFill>
-        <p:spPr bwMode="auto">
+        <p:spPr>
           <a:xfrm>
-            <a:off x="0" y="-204788"/>
-            <a:ext cx="9463088" cy="7267576"/>
+            <a:off x="365760" y="2283460"/>
+            <a:ext cx="3617595" cy="2265045"/>
           </a:xfrm>
           <a:prstGeom prst="rect">
             <a:avLst/>
           </a:prstGeom>
-          <a:noFill/>
-          <a:ln>
-            <a:noFill/>
-          </a:ln>
-          <a:effectLst/>
-          <a:extLst>
-            <a:ext uri="{909E8E84-426E-40DD-AFC4-6F175D3DCCD1}">
-              <a14:hiddenFill xmlns:a14="http://schemas.microsoft.com/office/drawing/2010/main">
-                <a:solidFill>
-                  <a:schemeClr val="accent1"/>
-                </a:solidFill>
-              </a14:hiddenFill>
-            </a:ext>
-            <a:ext uri="{91240B29-F687-4F45-9708-019B960494DF}">
-              <a14:hiddenLine xmlns:a14="http://schemas.microsoft.com/office/drawing/2010/main" w="9525">
-                <a:solidFill>
-                  <a:schemeClr val="tx1"/>
-                </a:solidFill>
-                <a:miter lim="800000"/>
-                <a:headEnd/>
-                <a:tailEnd/>
-              </a14:hiddenLine>
-            </a:ext>
-            <a:ext uri="{AF507438-7753-43E0-B8FC-AC1667EBCBE1}">
-              <a14:hiddenEffects xmlns:a14="http://schemas.microsoft.com/office/drawing/2010/main">
-                <a:effectLst>
-                  <a:outerShdw dist="35921" dir="2700000" algn="ctr" rotWithShape="0">
-                    <a:schemeClr val="bg2"/>
-                  </a:outerShdw>
-                </a:effectLst>
-              </a14:hiddenEffects>
-            </a:ext>
-          </a:extLst>
+        </p:spPr>
+      </p:pic>
+      <p:pic>
+        <p:nvPicPr>
+          <p:cNvPr id="6" name="Picture 5"/>
+          <p:cNvPicPr>
+            <a:picLocks noChangeAspect="1"/>
+          </p:cNvPicPr>
+          <p:nvPr/>
+        </p:nvPicPr>
+        <p:blipFill>
+          <a:blip r:embed="rId4"/>
+          <a:stretch>
+            <a:fillRect/>
+          </a:stretch>
+        </p:blipFill>
+        <p:spPr>
+          <a:xfrm>
+            <a:off x="4644390" y="2430145"/>
+            <a:ext cx="3777615" cy="2310130"/>
+          </a:xfrm>
+          <a:prstGeom prst="rect">
+            <a:avLst/>
+          </a:prstGeom>
+        </p:spPr>
+      </p:pic>
+      <p:pic>
+        <p:nvPicPr>
+          <p:cNvPr id="7" name="Picture 6"/>
+          <p:cNvPicPr>
+            <a:picLocks noChangeAspect="1"/>
+          </p:cNvPicPr>
+          <p:nvPr/>
+        </p:nvPicPr>
+        <p:blipFill>
+          <a:blip r:embed="rId5"/>
+          <a:stretch>
+            <a:fillRect/>
+          </a:stretch>
+        </p:blipFill>
+        <p:spPr>
+          <a:xfrm>
+            <a:off x="467995" y="4683125"/>
+            <a:ext cx="3793490" cy="2308860"/>
+          </a:xfrm>
+          <a:prstGeom prst="rect">
+            <a:avLst/>
+          </a:prstGeom>
+        </p:spPr>
+      </p:pic>
+      <p:pic>
+        <p:nvPicPr>
+          <p:cNvPr id="8" name="Picture 7"/>
+          <p:cNvPicPr>
+            <a:picLocks noChangeAspect="1"/>
+          </p:cNvPicPr>
+          <p:nvPr/>
+        </p:nvPicPr>
+        <p:blipFill>
+          <a:blip r:embed="rId6"/>
+          <a:stretch>
+            <a:fillRect/>
+          </a:stretch>
+        </p:blipFill>
+        <p:spPr>
+          <a:xfrm>
+            <a:off x="4835525" y="4725035"/>
+            <a:ext cx="3531235" cy="2224405"/>
+          </a:xfrm>
+          <a:prstGeom prst="rect">
+            <a:avLst/>
+          </a:prstGeom>
         </p:spPr>
       </p:pic>
     </p:spTree>
@@ -4540,14 +5707,7 @@
         <p:cNvGrpSpPr/>
         <p:nvPr/>
       </p:nvGrpSpPr>
-      <p:grpSpPr>
-        <a:xfrm>
-          <a:off x="0" y="0"/>
-          <a:ext cx="0" cy="0"/>
-          <a:chOff x="0" y="0"/>
-          <a:chExt cx="0" cy="0"/>
-        </a:xfrm>
-      </p:grpSpPr>
+      <p:grpSpPr/>
       <p:sp>
         <p:nvSpPr>
           <p:cNvPr id="2" name="Title 1"/>
@@ -4555,65 +5715,26 @@
             <a:spLocks noGrp="1"/>
           </p:cNvSpPr>
           <p:nvPr>
-            <p:ph type="ctrTitle"/>
-          </p:nvPr>
-        </p:nvSpPr>
-        <p:spPr>
-          <a:xfrm>
-            <a:off x="539552" y="332656"/>
-            <a:ext cx="7772400" cy="1470025"/>
-          </a:xfrm>
-        </p:spPr>
-        <p:txBody>
-          <a:bodyPr>
-            <a:normAutofit fontScale="90000"/>
-          </a:bodyPr>
-          <a:lstStyle/>
-          <a:p>
-            <a:r>
-              <a:rPr lang="en-IN" dirty="0" smtClean="0"/>
-              <a:t>From the above chart we could make that most of the factors are affecting the sales price.</a:t>
-            </a:r>
-            <a:endParaRPr lang="en-IN" dirty="0"/>
-          </a:p>
-        </p:txBody>
-      </p:sp>
-      <p:sp>
-        <p:nvSpPr>
-          <p:cNvPr id="3" name="Subtitle 2"/>
-          <p:cNvSpPr>
-            <a:spLocks noGrp="1"/>
-          </p:cNvSpPr>
-          <p:nvPr>
-            <p:ph type="subTitle" idx="1"/>
-          </p:nvPr>
-        </p:nvSpPr>
-        <p:spPr>
-          <a:xfrm>
-            <a:off x="467544" y="2060848"/>
-            <a:ext cx="8424936" cy="4464496"/>
-          </a:xfrm>
-        </p:spPr>
+            <p:ph type="title"/>
+          </p:nvPr>
+        </p:nvSpPr>
+        <p:spPr/>
         <p:txBody>
           <a:bodyPr/>
-          <a:lstStyle/>
-          <a:p>
-            <a:r>
-              <a:rPr lang="en-IN" dirty="0" smtClean="0"/>
-              <a:t>Outliers were also present in the dataset.</a:t>
-            </a:r>
-            <a:endParaRPr lang="en-IN" dirty="0" smtClean="0"/>
-          </a:p>
-          <a:p>
-            <a:endParaRPr lang="en-IN" b="1" dirty="0"/>
+          <a:p>
+            <a:endParaRPr lang="en-US"/>
           </a:p>
         </p:txBody>
       </p:sp>
       <p:pic>
         <p:nvPicPr>
-          <p:cNvPr id="4" name="Picture 3"/>
-          <p:cNvPicPr/>
-          <p:nvPr/>
+          <p:cNvPr id="5" name="Content Placeholder 4"/>
+          <p:cNvPicPr>
+            <a:picLocks noChangeAspect="1"/>
+          </p:cNvPicPr>
+          <p:nvPr>
+            <p:ph sz="half" idx="1"/>
+          </p:nvPr>
         </p:nvPicPr>
         <p:blipFill>
           <a:blip r:embed="rId1"/>
@@ -4623,8 +5744,130 @@
         </p:blipFill>
         <p:spPr>
           <a:xfrm>
-            <a:off x="1907704" y="2564904"/>
-            <a:ext cx="5731510" cy="3607435"/>
+            <a:off x="467995" y="116840"/>
+            <a:ext cx="3641090" cy="2230755"/>
+          </a:xfrm>
+          <a:prstGeom prst="rect">
+            <a:avLst/>
+          </a:prstGeom>
+        </p:spPr>
+      </p:pic>
+      <p:pic>
+        <p:nvPicPr>
+          <p:cNvPr id="6" name="Content Placeholder 5"/>
+          <p:cNvPicPr>
+            <a:picLocks noChangeAspect="1"/>
+          </p:cNvPicPr>
+          <p:nvPr>
+            <p:ph sz="half" idx="2"/>
+          </p:nvPr>
+        </p:nvPicPr>
+        <p:blipFill>
+          <a:blip r:embed="rId2"/>
+          <a:stretch>
+            <a:fillRect/>
+          </a:stretch>
+        </p:blipFill>
+        <p:spPr>
+          <a:xfrm>
+            <a:off x="5076190" y="116840"/>
+            <a:ext cx="3341370" cy="2061210"/>
+          </a:xfrm>
+          <a:prstGeom prst="rect">
+            <a:avLst/>
+          </a:prstGeom>
+        </p:spPr>
+      </p:pic>
+      <p:pic>
+        <p:nvPicPr>
+          <p:cNvPr id="7" name="Picture 6"/>
+          <p:cNvPicPr>
+            <a:picLocks noChangeAspect="1"/>
+          </p:cNvPicPr>
+          <p:nvPr/>
+        </p:nvPicPr>
+        <p:blipFill>
+          <a:blip r:embed="rId3"/>
+          <a:stretch>
+            <a:fillRect/>
+          </a:stretch>
+        </p:blipFill>
+        <p:spPr>
+          <a:xfrm>
+            <a:off x="427355" y="2420620"/>
+            <a:ext cx="3681730" cy="2378710"/>
+          </a:xfrm>
+          <a:prstGeom prst="rect">
+            <a:avLst/>
+          </a:prstGeom>
+        </p:spPr>
+      </p:pic>
+      <p:pic>
+        <p:nvPicPr>
+          <p:cNvPr id="8" name="Picture 7"/>
+          <p:cNvPicPr>
+            <a:picLocks noChangeAspect="1"/>
+          </p:cNvPicPr>
+          <p:nvPr/>
+        </p:nvPicPr>
+        <p:blipFill>
+          <a:blip r:embed="rId4"/>
+          <a:stretch>
+            <a:fillRect/>
+          </a:stretch>
+        </p:blipFill>
+        <p:spPr>
+          <a:xfrm>
+            <a:off x="5064125" y="4679950"/>
+            <a:ext cx="3365500" cy="2091690"/>
+          </a:xfrm>
+          <a:prstGeom prst="rect">
+            <a:avLst/>
+          </a:prstGeom>
+        </p:spPr>
+      </p:pic>
+      <p:pic>
+        <p:nvPicPr>
+          <p:cNvPr id="9" name="Picture 8"/>
+          <p:cNvPicPr>
+            <a:picLocks noChangeAspect="1"/>
+          </p:cNvPicPr>
+          <p:nvPr/>
+        </p:nvPicPr>
+        <p:blipFill>
+          <a:blip r:embed="rId5"/>
+          <a:stretch>
+            <a:fillRect/>
+          </a:stretch>
+        </p:blipFill>
+        <p:spPr>
+          <a:xfrm>
+            <a:off x="4860290" y="2267585"/>
+            <a:ext cx="3651250" cy="2322830"/>
+          </a:xfrm>
+          <a:prstGeom prst="rect">
+            <a:avLst/>
+          </a:prstGeom>
+        </p:spPr>
+      </p:pic>
+      <p:pic>
+        <p:nvPicPr>
+          <p:cNvPr id="10" name="Picture 9"/>
+          <p:cNvPicPr>
+            <a:picLocks noChangeAspect="1"/>
+          </p:cNvPicPr>
+          <p:nvPr/>
+        </p:nvPicPr>
+        <p:blipFill>
+          <a:blip r:embed="rId6"/>
+          <a:stretch>
+            <a:fillRect/>
+          </a:stretch>
+        </p:blipFill>
+        <p:spPr>
+          <a:xfrm>
+            <a:off x="615315" y="4796790"/>
+            <a:ext cx="3346450" cy="2045335"/>
           </a:xfrm>
           <a:prstGeom prst="rect">
             <a:avLst/>
@@ -4663,99 +5906,132 @@
             <a:spLocks noGrp="1"/>
           </p:cNvSpPr>
           <p:nvPr>
-            <p:ph type="title"/>
-          </p:nvPr>
-        </p:nvSpPr>
-        <p:spPr/>
+            <p:ph type="ctrTitle"/>
+          </p:nvPr>
+        </p:nvSpPr>
+        <p:spPr>
+          <a:xfrm>
+            <a:off x="-364490" y="476885"/>
+            <a:ext cx="9012555" cy="1470025"/>
+          </a:xfrm>
+        </p:spPr>
+        <p:txBody>
+          <a:bodyPr>
+            <a:normAutofit/>
+          </a:bodyPr>
+          <a:lstStyle/>
+          <a:p>
+            <a:r>
+              <a:rPr lang="en-IN" sz="2665" dirty="0" smtClean="0"/>
+              <a:t>From the above chart we could make that most of the factors are affecting the sales price</a:t>
+            </a:r>
+            <a:r>
+              <a:rPr lang="en-IN" dirty="0" smtClean="0"/>
+              <a:t>.</a:t>
+            </a:r>
+            <a:endParaRPr lang="en-IN" dirty="0"/>
+          </a:p>
+        </p:txBody>
+      </p:sp>
+      <p:sp>
+        <p:nvSpPr>
+          <p:cNvPr id="3" name="Subtitle 2"/>
+          <p:cNvSpPr>
+            <a:spLocks noGrp="1"/>
+          </p:cNvSpPr>
+          <p:nvPr>
+            <p:ph type="subTitle" idx="1"/>
+          </p:nvPr>
+        </p:nvSpPr>
+        <p:spPr>
+          <a:xfrm>
+            <a:off x="467995" y="2204720"/>
+            <a:ext cx="7372350" cy="4464685"/>
+          </a:xfrm>
+        </p:spPr>
         <p:txBody>
           <a:bodyPr/>
           <a:lstStyle/>
           <a:p>
             <a:r>
+              <a:rPr lang="en-IN" sz="2400" dirty="0" smtClean="0"/>
+              <a:t>Outliers were </a:t>
+            </a:r>
+            <a:r>
+              <a:rPr lang="en-US" altLang="en-IN" sz="2400" dirty="0" smtClean="0"/>
+              <a:t>also </a:t>
+            </a:r>
+            <a:r>
+              <a:rPr lang="en-IN" sz="2400" dirty="0" smtClean="0"/>
+              <a:t>present in the </a:t>
+            </a:r>
+            <a:r>
+              <a:rPr lang="en-US" altLang="en-IN" sz="2400" dirty="0" smtClean="0"/>
+              <a:t>given </a:t>
+            </a:r>
+            <a:r>
+              <a:rPr lang="en-IN" sz="2400" dirty="0" smtClean="0"/>
+              <a:t>dataset</a:t>
+            </a:r>
+            <a:r>
               <a:rPr lang="en-IN" dirty="0" smtClean="0"/>
-              <a:t>Data </a:t>
-            </a:r>
-            <a:r>
-              <a:rPr lang="en-IN" dirty="0" err="1" smtClean="0"/>
-              <a:t>Preprocessing</a:t>
-            </a:r>
-            <a:endParaRPr lang="en-IN" dirty="0"/>
-          </a:p>
-        </p:txBody>
-      </p:sp>
-      <p:sp>
-        <p:nvSpPr>
-          <p:cNvPr id="3" name="Content Placeholder 2"/>
-          <p:cNvSpPr>
-            <a:spLocks noGrp="1"/>
-          </p:cNvSpPr>
-          <p:nvPr>
-            <p:ph idx="1"/>
-          </p:nvPr>
-        </p:nvSpPr>
-        <p:spPr/>
-        <p:txBody>
-          <a:bodyPr>
-            <a:normAutofit fontScale="77500" lnSpcReduction="20000"/>
-          </a:bodyPr>
-          <a:lstStyle/>
-          <a:p>
-            <a:pPr lvl="0"/>
-            <a:r>
-              <a:rPr lang="en-IN" dirty="0" err="1"/>
-              <a:t>OneHot</a:t>
-            </a:r>
-            <a:r>
-              <a:rPr lang="en-IN" dirty="0"/>
-              <a:t> Encoded all the data categorical data- We encode the categorical data in this step, to convert it to integer type, since the model does not work on ‘string’ data.</a:t>
-            </a:r>
-            <a:endParaRPr lang="en-IN" dirty="0"/>
-          </a:p>
-          <a:p>
-            <a:pPr lvl="0"/>
-            <a:r>
-              <a:rPr lang="en-IN" dirty="0"/>
-              <a:t>Regularised the data using standard </a:t>
-            </a:r>
-            <a:r>
-              <a:rPr lang="en-IN" dirty="0" err="1"/>
-              <a:t>Scaler</a:t>
-            </a:r>
-            <a:r>
-              <a:rPr lang="en-IN" dirty="0"/>
-              <a:t>.- The next step is to bring the data to a common scale, since there are certain columns with very small values and some columns with high values. This process is important as values on a similar scale allow the model to learn better. We use standard </a:t>
-            </a:r>
-            <a:r>
-              <a:rPr lang="en-IN" dirty="0" err="1"/>
-              <a:t>scaler</a:t>
-            </a:r>
-            <a:r>
-              <a:rPr lang="en-IN" dirty="0"/>
-              <a:t> for this process</a:t>
-            </a:r>
-            <a:endParaRPr lang="en-IN" dirty="0"/>
-          </a:p>
-          <a:p>
-            <a:pPr lvl="0"/>
-            <a:r>
-              <a:rPr lang="en-IN" dirty="0"/>
-              <a:t>Removed the </a:t>
-            </a:r>
-            <a:r>
-              <a:rPr lang="en-IN" dirty="0" err="1"/>
-              <a:t>skewness</a:t>
-            </a:r>
-            <a:r>
-              <a:rPr lang="en-IN" dirty="0"/>
-              <a:t> using power transform-yeo-Johnson- The Yeo–Johnson transformation allows also for zero and negative values in the dataset.</a:t>
-            </a:r>
-            <a:endParaRPr lang="en-IN" dirty="0"/>
-          </a:p>
-          <a:p>
-            <a:endParaRPr lang="en-IN" dirty="0"/>
-          </a:p>
-        </p:txBody>
-      </p:sp>
+              <a:t>.</a:t>
+            </a:r>
+            <a:endParaRPr lang="en-IN" dirty="0" smtClean="0"/>
+          </a:p>
+          <a:p>
+            <a:endParaRPr lang="en-IN" b="1" dirty="0"/>
+          </a:p>
+        </p:txBody>
+      </p:sp>
+      <p:pic>
+        <p:nvPicPr>
+          <p:cNvPr id="5" name="Picture 4"/>
+          <p:cNvPicPr>
+            <a:picLocks noChangeAspect="1"/>
+          </p:cNvPicPr>
+          <p:nvPr/>
+        </p:nvPicPr>
+        <p:blipFill>
+          <a:blip r:embed="rId1"/>
+          <a:stretch>
+            <a:fillRect/>
+          </a:stretch>
+        </p:blipFill>
+        <p:spPr>
+          <a:xfrm>
+            <a:off x="323215" y="3119120"/>
+            <a:ext cx="3886200" cy="2952750"/>
+          </a:xfrm>
+          <a:prstGeom prst="rect">
+            <a:avLst/>
+          </a:prstGeom>
+        </p:spPr>
+      </p:pic>
+      <p:pic>
+        <p:nvPicPr>
+          <p:cNvPr id="6" name="Picture 5"/>
+          <p:cNvPicPr>
+            <a:picLocks noChangeAspect="1"/>
+          </p:cNvPicPr>
+          <p:nvPr/>
+        </p:nvPicPr>
+        <p:blipFill>
+          <a:blip r:embed="rId2"/>
+          <a:stretch>
+            <a:fillRect/>
+          </a:stretch>
+        </p:blipFill>
+        <p:spPr>
+          <a:xfrm>
+            <a:off x="4572000" y="3068955"/>
+            <a:ext cx="4076065" cy="3002915"/>
+          </a:xfrm>
+          <a:prstGeom prst="rect">
+            <a:avLst/>
+          </a:prstGeom>
+        </p:spPr>
+      </p:pic>
     </p:spTree>
   </p:cSld>
   <p:clrMapOvr>
@@ -4773,49 +6049,101 @@
         <p:cNvGrpSpPr/>
         <p:nvPr/>
       </p:nvGrpSpPr>
-      <p:grpSpPr>
-        <a:xfrm>
-          <a:off x="0" y="0"/>
-          <a:ext cx="0" cy="0"/>
-          <a:chOff x="0" y="0"/>
-          <a:chExt cx="0" cy="0"/>
-        </a:xfrm>
-      </p:grpSpPr>
-      <p:sp>
-        <p:nvSpPr>
-          <p:cNvPr id="3" name="Content Placeholder 2"/>
-          <p:cNvSpPr>
-            <a:spLocks noGrp="1"/>
-          </p:cNvSpPr>
-          <p:nvPr>
-            <p:ph idx="1"/>
+      <p:grpSpPr/>
+      <p:sp>
+        <p:nvSpPr>
+          <p:cNvPr id="6" name="Title 5"/>
+          <p:cNvSpPr>
+            <a:spLocks noGrp="1"/>
+          </p:cNvSpPr>
+          <p:nvPr>
+            <p:ph type="title"/>
           </p:nvPr>
         </p:nvSpPr>
         <p:spPr/>
         <p:txBody>
           <a:bodyPr/>
-          <a:lstStyle/>
-          <a:p>
-            <a:pPr lvl="0"/>
-            <a:r>
-              <a:rPr lang="en-IN" dirty="0"/>
-              <a:t>Since there were a lot of columns that had tremendous relationship with the Sale price used </a:t>
-            </a:r>
-            <a:r>
-              <a:rPr lang="en-IN" dirty="0" err="1"/>
-              <a:t>sklearn.decomposition.PCA</a:t>
-            </a:r>
-            <a:r>
-              <a:rPr lang="en-IN" dirty="0"/>
-              <a:t> to get the  input for the desired output.</a:t>
-            </a:r>
-            <a:endParaRPr lang="en-IN" dirty="0"/>
-          </a:p>
-          <a:p>
-            <a:endParaRPr lang="en-IN" dirty="0"/>
-          </a:p>
-        </p:txBody>
-      </p:sp>
+          <a:p>
+            <a:endParaRPr lang="en-US"/>
+          </a:p>
+        </p:txBody>
+      </p:sp>
+      <p:pic>
+        <p:nvPicPr>
+          <p:cNvPr id="4" name="Content Placeholder 3"/>
+          <p:cNvPicPr>
+            <a:picLocks noChangeAspect="1"/>
+          </p:cNvPicPr>
+          <p:nvPr>
+            <p:ph sz="half" idx="1"/>
+          </p:nvPr>
+        </p:nvPicPr>
+        <p:blipFill>
+          <a:blip r:embed="rId1"/>
+          <a:stretch>
+            <a:fillRect/>
+          </a:stretch>
+        </p:blipFill>
+        <p:spPr>
+          <a:xfrm>
+            <a:off x="179705" y="260350"/>
+            <a:ext cx="4114800" cy="3118485"/>
+          </a:xfrm>
+          <a:prstGeom prst="rect">
+            <a:avLst/>
+          </a:prstGeom>
+        </p:spPr>
+      </p:pic>
+      <p:pic>
+        <p:nvPicPr>
+          <p:cNvPr id="5" name="Content Placeholder 4"/>
+          <p:cNvPicPr>
+            <a:picLocks noChangeAspect="1"/>
+          </p:cNvPicPr>
+          <p:nvPr>
+            <p:ph sz="half" idx="2"/>
+          </p:nvPr>
+        </p:nvPicPr>
+        <p:blipFill>
+          <a:blip r:embed="rId2"/>
+          <a:stretch>
+            <a:fillRect/>
+          </a:stretch>
+        </p:blipFill>
+        <p:spPr>
+          <a:xfrm>
+            <a:off x="4572000" y="190500"/>
+            <a:ext cx="4179570" cy="3020695"/>
+          </a:xfrm>
+          <a:prstGeom prst="rect">
+            <a:avLst/>
+          </a:prstGeom>
+        </p:spPr>
+      </p:pic>
+      <p:pic>
+        <p:nvPicPr>
+          <p:cNvPr id="7" name="Picture 6"/>
+          <p:cNvPicPr>
+            <a:picLocks noChangeAspect="1"/>
+          </p:cNvPicPr>
+          <p:nvPr/>
+        </p:nvPicPr>
+        <p:blipFill>
+          <a:blip r:embed="rId3"/>
+          <a:stretch>
+            <a:fillRect/>
+          </a:stretch>
+        </p:blipFill>
+        <p:spPr>
+          <a:xfrm>
+            <a:off x="2124075" y="3573145"/>
+            <a:ext cx="4408170" cy="3144520"/>
+          </a:xfrm>
+          <a:prstGeom prst="rect">
+            <a:avLst/>
+          </a:prstGeom>
+        </p:spPr>
+      </p:pic>
     </p:spTree>
   </p:cSld>
   <p:clrMapOvr>
@@ -4825,116 +6153,56 @@
 </file>
 
 <file path=ppt/theme/theme1.xml><?xml version="1.0" encoding="utf-8"?>
-<a:theme xmlns:a="http://schemas.openxmlformats.org/drawingml/2006/main" name="Office Theme">
+<a:theme xmlns:a="http://schemas.openxmlformats.org/drawingml/2006/main" name="Gear Drives">
   <a:themeElements>
-    <a:clrScheme name="Office">
+    <a:clrScheme name="Gear Drives 13">
       <a:dk1>
-        <a:sysClr val="windowText" lastClr="000000"/>
+        <a:srgbClr val="000000"/>
       </a:dk1>
       <a:lt1>
-        <a:sysClr val="window" lastClr="FFFFFF"/>
+        <a:srgbClr val="FFFFFF"/>
       </a:lt1>
       <a:dk2>
-        <a:srgbClr val="1F497D"/>
+        <a:srgbClr val="000000"/>
       </a:dk2>
       <a:lt2>
-        <a:srgbClr val="EEECE1"/>
+        <a:srgbClr val="969696"/>
       </a:lt2>
       <a:accent1>
-        <a:srgbClr val="4F81BD"/>
+        <a:srgbClr val="5F5F5F"/>
       </a:accent1>
       <a:accent2>
-        <a:srgbClr val="C0504D"/>
+        <a:srgbClr val="969696"/>
       </a:accent2>
       <a:accent3>
-        <a:srgbClr val="9BBB59"/>
+        <a:srgbClr val="FFFFFF"/>
       </a:accent3>
       <a:accent4>
-        <a:srgbClr val="8064A2"/>
+        <a:srgbClr val="000000"/>
       </a:accent4>
       <a:accent5>
-        <a:srgbClr val="4BACC6"/>
+        <a:srgbClr val="B6B6B6"/>
       </a:accent5>
       <a:accent6>
-        <a:srgbClr val="F79646"/>
+        <a:srgbClr val="878787"/>
       </a:accent6>
       <a:hlink>
-        <a:srgbClr val="0000FF"/>
+        <a:srgbClr val="CC3300"/>
       </a:hlink>
       <a:folHlink>
-        <a:srgbClr val="800080"/>
+        <a:srgbClr val="996600"/>
       </a:folHlink>
     </a:clrScheme>
-    <a:fontScheme name="Office">
+    <a:fontScheme name="Gear Drives">
       <a:majorFont>
-        <a:latin typeface="Calibri"/>
-        <a:ea typeface=""/>
+        <a:latin typeface="Arial"/>
+        <a:ea typeface="SimSun"/>
         <a:cs typeface=""/>
-        <a:font script="Jpan" typeface="ＭＳ Ｐゴシック"/>
-        <a:font script="Hang" typeface="맑은 고딕"/>
-        <a:font script="Hans" typeface="宋体"/>
-        <a:font script="Hant" typeface="新細明體"/>
-        <a:font script="Arab" typeface="Times New Roman"/>
-        <a:font script="Hebr" typeface="Times New Roman"/>
-        <a:font script="Thai" typeface="Angsana New"/>
-        <a:font script="Ethi" typeface="Nyala"/>
-        <a:font script="Beng" typeface="Vrinda"/>
-        <a:font script="Gujr" typeface="Shruti"/>
-        <a:font script="Khmr" typeface="MoolBoran"/>
-        <a:font script="Knda" typeface="Tunga"/>
-        <a:font script="Guru" typeface="Raavi"/>
-        <a:font script="Cans" typeface="Euphemia"/>
-        <a:font script="Cher" typeface="Plantagenet Cherokee"/>
-        <a:font script="Yiii" typeface="Microsoft Yi Baiti"/>
-        <a:font script="Tibt" typeface="Microsoft Himalaya"/>
-        <a:font script="Thaa" typeface="MV Boli"/>
-        <a:font script="Deva" typeface="Mangal"/>
-        <a:font script="Telu" typeface="Gautami"/>
-        <a:font script="Taml" typeface="Latha"/>
-        <a:font script="Syrc" typeface="Estrangelo Edessa"/>
-        <a:font script="Orya" typeface="Kalinga"/>
-        <a:font script="Mlym" typeface="Kartika"/>
-        <a:font script="Laoo" typeface="DokChampa"/>
-        <a:font script="Sinh" typeface="Iskoola Pota"/>
-        <a:font script="Mong" typeface="Mongolian Baiti"/>
-        <a:font script="Viet" typeface="Times New Roman"/>
-        <a:font script="Uigh" typeface="Microsoft Uighur"/>
-        <a:font script="Geor" typeface="Sylfaen"/>
       </a:majorFont>
       <a:minorFont>
-        <a:latin typeface="Calibri"/>
-        <a:ea typeface=""/>
+        <a:latin typeface="Arial"/>
+        <a:ea typeface="SimSun"/>
         <a:cs typeface=""/>
-        <a:font script="Jpan" typeface="ＭＳ Ｐゴシック"/>
-        <a:font script="Hang" typeface="맑은 고딕"/>
-        <a:font script="Hans" typeface="宋体"/>
-        <a:font script="Hant" typeface="新細明體"/>
-        <a:font script="Arab" typeface="Arial"/>
-        <a:font script="Hebr" typeface="Arial"/>
-        <a:font script="Thai" typeface="Cordia New"/>
-        <a:font script="Ethi" typeface="Nyala"/>
-        <a:font script="Beng" typeface="Vrinda"/>
-        <a:font script="Gujr" typeface="Shruti"/>
-        <a:font script="Khmr" typeface="DaunPenh"/>
-        <a:font script="Knda" typeface="Tunga"/>
-        <a:font script="Guru" typeface="Raavi"/>
-        <a:font script="Cans" typeface="Euphemia"/>
-        <a:font script="Cher" typeface="Plantagenet Cherokee"/>
-        <a:font script="Yiii" typeface="Microsoft Yi Baiti"/>
-        <a:font script="Tibt" typeface="Microsoft Himalaya"/>
-        <a:font script="Thaa" typeface="MV Boli"/>
-        <a:font script="Deva" typeface="Mangal"/>
-        <a:font script="Telu" typeface="Gautami"/>
-        <a:font script="Taml" typeface="Latha"/>
-        <a:font script="Syrc" typeface="Estrangelo Edessa"/>
-        <a:font script="Orya" typeface="Kalinga"/>
-        <a:font script="Mlym" typeface="Kartika"/>
-        <a:font script="Laoo" typeface="DokChampa"/>
-        <a:font script="Sinh" typeface="Iskoola Pota"/>
-        <a:font script="Mong" typeface="Mongolian Baiti"/>
-        <a:font script="Viet" typeface="Arial"/>
-        <a:font script="Uigh" typeface="Microsoft Uighur"/>
-        <a:font script="Geor" typeface="Sylfaen"/>
       </a:minorFont>
     </a:fontScheme>
     <a:fmtScheme name="Office">
@@ -4946,164 +6214,802 @@
           <a:gsLst>
             <a:gs pos="0">
               <a:schemeClr val="phClr">
-                <a:tint val="50000"/>
-                <a:satMod val="300000"/>
+                <a:lumMod val="110000"/>
+                <a:satMod val="105000"/>
+                <a:tint val="67000"/>
               </a:schemeClr>
             </a:gs>
-            <a:gs pos="35000">
+            <a:gs pos="50000">
               <a:schemeClr val="phClr">
-                <a:tint val="37000"/>
-                <a:satMod val="300000"/>
+                <a:lumMod val="105000"/>
+                <a:satMod val="103000"/>
+                <a:tint val="73000"/>
               </a:schemeClr>
             </a:gs>
             <a:gs pos="100000">
               <a:schemeClr val="phClr">
-                <a:tint val="15000"/>
-                <a:satMod val="350000"/>
+                <a:lumMod val="105000"/>
+                <a:satMod val="109000"/>
+                <a:tint val="81000"/>
               </a:schemeClr>
             </a:gs>
           </a:gsLst>
-          <a:lin ang="16200000" scaled="1"/>
+          <a:lin ang="5400000" scaled="0"/>
         </a:gradFill>
         <a:gradFill rotWithShape="1">
           <a:gsLst>
             <a:gs pos="0">
               <a:schemeClr val="phClr">
-                <a:shade val="51000"/>
-                <a:satMod val="130000"/>
+                <a:satMod val="103000"/>
+                <a:lumMod val="102000"/>
+                <a:tint val="94000"/>
               </a:schemeClr>
             </a:gs>
-            <a:gs pos="80000">
+            <a:gs pos="50000">
               <a:schemeClr val="phClr">
-                <a:shade val="93000"/>
-                <a:satMod val="130000"/>
+                <a:satMod val="110000"/>
+                <a:lumMod val="100000"/>
+                <a:shade val="100000"/>
               </a:schemeClr>
             </a:gs>
             <a:gs pos="100000">
               <a:schemeClr val="phClr">
-                <a:shade val="94000"/>
-                <a:satMod val="135000"/>
+                <a:lumMod val="99000"/>
+                <a:satMod val="120000"/>
+                <a:shade val="78000"/>
               </a:schemeClr>
             </a:gs>
           </a:gsLst>
-          <a:lin ang="16200000" scaled="0"/>
+          <a:lin ang="5400000" scaled="0"/>
         </a:gradFill>
       </a:fillStyleLst>
       <a:lnStyleLst>
-        <a:ln w="9525" cap="flat" cmpd="sng" algn="ctr">
-          <a:solidFill>
-            <a:schemeClr val="phClr">
-              <a:shade val="95000"/>
-              <a:satMod val="105000"/>
-            </a:schemeClr>
-          </a:solidFill>
-          <a:prstDash val="solid"/>
-        </a:ln>
-        <a:ln w="25400" cap="flat" cmpd="sng" algn="ctr">
+        <a:ln w="6350" cap="flat" cmpd="sng" algn="ctr">
           <a:solidFill>
             <a:schemeClr val="phClr"/>
           </a:solidFill>
           <a:prstDash val="solid"/>
+          <a:miter lim="800000"/>
         </a:ln>
-        <a:ln w="38100" cap="flat" cmpd="sng" algn="ctr">
+        <a:ln w="12700" cap="flat" cmpd="sng" algn="ctr">
           <a:solidFill>
             <a:schemeClr val="phClr"/>
           </a:solidFill>
           <a:prstDash val="solid"/>
+          <a:miter lim="800000"/>
+        </a:ln>
+        <a:ln w="19050" cap="flat" cmpd="sng" algn="ctr">
+          <a:solidFill>
+            <a:schemeClr val="phClr"/>
+          </a:solidFill>
+          <a:prstDash val="solid"/>
+          <a:miter lim="800000"/>
         </a:ln>
       </a:lnStyleLst>
       <a:effectStyleLst>
         <a:effectStyle>
+          <a:effectLst/>
+        </a:effectStyle>
+        <a:effectStyle>
+          <a:effectLst/>
+        </a:effectStyle>
+        <a:effectStyle>
           <a:effectLst>
-            <a:outerShdw blurRad="40000" dist="20000" dir="5400000" rotWithShape="0">
+            <a:outerShdw blurRad="57150" dist="19050" dir="5400000" algn="ctr" rotWithShape="0">
               <a:srgbClr val="000000">
-                <a:alpha val="38000"/>
+                <a:alpha val="63000"/>
               </a:srgbClr>
             </a:outerShdw>
           </a:effectLst>
-        </a:effectStyle>
-        <a:effectStyle>
-          <a:effectLst>
-            <a:outerShdw blurRad="40000" dist="23000" dir="5400000" rotWithShape="0">
-              <a:srgbClr val="000000">
-                <a:alpha val="35000"/>
-              </a:srgbClr>
-            </a:outerShdw>
-          </a:effectLst>
-        </a:effectStyle>
-        <a:effectStyle>
-          <a:effectLst>
-            <a:outerShdw blurRad="40000" dist="23000" dir="5400000" rotWithShape="0">
-              <a:srgbClr val="000000">
-                <a:alpha val="35000"/>
-              </a:srgbClr>
-            </a:outerShdw>
-          </a:effectLst>
-          <a:scene3d>
-            <a:camera prst="orthographicFront">
-              <a:rot lat="0" lon="0" rev="0"/>
-            </a:camera>
-            <a:lightRig rig="threePt" dir="t">
-              <a:rot lat="0" lon="0" rev="1200000"/>
-            </a:lightRig>
-          </a:scene3d>
-          <a:sp3d>
-            <a:bevelT w="63500" h="25400"/>
-          </a:sp3d>
         </a:effectStyle>
       </a:effectStyleLst>
       <a:bgFillStyleLst>
         <a:solidFill>
           <a:schemeClr val="phClr"/>
         </a:solidFill>
+        <a:solidFill>
+          <a:schemeClr val="phClr">
+            <a:tint val="95000"/>
+            <a:satMod val="170000"/>
+          </a:schemeClr>
+        </a:solidFill>
         <a:gradFill rotWithShape="1">
           <a:gsLst>
             <a:gs pos="0">
               <a:schemeClr val="phClr">
-                <a:tint val="40000"/>
-                <a:satMod val="350000"/>
+                <a:tint val="93000"/>
+                <a:satMod val="150000"/>
+                <a:shade val="98000"/>
+                <a:lumMod val="102000"/>
               </a:schemeClr>
             </a:gs>
-            <a:gs pos="40000">
+            <a:gs pos="50000">
               <a:schemeClr val="phClr">
-                <a:tint val="45000"/>
-                <a:shade val="99000"/>
-                <a:satMod val="350000"/>
+                <a:tint val="98000"/>
+                <a:satMod val="130000"/>
+                <a:shade val="90000"/>
+                <a:lumMod val="103000"/>
               </a:schemeClr>
             </a:gs>
             <a:gs pos="100000">
               <a:schemeClr val="phClr">
-                <a:shade val="20000"/>
-                <a:satMod val="255000"/>
+                <a:shade val="63000"/>
+                <a:satMod val="120000"/>
               </a:schemeClr>
             </a:gs>
           </a:gsLst>
-          <a:path path="circle">
-            <a:fillToRect l="50000" t="-80000" r="50000" b="180000"/>
-          </a:path>
-        </a:gradFill>
-        <a:gradFill rotWithShape="1">
-          <a:gsLst>
-            <a:gs pos="0">
-              <a:schemeClr val="phClr">
-                <a:tint val="80000"/>
-                <a:satMod val="300000"/>
-              </a:schemeClr>
-            </a:gs>
-            <a:gs pos="100000">
-              <a:schemeClr val="phClr">
-                <a:shade val="30000"/>
-                <a:satMod val="200000"/>
-              </a:schemeClr>
-            </a:gs>
-          </a:gsLst>
-          <a:path path="circle">
-            <a:fillToRect l="50000" t="50000" r="50000" b="50000"/>
-          </a:path>
+          <a:lin ang="5400000" scaled="0"/>
         </a:gradFill>
       </a:bgFillStyleLst>
     </a:fmtScheme>
   </a:themeElements>
+  <a:objectDefaults>
+    <a:spDef>
+      <a:spPr bwMode="auto">
+        <a:xfrm>
+          <a:off x="0" y="0"/>
+          <a:ext cx="1" cy="1"/>
+        </a:xfrm>
+        <a:custGeom>
+          <a:avLst/>
+          <a:gdLst/>
+          <a:ahLst/>
+          <a:cxnLst/>
+          <a:rect l="0" t="0" r="0" b="0"/>
+          <a:pathLst/>
+        </a:custGeom>
+        <a:gradFill rotWithShape="0">
+          <a:gsLst>
+            <a:gs pos="0">
+              <a:schemeClr val="accent1"/>
+            </a:gs>
+            <a:gs pos="100000">
+              <a:schemeClr val="accent2"/>
+            </a:gs>
+          </a:gsLst>
+          <a:lin ang="5400000" scaled="1"/>
+        </a:gradFill>
+        <a:ln w="9525" cap="flat" cmpd="sng" algn="ctr">
+          <a:solidFill>
+            <a:schemeClr val="accent1"/>
+          </a:solidFill>
+          <a:prstDash val="solid"/>
+          <a:round/>
+          <a:headEnd type="none" w="med" len="med"/>
+          <a:tailEnd type="none" w="med" len="med"/>
+        </a:ln>
+      </a:spPr>
+      <a:bodyPr vert="horz" wrap="none" lIns="91440" tIns="45720" rIns="91440" bIns="45720" numCol="1" anchor="ctr" anchorCtr="0" compatLnSpc="1"/>
+      <a:lstStyle>
+        <a:defPPr marL="0" marR="0" indent="0" algn="l" defTabSz="914400" rtl="0" eaLnBrk="1" fontAlgn="base" latinLnBrk="0" hangingPunct="1">
+          <a:lnSpc>
+            <a:spcPct val="100000"/>
+          </a:lnSpc>
+          <a:spcBef>
+            <a:spcPct val="0"/>
+          </a:spcBef>
+          <a:spcAft>
+            <a:spcPct val="0"/>
+          </a:spcAft>
+          <a:buClrTx/>
+          <a:buSzTx/>
+          <a:buFontTx/>
+          <a:buNone/>
+          <a:defRPr kumimoji="0" lang="zh-CN" altLang="en-US" sz="1800" b="0" i="0" u="none" strike="noStrike" cap="none" normalizeH="0" baseline="0" smtClean="0">
+            <a:ln>
+              <a:noFill/>
+            </a:ln>
+            <a:solidFill>
+              <a:schemeClr val="tx1"/>
+            </a:solidFill>
+            <a:effectLst/>
+            <a:latin typeface="Arial" panose="020B0604020202020204" pitchFamily="34" charset="0"/>
+            <a:ea typeface="SimSun" panose="02010600030101010101" pitchFamily="2" charset="-122"/>
+          </a:defRPr>
+        </a:defPPr>
+      </a:lstStyle>
+    </a:spDef>
+    <a:lnDef>
+      <a:spPr bwMode="auto">
+        <a:xfrm>
+          <a:off x="0" y="0"/>
+          <a:ext cx="1" cy="1"/>
+        </a:xfrm>
+        <a:custGeom>
+          <a:avLst/>
+          <a:gdLst/>
+          <a:ahLst/>
+          <a:cxnLst/>
+          <a:rect l="0" t="0" r="0" b="0"/>
+          <a:pathLst/>
+        </a:custGeom>
+        <a:gradFill rotWithShape="0">
+          <a:gsLst>
+            <a:gs pos="0">
+              <a:schemeClr val="accent1"/>
+            </a:gs>
+            <a:gs pos="100000">
+              <a:schemeClr val="accent2"/>
+            </a:gs>
+          </a:gsLst>
+          <a:lin ang="5400000" scaled="1"/>
+        </a:gradFill>
+        <a:ln w="9525" cap="flat" cmpd="sng" algn="ctr">
+          <a:solidFill>
+            <a:schemeClr val="accent1"/>
+          </a:solidFill>
+          <a:prstDash val="solid"/>
+          <a:round/>
+          <a:headEnd type="none" w="med" len="med"/>
+          <a:tailEnd type="none" w="med" len="med"/>
+        </a:ln>
+      </a:spPr>
+      <a:bodyPr vert="horz" wrap="none" lIns="91440" tIns="45720" rIns="91440" bIns="45720" numCol="1" anchor="ctr" anchorCtr="0" compatLnSpc="1"/>
+      <a:lstStyle>
+        <a:defPPr marL="0" marR="0" indent="0" algn="l" defTabSz="914400" rtl="0" eaLnBrk="1" fontAlgn="base" latinLnBrk="0" hangingPunct="1">
+          <a:lnSpc>
+            <a:spcPct val="100000"/>
+          </a:lnSpc>
+          <a:spcBef>
+            <a:spcPct val="0"/>
+          </a:spcBef>
+          <a:spcAft>
+            <a:spcPct val="0"/>
+          </a:spcAft>
+          <a:buClrTx/>
+          <a:buSzTx/>
+          <a:buFontTx/>
+          <a:buNone/>
+          <a:defRPr kumimoji="0" lang="zh-CN" altLang="en-US" sz="1800" b="0" i="0" u="none" strike="noStrike" cap="none" normalizeH="0" baseline="0" smtClean="0">
+            <a:ln>
+              <a:noFill/>
+            </a:ln>
+            <a:solidFill>
+              <a:schemeClr val="tx1"/>
+            </a:solidFill>
+            <a:effectLst/>
+            <a:latin typeface="Arial" panose="020B0604020202020204" pitchFamily="34" charset="0"/>
+            <a:ea typeface="SimSun" panose="02010600030101010101" pitchFamily="2" charset="-122"/>
+          </a:defRPr>
+        </a:defPPr>
+      </a:lstStyle>
+    </a:lnDef>
+  </a:objectDefaults>
+  <a:extraClrSchemeLst>
+    <a:extraClrScheme>
+      <a:clrScheme name="Gear Drives 1">
+        <a:dk1>
+          <a:srgbClr val="000000"/>
+        </a:dk1>
+        <a:lt1>
+          <a:srgbClr val="FFFFFF"/>
+        </a:lt1>
+        <a:dk2>
+          <a:srgbClr val="000000"/>
+        </a:dk2>
+        <a:lt2>
+          <a:srgbClr val="808080"/>
+        </a:lt2>
+        <a:accent1>
+          <a:srgbClr val="BBE0E3"/>
+        </a:accent1>
+        <a:accent2>
+          <a:srgbClr val="333399"/>
+        </a:accent2>
+        <a:accent3>
+          <a:srgbClr val="FFFFFF"/>
+        </a:accent3>
+        <a:accent4>
+          <a:srgbClr val="000000"/>
+        </a:accent4>
+        <a:accent5>
+          <a:srgbClr val="DAEDEF"/>
+        </a:accent5>
+        <a:accent6>
+          <a:srgbClr val="2D2D8A"/>
+        </a:accent6>
+        <a:hlink>
+          <a:srgbClr val="009999"/>
+        </a:hlink>
+        <a:folHlink>
+          <a:srgbClr val="99CC00"/>
+        </a:folHlink>
+      </a:clrScheme>
+      <a:clrMap bg1="lt1" tx1="dk1" bg2="lt2" tx2="dk2" accent1="accent1" accent2="accent2" accent3="accent3" accent4="accent4" accent5="accent5" accent6="accent6" hlink="hlink" folHlink="folHlink"/>
+    </a:extraClrScheme>
+    <a:extraClrScheme>
+      <a:clrScheme name="Gear Drives 2">
+        <a:dk1>
+          <a:srgbClr val="000000"/>
+        </a:dk1>
+        <a:lt1>
+          <a:srgbClr val="FFFFFF"/>
+        </a:lt1>
+        <a:dk2>
+          <a:srgbClr val="000000"/>
+        </a:dk2>
+        <a:lt2>
+          <a:srgbClr val="969696"/>
+        </a:lt2>
+        <a:accent1>
+          <a:srgbClr val="FBDF53"/>
+        </a:accent1>
+        <a:accent2>
+          <a:srgbClr val="FF9966"/>
+        </a:accent2>
+        <a:accent3>
+          <a:srgbClr val="FFFFFF"/>
+        </a:accent3>
+        <a:accent4>
+          <a:srgbClr val="000000"/>
+        </a:accent4>
+        <a:accent5>
+          <a:srgbClr val="FDECB3"/>
+        </a:accent5>
+        <a:accent6>
+          <a:srgbClr val="E78A5C"/>
+        </a:accent6>
+        <a:hlink>
+          <a:srgbClr val="CC3300"/>
+        </a:hlink>
+        <a:folHlink>
+          <a:srgbClr val="996600"/>
+        </a:folHlink>
+      </a:clrScheme>
+      <a:clrMap bg1="lt1" tx1="dk1" bg2="lt2" tx2="dk2" accent1="accent1" accent2="accent2" accent3="accent3" accent4="accent4" accent5="accent5" accent6="accent6" hlink="hlink" folHlink="folHlink"/>
+    </a:extraClrScheme>
+    <a:extraClrScheme>
+      <a:clrScheme name="Gear Drives 3">
+        <a:dk1>
+          <a:srgbClr val="000000"/>
+        </a:dk1>
+        <a:lt1>
+          <a:srgbClr val="FFFFFF"/>
+        </a:lt1>
+        <a:dk2>
+          <a:srgbClr val="000000"/>
+        </a:dk2>
+        <a:lt2>
+          <a:srgbClr val="808080"/>
+        </a:lt2>
+        <a:accent1>
+          <a:srgbClr val="99CCFF"/>
+        </a:accent1>
+        <a:accent2>
+          <a:srgbClr val="CCCCFF"/>
+        </a:accent2>
+        <a:accent3>
+          <a:srgbClr val="FFFFFF"/>
+        </a:accent3>
+        <a:accent4>
+          <a:srgbClr val="000000"/>
+        </a:accent4>
+        <a:accent5>
+          <a:srgbClr val="CAE2FF"/>
+        </a:accent5>
+        <a:accent6>
+          <a:srgbClr val="B9B9E7"/>
+        </a:accent6>
+        <a:hlink>
+          <a:srgbClr val="3333CC"/>
+        </a:hlink>
+        <a:folHlink>
+          <a:srgbClr val="AF67FF"/>
+        </a:folHlink>
+      </a:clrScheme>
+      <a:clrMap bg1="lt1" tx1="dk1" bg2="lt2" tx2="dk2" accent1="accent1" accent2="accent2" accent3="accent3" accent4="accent4" accent5="accent5" accent6="accent6" hlink="hlink" folHlink="folHlink"/>
+    </a:extraClrScheme>
+    <a:extraClrScheme>
+      <a:clrScheme name="Gear Drives 4">
+        <a:dk1>
+          <a:srgbClr val="000000"/>
+        </a:dk1>
+        <a:lt1>
+          <a:srgbClr val="DEF6F1"/>
+        </a:lt1>
+        <a:dk2>
+          <a:srgbClr val="000000"/>
+        </a:dk2>
+        <a:lt2>
+          <a:srgbClr val="969696"/>
+        </a:lt2>
+        <a:accent1>
+          <a:srgbClr val="FFFFFF"/>
+        </a:accent1>
+        <a:accent2>
+          <a:srgbClr val="8DC6FF"/>
+        </a:accent2>
+        <a:accent3>
+          <a:srgbClr val="ECFAF7"/>
+        </a:accent3>
+        <a:accent4>
+          <a:srgbClr val="000000"/>
+        </a:accent4>
+        <a:accent5>
+          <a:srgbClr val="FFFFFF"/>
+        </a:accent5>
+        <a:accent6>
+          <a:srgbClr val="7FB3E7"/>
+        </a:accent6>
+        <a:hlink>
+          <a:srgbClr val="0066CC"/>
+        </a:hlink>
+        <a:folHlink>
+          <a:srgbClr val="00A800"/>
+        </a:folHlink>
+      </a:clrScheme>
+      <a:clrMap bg1="lt1" tx1="dk1" bg2="lt2" tx2="dk2" accent1="accent1" accent2="accent2" accent3="accent3" accent4="accent4" accent5="accent5" accent6="accent6" hlink="hlink" folHlink="folHlink"/>
+    </a:extraClrScheme>
+    <a:extraClrScheme>
+      <a:clrScheme name="Gear Drives 5">
+        <a:dk1>
+          <a:srgbClr val="000000"/>
+        </a:dk1>
+        <a:lt1>
+          <a:srgbClr val="FFFFD9"/>
+        </a:lt1>
+        <a:dk2>
+          <a:srgbClr val="000000"/>
+        </a:dk2>
+        <a:lt2>
+          <a:srgbClr val="777777"/>
+        </a:lt2>
+        <a:accent1>
+          <a:srgbClr val="FFFFF7"/>
+        </a:accent1>
+        <a:accent2>
+          <a:srgbClr val="33CCCC"/>
+        </a:accent2>
+        <a:accent3>
+          <a:srgbClr val="FFFFE9"/>
+        </a:accent3>
+        <a:accent4>
+          <a:srgbClr val="000000"/>
+        </a:accent4>
+        <a:accent5>
+          <a:srgbClr val="FFFFFA"/>
+        </a:accent5>
+        <a:accent6>
+          <a:srgbClr val="2DB9B9"/>
+        </a:accent6>
+        <a:hlink>
+          <a:srgbClr val="FF5050"/>
+        </a:hlink>
+        <a:folHlink>
+          <a:srgbClr val="FF9900"/>
+        </a:folHlink>
+      </a:clrScheme>
+      <a:clrMap bg1="lt1" tx1="dk1" bg2="lt2" tx2="dk2" accent1="accent1" accent2="accent2" accent3="accent3" accent4="accent4" accent5="accent5" accent6="accent6" hlink="hlink" folHlink="folHlink"/>
+    </a:extraClrScheme>
+    <a:extraClrScheme>
+      <a:clrScheme name="Gear Drives 6">
+        <a:dk1>
+          <a:srgbClr val="005A58"/>
+        </a:dk1>
+        <a:lt1>
+          <a:srgbClr val="FFFFFF"/>
+        </a:lt1>
+        <a:dk2>
+          <a:srgbClr val="008080"/>
+        </a:dk2>
+        <a:lt2>
+          <a:srgbClr val="FFFF99"/>
+        </a:lt2>
+        <a:accent1>
+          <a:srgbClr val="006462"/>
+        </a:accent1>
+        <a:accent2>
+          <a:srgbClr val="6D6FC7"/>
+        </a:accent2>
+        <a:accent3>
+          <a:srgbClr val="AAC0C0"/>
+        </a:accent3>
+        <a:accent4>
+          <a:srgbClr val="DADADA"/>
+        </a:accent4>
+        <a:accent5>
+          <a:srgbClr val="AAB8B7"/>
+        </a:accent5>
+        <a:accent6>
+          <a:srgbClr val="6264B4"/>
+        </a:accent6>
+        <a:hlink>
+          <a:srgbClr val="00FFFF"/>
+        </a:hlink>
+        <a:folHlink>
+          <a:srgbClr val="00FF00"/>
+        </a:folHlink>
+      </a:clrScheme>
+      <a:clrMap bg1="dk2" tx1="lt1" bg2="dk1" tx2="lt2" accent1="accent1" accent2="accent2" accent3="accent3" accent4="accent4" accent5="accent5" accent6="accent6" hlink="hlink" folHlink="folHlink"/>
+    </a:extraClrScheme>
+    <a:extraClrScheme>
+      <a:clrScheme name="Gear Drives 7">
+        <a:dk1>
+          <a:srgbClr val="5C1F00"/>
+        </a:dk1>
+        <a:lt1>
+          <a:srgbClr val="FFFFFF"/>
+        </a:lt1>
+        <a:dk2>
+          <a:srgbClr val="800000"/>
+        </a:dk2>
+        <a:lt2>
+          <a:srgbClr val="DFD293"/>
+        </a:lt2>
+        <a:accent1>
+          <a:srgbClr val="CC3300"/>
+        </a:accent1>
+        <a:accent2>
+          <a:srgbClr val="BE7960"/>
+        </a:accent2>
+        <a:accent3>
+          <a:srgbClr val="C0AAAA"/>
+        </a:accent3>
+        <a:accent4>
+          <a:srgbClr val="DADADA"/>
+        </a:accent4>
+        <a:accent5>
+          <a:srgbClr val="E2ADAA"/>
+        </a:accent5>
+        <a:accent6>
+          <a:srgbClr val="AC6D56"/>
+        </a:accent6>
+        <a:hlink>
+          <a:srgbClr val="FFFF99"/>
+        </a:hlink>
+        <a:folHlink>
+          <a:srgbClr val="D3A219"/>
+        </a:folHlink>
+      </a:clrScheme>
+      <a:clrMap bg1="dk2" tx1="lt1" bg2="dk1" tx2="lt2" accent1="accent1" accent2="accent2" accent3="accent3" accent4="accent4" accent5="accent5" accent6="accent6" hlink="hlink" folHlink="folHlink"/>
+    </a:extraClrScheme>
+    <a:extraClrScheme>
+      <a:clrScheme name="Gear Drives 8">
+        <a:dk1>
+          <a:srgbClr val="003366"/>
+        </a:dk1>
+        <a:lt1>
+          <a:srgbClr val="FFFFFF"/>
+        </a:lt1>
+        <a:dk2>
+          <a:srgbClr val="000099"/>
+        </a:dk2>
+        <a:lt2>
+          <a:srgbClr val="CCFFFF"/>
+        </a:lt2>
+        <a:accent1>
+          <a:srgbClr val="3366CC"/>
+        </a:accent1>
+        <a:accent2>
+          <a:srgbClr val="00B000"/>
+        </a:accent2>
+        <a:accent3>
+          <a:srgbClr val="AAAACA"/>
+        </a:accent3>
+        <a:accent4>
+          <a:srgbClr val="DADADA"/>
+        </a:accent4>
+        <a:accent5>
+          <a:srgbClr val="ADB8E2"/>
+        </a:accent5>
+        <a:accent6>
+          <a:srgbClr val="009F00"/>
+        </a:accent6>
+        <a:hlink>
+          <a:srgbClr val="66CCFF"/>
+        </a:hlink>
+        <a:folHlink>
+          <a:srgbClr val="FFE701"/>
+        </a:folHlink>
+      </a:clrScheme>
+      <a:clrMap bg1="dk2" tx1="lt1" bg2="dk1" tx2="lt2" accent1="accent1" accent2="accent2" accent3="accent3" accent4="accent4" accent5="accent5" accent6="accent6" hlink="hlink" folHlink="folHlink"/>
+    </a:extraClrScheme>
+    <a:extraClrScheme>
+      <a:clrScheme name="Gear Drives 9">
+        <a:dk1>
+          <a:srgbClr val="336699"/>
+        </a:dk1>
+        <a:lt1>
+          <a:srgbClr val="FFFFFF"/>
+        </a:lt1>
+        <a:dk2>
+          <a:srgbClr val="000000"/>
+        </a:dk2>
+        <a:lt2>
+          <a:srgbClr val="E3EBF1"/>
+        </a:lt2>
+        <a:accent1>
+          <a:srgbClr val="003399"/>
+        </a:accent1>
+        <a:accent2>
+          <a:srgbClr val="468A4B"/>
+        </a:accent2>
+        <a:accent3>
+          <a:srgbClr val="AAAAAA"/>
+        </a:accent3>
+        <a:accent4>
+          <a:srgbClr val="DADADA"/>
+        </a:accent4>
+        <a:accent5>
+          <a:srgbClr val="AAADCA"/>
+        </a:accent5>
+        <a:accent6>
+          <a:srgbClr val="3F7D43"/>
+        </a:accent6>
+        <a:hlink>
+          <a:srgbClr val="66CCFF"/>
+        </a:hlink>
+        <a:folHlink>
+          <a:srgbClr val="F0E500"/>
+        </a:folHlink>
+      </a:clrScheme>
+      <a:clrMap bg1="dk2" tx1="lt1" bg2="dk1" tx2="lt2" accent1="accent1" accent2="accent2" accent3="accent3" accent4="accent4" accent5="accent5" accent6="accent6" hlink="hlink" folHlink="folHlink"/>
+    </a:extraClrScheme>
+    <a:extraClrScheme>
+      <a:clrScheme name="Gear Drives 10">
+        <a:dk1>
+          <a:srgbClr val="777777"/>
+        </a:dk1>
+        <a:lt1>
+          <a:srgbClr val="FFFFFF"/>
+        </a:lt1>
+        <a:dk2>
+          <a:srgbClr val="686B5D"/>
+        </a:dk2>
+        <a:lt2>
+          <a:srgbClr val="D1D1CB"/>
+        </a:lt2>
+        <a:accent1>
+          <a:srgbClr val="909082"/>
+        </a:accent1>
+        <a:accent2>
+          <a:srgbClr val="809EA8"/>
+        </a:accent2>
+        <a:accent3>
+          <a:srgbClr val="B9BAB6"/>
+        </a:accent3>
+        <a:accent4>
+          <a:srgbClr val="DADADA"/>
+        </a:accent4>
+        <a:accent5>
+          <a:srgbClr val="C6C6C1"/>
+        </a:accent5>
+        <a:accent6>
+          <a:srgbClr val="738F98"/>
+        </a:accent6>
+        <a:hlink>
+          <a:srgbClr val="FFCC66"/>
+        </a:hlink>
+        <a:folHlink>
+          <a:srgbClr val="E9DCB9"/>
+        </a:folHlink>
+      </a:clrScheme>
+      <a:clrMap bg1="dk2" tx1="lt1" bg2="dk1" tx2="lt2" accent1="accent1" accent2="accent2" accent3="accent3" accent4="accent4" accent5="accent5" accent6="accent6" hlink="hlink" folHlink="folHlink"/>
+    </a:extraClrScheme>
+    <a:extraClrScheme>
+      <a:clrScheme name="Gear Drives 11">
+        <a:dk1>
+          <a:srgbClr val="3E3E5C"/>
+        </a:dk1>
+        <a:lt1>
+          <a:srgbClr val="FFFFFF"/>
+        </a:lt1>
+        <a:dk2>
+          <a:srgbClr val="666699"/>
+        </a:dk2>
+        <a:lt2>
+          <a:srgbClr val="FFFFFF"/>
+        </a:lt2>
+        <a:accent1>
+          <a:srgbClr val="60597B"/>
+        </a:accent1>
+        <a:accent2>
+          <a:srgbClr val="6666FF"/>
+        </a:accent2>
+        <a:accent3>
+          <a:srgbClr val="B8B8CA"/>
+        </a:accent3>
+        <a:accent4>
+          <a:srgbClr val="DADADA"/>
+        </a:accent4>
+        <a:accent5>
+          <a:srgbClr val="B6B5BF"/>
+        </a:accent5>
+        <a:accent6>
+          <a:srgbClr val="5C5CE7"/>
+        </a:accent6>
+        <a:hlink>
+          <a:srgbClr val="99CCFF"/>
+        </a:hlink>
+        <a:folHlink>
+          <a:srgbClr val="FFFF99"/>
+        </a:folHlink>
+      </a:clrScheme>
+      <a:clrMap bg1="dk2" tx1="lt1" bg2="dk1" tx2="lt2" accent1="accent1" accent2="accent2" accent3="accent3" accent4="accent4" accent5="accent5" accent6="accent6" hlink="hlink" folHlink="folHlink"/>
+    </a:extraClrScheme>
+    <a:extraClrScheme>
+      <a:clrScheme name="Gear Drives 12">
+        <a:dk1>
+          <a:srgbClr val="2D2015"/>
+        </a:dk1>
+        <a:lt1>
+          <a:srgbClr val="FFFFFF"/>
+        </a:lt1>
+        <a:dk2>
+          <a:srgbClr val="523E26"/>
+        </a:dk2>
+        <a:lt2>
+          <a:srgbClr val="DFC08D"/>
+        </a:lt2>
+        <a:accent1>
+          <a:srgbClr val="8C7B70"/>
+        </a:accent1>
+        <a:accent2>
+          <a:srgbClr val="8F5F2F"/>
+        </a:accent2>
+        <a:accent3>
+          <a:srgbClr val="B3AFAC"/>
+        </a:accent3>
+        <a:accent4>
+          <a:srgbClr val="DADADA"/>
+        </a:accent4>
+        <a:accent5>
+          <a:srgbClr val="C5BFBB"/>
+        </a:accent5>
+        <a:accent6>
+          <a:srgbClr val="81552A"/>
+        </a:accent6>
+        <a:hlink>
+          <a:srgbClr val="CCB400"/>
+        </a:hlink>
+        <a:folHlink>
+          <a:srgbClr val="8C9EA0"/>
+        </a:folHlink>
+      </a:clrScheme>
+      <a:clrMap bg1="dk2" tx1="lt1" bg2="dk1" tx2="lt2" accent1="accent1" accent2="accent2" accent3="accent3" accent4="accent4" accent5="accent5" accent6="accent6" hlink="hlink" folHlink="folHlink"/>
+    </a:extraClrScheme>
+    <a:extraClrScheme>
+      <a:clrScheme name="Gear Drives 13">
+        <a:dk1>
+          <a:srgbClr val="000000"/>
+        </a:dk1>
+        <a:lt1>
+          <a:srgbClr val="FFFFFF"/>
+        </a:lt1>
+        <a:dk2>
+          <a:srgbClr val="000000"/>
+        </a:dk2>
+        <a:lt2>
+          <a:srgbClr val="969696"/>
+        </a:lt2>
+        <a:accent1>
+          <a:srgbClr val="5F5F5F"/>
+        </a:accent1>
+        <a:accent2>
+          <a:srgbClr val="969696"/>
+        </a:accent2>
+        <a:accent3>
+          <a:srgbClr val="FFFFFF"/>
+        </a:accent3>
+        <a:accent4>
+          <a:srgbClr val="000000"/>
+        </a:accent4>
+        <a:accent5>
+          <a:srgbClr val="B6B6B6"/>
+        </a:accent5>
+        <a:accent6>
+          <a:srgbClr val="878787"/>
+        </a:accent6>
+        <a:hlink>
+          <a:srgbClr val="CC3300"/>
+        </a:hlink>
+        <a:folHlink>
+          <a:srgbClr val="996600"/>
+        </a:folHlink>
+      </a:clrScheme>
+      <a:clrMap bg1="lt1" tx1="dk1" bg2="lt2" tx2="dk2" accent1="accent1" accent2="accent2" accent3="accent3" accent4="accent4" accent5="accent5" accent6="accent6" hlink="hlink" folHlink="folHlink"/>
+    </a:extraClrScheme>
+  </a:extraClrSchemeLst>
   <a:extLst>
     <a:ext uri="{05A4C25C-085E-4340-85A3-A5531E510DB2}">
       <thm15:themeFamily xmlns:thm15="http://schemas.microsoft.com/office/thememl/2012/main" name="Office Theme" id="{62F939B6-93AF-4DB8-9C6B-D6C7DFDC589F}" vid="{4A3C46E8-61CC-4603-A589-7422A47A8E4A}"/>
